--- a/Proyecto_JavaFx_Oracle_AGP_MDV/Proyecto javafx.pptx
+++ b/Proyecto_JavaFx_Oracle_AGP_MDV/Proyecto javafx.pptx
@@ -5,17 +5,18 @@
     <p:sldMasterId id="2147483672" r:id="rId1"/>
   </p:sldMasterIdLst>
   <p:notesMasterIdLst>
-    <p:notesMasterId r:id="rId7"/>
+    <p:notesMasterId r:id="rId8"/>
   </p:notesMasterIdLst>
   <p:handoutMasterIdLst>
-    <p:handoutMasterId r:id="rId8"/>
+    <p:handoutMasterId r:id="rId9"/>
   </p:handoutMasterIdLst>
   <p:sldIdLst>
     <p:sldId id="256" r:id="rId2"/>
     <p:sldId id="261" r:id="rId3"/>
     <p:sldId id="259" r:id="rId4"/>
     <p:sldId id="262" r:id="rId5"/>
-    <p:sldId id="260" r:id="rId6"/>
+    <p:sldId id="263" r:id="rId6"/>
+    <p:sldId id="260" r:id="rId7"/>
   </p:sldIdLst>
   <p:sldSz cx="12192000" cy="6858000"/>
   <p:notesSz cx="6858000" cy="9144000"/>
@@ -1622,6 +1623,753 @@
 </file>
 
 <file path=ppt/diagrams/colors3.xml><?xml version="1.0" encoding="utf-8"?>
+<dgm:colorsDef xmlns:dgm="http://schemas.openxmlformats.org/drawingml/2006/diagram" xmlns:a="http://schemas.openxmlformats.org/drawingml/2006/main" uniqueId="urn:microsoft.com/office/officeart/2005/8/colors/accent2_2">
+  <dgm:title val=""/>
+  <dgm:desc val=""/>
+  <dgm:catLst>
+    <dgm:cat type="accent2" pri="11200"/>
+  </dgm:catLst>
+  <dgm:styleLbl name="node0">
+    <dgm:fillClrLst meth="repeat">
+      <a:schemeClr val="accent2"/>
+    </dgm:fillClrLst>
+    <dgm:linClrLst meth="repeat">
+      <a:schemeClr val="lt1"/>
+    </dgm:linClrLst>
+    <dgm:effectClrLst/>
+    <dgm:txLinClrLst/>
+    <dgm:txFillClrLst/>
+    <dgm:txEffectClrLst/>
+  </dgm:styleLbl>
+  <dgm:styleLbl name="node1">
+    <dgm:fillClrLst meth="repeat">
+      <a:schemeClr val="accent2"/>
+    </dgm:fillClrLst>
+    <dgm:linClrLst meth="repeat">
+      <a:schemeClr val="lt1"/>
+    </dgm:linClrLst>
+    <dgm:effectClrLst/>
+    <dgm:txLinClrLst/>
+    <dgm:txFillClrLst/>
+    <dgm:txEffectClrLst/>
+  </dgm:styleLbl>
+  <dgm:styleLbl name="alignNode1">
+    <dgm:fillClrLst meth="repeat">
+      <a:schemeClr val="accent2"/>
+    </dgm:fillClrLst>
+    <dgm:linClrLst meth="repeat">
+      <a:schemeClr val="accent2"/>
+    </dgm:linClrLst>
+    <dgm:effectClrLst/>
+    <dgm:txLinClrLst/>
+    <dgm:txFillClrLst/>
+    <dgm:txEffectClrLst/>
+  </dgm:styleLbl>
+  <dgm:styleLbl name="lnNode1">
+    <dgm:fillClrLst meth="repeat">
+      <a:schemeClr val="accent2"/>
+    </dgm:fillClrLst>
+    <dgm:linClrLst meth="repeat">
+      <a:schemeClr val="lt1"/>
+    </dgm:linClrLst>
+    <dgm:effectClrLst/>
+    <dgm:txLinClrLst/>
+    <dgm:txFillClrLst/>
+    <dgm:txEffectClrLst/>
+  </dgm:styleLbl>
+  <dgm:styleLbl name="vennNode1">
+    <dgm:fillClrLst meth="repeat">
+      <a:schemeClr val="accent2">
+        <a:alpha val="50000"/>
+      </a:schemeClr>
+    </dgm:fillClrLst>
+    <dgm:linClrLst meth="repeat">
+      <a:schemeClr val="lt1"/>
+    </dgm:linClrLst>
+    <dgm:effectClrLst/>
+    <dgm:txLinClrLst/>
+    <dgm:txFillClrLst/>
+    <dgm:txEffectClrLst/>
+  </dgm:styleLbl>
+  <dgm:styleLbl name="node2">
+    <dgm:fillClrLst meth="repeat">
+      <a:schemeClr val="accent2"/>
+    </dgm:fillClrLst>
+    <dgm:linClrLst meth="repeat">
+      <a:schemeClr val="lt1"/>
+    </dgm:linClrLst>
+    <dgm:effectClrLst/>
+    <dgm:txLinClrLst/>
+    <dgm:txFillClrLst/>
+    <dgm:txEffectClrLst/>
+  </dgm:styleLbl>
+  <dgm:styleLbl name="node3">
+    <dgm:fillClrLst meth="repeat">
+      <a:schemeClr val="accent2"/>
+    </dgm:fillClrLst>
+    <dgm:linClrLst meth="repeat">
+      <a:schemeClr val="lt1"/>
+    </dgm:linClrLst>
+    <dgm:effectClrLst/>
+    <dgm:txLinClrLst/>
+    <dgm:txFillClrLst/>
+    <dgm:txEffectClrLst/>
+  </dgm:styleLbl>
+  <dgm:styleLbl name="node4">
+    <dgm:fillClrLst meth="repeat">
+      <a:schemeClr val="accent2"/>
+    </dgm:fillClrLst>
+    <dgm:linClrLst meth="repeat">
+      <a:schemeClr val="lt1"/>
+    </dgm:linClrLst>
+    <dgm:effectClrLst/>
+    <dgm:txLinClrLst/>
+    <dgm:txFillClrLst/>
+    <dgm:txEffectClrLst/>
+  </dgm:styleLbl>
+  <dgm:styleLbl name="fgImgPlace1">
+    <dgm:fillClrLst meth="repeat">
+      <a:schemeClr val="accent2">
+        <a:tint val="50000"/>
+      </a:schemeClr>
+    </dgm:fillClrLst>
+    <dgm:linClrLst meth="repeat">
+      <a:schemeClr val="lt1"/>
+    </dgm:linClrLst>
+    <dgm:effectClrLst/>
+    <dgm:txLinClrLst/>
+    <dgm:txFillClrLst meth="repeat">
+      <a:schemeClr val="lt1"/>
+    </dgm:txFillClrLst>
+    <dgm:txEffectClrLst/>
+  </dgm:styleLbl>
+  <dgm:styleLbl name="alignImgPlace1">
+    <dgm:fillClrLst meth="repeat">
+      <a:schemeClr val="accent2">
+        <a:tint val="50000"/>
+      </a:schemeClr>
+    </dgm:fillClrLst>
+    <dgm:linClrLst meth="repeat">
+      <a:schemeClr val="lt1"/>
+    </dgm:linClrLst>
+    <dgm:effectClrLst/>
+    <dgm:txLinClrLst/>
+    <dgm:txFillClrLst meth="repeat">
+      <a:schemeClr val="lt1"/>
+    </dgm:txFillClrLst>
+    <dgm:txEffectClrLst/>
+  </dgm:styleLbl>
+  <dgm:styleLbl name="bgImgPlace1">
+    <dgm:fillClrLst meth="repeat">
+      <a:schemeClr val="accent2">
+        <a:tint val="50000"/>
+      </a:schemeClr>
+    </dgm:fillClrLst>
+    <dgm:linClrLst meth="repeat">
+      <a:schemeClr val="lt1"/>
+    </dgm:linClrLst>
+    <dgm:effectClrLst/>
+    <dgm:txLinClrLst/>
+    <dgm:txFillClrLst meth="repeat">
+      <a:schemeClr val="lt1"/>
+    </dgm:txFillClrLst>
+    <dgm:txEffectClrLst/>
+  </dgm:styleLbl>
+  <dgm:styleLbl name="sibTrans2D1">
+    <dgm:fillClrLst meth="repeat">
+      <a:schemeClr val="accent2">
+        <a:tint val="60000"/>
+      </a:schemeClr>
+    </dgm:fillClrLst>
+    <dgm:linClrLst meth="repeat">
+      <a:schemeClr val="accent2">
+        <a:tint val="60000"/>
+      </a:schemeClr>
+    </dgm:linClrLst>
+    <dgm:effectClrLst/>
+    <dgm:txLinClrLst/>
+    <dgm:txFillClrLst/>
+    <dgm:txEffectClrLst/>
+  </dgm:styleLbl>
+  <dgm:styleLbl name="fgSibTrans2D1">
+    <dgm:fillClrLst meth="repeat">
+      <a:schemeClr val="accent2">
+        <a:tint val="60000"/>
+      </a:schemeClr>
+    </dgm:fillClrLst>
+    <dgm:linClrLst meth="repeat">
+      <a:schemeClr val="accent2">
+        <a:tint val="60000"/>
+      </a:schemeClr>
+    </dgm:linClrLst>
+    <dgm:effectClrLst/>
+    <dgm:txLinClrLst/>
+    <dgm:txFillClrLst/>
+    <dgm:txEffectClrLst/>
+  </dgm:styleLbl>
+  <dgm:styleLbl name="bgSibTrans2D1">
+    <dgm:fillClrLst meth="repeat">
+      <a:schemeClr val="accent2">
+        <a:tint val="60000"/>
+      </a:schemeClr>
+    </dgm:fillClrLst>
+    <dgm:linClrLst meth="repeat">
+      <a:schemeClr val="accent2">
+        <a:tint val="60000"/>
+      </a:schemeClr>
+    </dgm:linClrLst>
+    <dgm:effectClrLst/>
+    <dgm:txLinClrLst/>
+    <dgm:txFillClrLst/>
+    <dgm:txEffectClrLst/>
+  </dgm:styleLbl>
+  <dgm:styleLbl name="sibTrans1D1">
+    <dgm:fillClrLst meth="repeat">
+      <a:schemeClr val="accent2"/>
+    </dgm:fillClrLst>
+    <dgm:linClrLst meth="repeat">
+      <a:schemeClr val="accent2"/>
+    </dgm:linClrLst>
+    <dgm:effectClrLst/>
+    <dgm:txLinClrLst/>
+    <dgm:txFillClrLst meth="repeat">
+      <a:schemeClr val="tx1"/>
+    </dgm:txFillClrLst>
+    <dgm:txEffectClrLst/>
+  </dgm:styleLbl>
+  <dgm:styleLbl name="callout">
+    <dgm:fillClrLst meth="repeat">
+      <a:schemeClr val="accent2"/>
+    </dgm:fillClrLst>
+    <dgm:linClrLst meth="repeat">
+      <a:schemeClr val="accent2">
+        <a:tint val="50000"/>
+      </a:schemeClr>
+    </dgm:linClrLst>
+    <dgm:effectClrLst/>
+    <dgm:txLinClrLst/>
+    <dgm:txFillClrLst meth="repeat">
+      <a:schemeClr val="tx1"/>
+    </dgm:txFillClrLst>
+    <dgm:txEffectClrLst/>
+  </dgm:styleLbl>
+  <dgm:styleLbl name="asst0">
+    <dgm:fillClrLst meth="repeat">
+      <a:schemeClr val="accent2"/>
+    </dgm:fillClrLst>
+    <dgm:linClrLst meth="repeat">
+      <a:schemeClr val="lt1"/>
+    </dgm:linClrLst>
+    <dgm:effectClrLst/>
+    <dgm:txLinClrLst/>
+    <dgm:txFillClrLst/>
+    <dgm:txEffectClrLst/>
+  </dgm:styleLbl>
+  <dgm:styleLbl name="asst1">
+    <dgm:fillClrLst meth="repeat">
+      <a:schemeClr val="accent2"/>
+    </dgm:fillClrLst>
+    <dgm:linClrLst meth="repeat">
+      <a:schemeClr val="lt1"/>
+    </dgm:linClrLst>
+    <dgm:effectClrLst/>
+    <dgm:txLinClrLst/>
+    <dgm:txFillClrLst/>
+    <dgm:txEffectClrLst/>
+  </dgm:styleLbl>
+  <dgm:styleLbl name="asst2">
+    <dgm:fillClrLst meth="repeat">
+      <a:schemeClr val="accent2"/>
+    </dgm:fillClrLst>
+    <dgm:linClrLst meth="repeat">
+      <a:schemeClr val="lt1"/>
+    </dgm:linClrLst>
+    <dgm:effectClrLst/>
+    <dgm:txLinClrLst/>
+    <dgm:txFillClrLst/>
+    <dgm:txEffectClrLst/>
+  </dgm:styleLbl>
+  <dgm:styleLbl name="asst3">
+    <dgm:fillClrLst meth="repeat">
+      <a:schemeClr val="accent2"/>
+    </dgm:fillClrLst>
+    <dgm:linClrLst meth="repeat">
+      <a:schemeClr val="lt1"/>
+    </dgm:linClrLst>
+    <dgm:effectClrLst/>
+    <dgm:txLinClrLst/>
+    <dgm:txFillClrLst/>
+    <dgm:txEffectClrLst/>
+  </dgm:styleLbl>
+  <dgm:styleLbl name="asst4">
+    <dgm:fillClrLst meth="repeat">
+      <a:schemeClr val="accent2"/>
+    </dgm:fillClrLst>
+    <dgm:linClrLst meth="repeat">
+      <a:schemeClr val="lt1"/>
+    </dgm:linClrLst>
+    <dgm:effectClrLst/>
+    <dgm:txLinClrLst/>
+    <dgm:txFillClrLst/>
+    <dgm:txEffectClrLst/>
+  </dgm:styleLbl>
+  <dgm:styleLbl name="parChTrans2D1">
+    <dgm:fillClrLst meth="repeat">
+      <a:schemeClr val="accent2">
+        <a:tint val="60000"/>
+      </a:schemeClr>
+    </dgm:fillClrLst>
+    <dgm:linClrLst meth="repeat">
+      <a:schemeClr val="accent2">
+        <a:tint val="60000"/>
+      </a:schemeClr>
+    </dgm:linClrLst>
+    <dgm:effectClrLst/>
+    <dgm:txLinClrLst/>
+    <dgm:txFillClrLst meth="repeat">
+      <a:schemeClr val="lt1"/>
+    </dgm:txFillClrLst>
+    <dgm:txEffectClrLst/>
+  </dgm:styleLbl>
+  <dgm:styleLbl name="parChTrans2D2">
+    <dgm:fillClrLst meth="repeat">
+      <a:schemeClr val="accent2"/>
+    </dgm:fillClrLst>
+    <dgm:linClrLst meth="repeat">
+      <a:schemeClr val="accent2"/>
+    </dgm:linClrLst>
+    <dgm:effectClrLst/>
+    <dgm:txLinClrLst/>
+    <dgm:txFillClrLst meth="repeat">
+      <a:schemeClr val="lt1"/>
+    </dgm:txFillClrLst>
+    <dgm:txEffectClrLst/>
+  </dgm:styleLbl>
+  <dgm:styleLbl name="parChTrans2D3">
+    <dgm:fillClrLst meth="repeat">
+      <a:schemeClr val="accent2"/>
+    </dgm:fillClrLst>
+    <dgm:linClrLst meth="repeat">
+      <a:schemeClr val="accent2"/>
+    </dgm:linClrLst>
+    <dgm:effectClrLst/>
+    <dgm:txLinClrLst/>
+    <dgm:txFillClrLst meth="repeat">
+      <a:schemeClr val="lt1"/>
+    </dgm:txFillClrLst>
+    <dgm:txEffectClrLst/>
+  </dgm:styleLbl>
+  <dgm:styleLbl name="parChTrans2D4">
+    <dgm:fillClrLst meth="repeat">
+      <a:schemeClr val="accent2"/>
+    </dgm:fillClrLst>
+    <dgm:linClrLst meth="repeat">
+      <a:schemeClr val="accent2"/>
+    </dgm:linClrLst>
+    <dgm:effectClrLst/>
+    <dgm:txLinClrLst/>
+    <dgm:txFillClrLst meth="repeat">
+      <a:schemeClr val="lt1"/>
+    </dgm:txFillClrLst>
+    <dgm:txEffectClrLst/>
+  </dgm:styleLbl>
+  <dgm:styleLbl name="parChTrans1D1">
+    <dgm:fillClrLst meth="repeat">
+      <a:schemeClr val="accent2"/>
+    </dgm:fillClrLst>
+    <dgm:linClrLst meth="repeat">
+      <a:schemeClr val="accent2">
+        <a:shade val="60000"/>
+      </a:schemeClr>
+    </dgm:linClrLst>
+    <dgm:effectClrLst/>
+    <dgm:txLinClrLst/>
+    <dgm:txFillClrLst meth="repeat">
+      <a:schemeClr val="tx1"/>
+    </dgm:txFillClrLst>
+    <dgm:txEffectClrLst/>
+  </dgm:styleLbl>
+  <dgm:styleLbl name="parChTrans1D2">
+    <dgm:fillClrLst meth="repeat">
+      <a:schemeClr val="accent2"/>
+    </dgm:fillClrLst>
+    <dgm:linClrLst meth="repeat">
+      <a:schemeClr val="accent2">
+        <a:shade val="60000"/>
+      </a:schemeClr>
+    </dgm:linClrLst>
+    <dgm:effectClrLst/>
+    <dgm:txLinClrLst/>
+    <dgm:txFillClrLst meth="repeat">
+      <a:schemeClr val="tx1"/>
+    </dgm:txFillClrLst>
+    <dgm:txEffectClrLst/>
+  </dgm:styleLbl>
+  <dgm:styleLbl name="parChTrans1D3">
+    <dgm:fillClrLst meth="repeat">
+      <a:schemeClr val="accent2"/>
+    </dgm:fillClrLst>
+    <dgm:linClrLst meth="repeat">
+      <a:schemeClr val="accent2">
+        <a:shade val="80000"/>
+      </a:schemeClr>
+    </dgm:linClrLst>
+    <dgm:effectClrLst/>
+    <dgm:txLinClrLst/>
+    <dgm:txFillClrLst meth="repeat">
+      <a:schemeClr val="tx1"/>
+    </dgm:txFillClrLst>
+    <dgm:txEffectClrLst/>
+  </dgm:styleLbl>
+  <dgm:styleLbl name="parChTrans1D4">
+    <dgm:fillClrLst meth="repeat">
+      <a:schemeClr val="accent2"/>
+    </dgm:fillClrLst>
+    <dgm:linClrLst meth="repeat">
+      <a:schemeClr val="accent2">
+        <a:shade val="80000"/>
+      </a:schemeClr>
+    </dgm:linClrLst>
+    <dgm:effectClrLst/>
+    <dgm:txLinClrLst/>
+    <dgm:txFillClrLst meth="repeat">
+      <a:schemeClr val="tx1"/>
+    </dgm:txFillClrLst>
+    <dgm:txEffectClrLst/>
+  </dgm:styleLbl>
+  <dgm:styleLbl name="fgAcc1">
+    <dgm:fillClrLst meth="repeat">
+      <a:schemeClr val="lt1">
+        <a:alpha val="90000"/>
+      </a:schemeClr>
+    </dgm:fillClrLst>
+    <dgm:linClrLst meth="repeat">
+      <a:schemeClr val="accent2"/>
+    </dgm:linClrLst>
+    <dgm:effectClrLst/>
+    <dgm:txLinClrLst/>
+    <dgm:txFillClrLst meth="repeat">
+      <a:schemeClr val="dk1"/>
+    </dgm:txFillClrLst>
+    <dgm:txEffectClrLst/>
+  </dgm:styleLbl>
+  <dgm:styleLbl name="conFgAcc1">
+    <dgm:fillClrLst meth="repeat">
+      <a:schemeClr val="lt1">
+        <a:alpha val="90000"/>
+      </a:schemeClr>
+    </dgm:fillClrLst>
+    <dgm:linClrLst meth="repeat">
+      <a:schemeClr val="accent2"/>
+    </dgm:linClrLst>
+    <dgm:effectClrLst/>
+    <dgm:txLinClrLst/>
+    <dgm:txFillClrLst meth="repeat">
+      <a:schemeClr val="dk1"/>
+    </dgm:txFillClrLst>
+    <dgm:txEffectClrLst/>
+  </dgm:styleLbl>
+  <dgm:styleLbl name="alignAcc1">
+    <dgm:fillClrLst meth="repeat">
+      <a:schemeClr val="lt1">
+        <a:alpha val="90000"/>
+      </a:schemeClr>
+    </dgm:fillClrLst>
+    <dgm:linClrLst meth="repeat">
+      <a:schemeClr val="accent2"/>
+    </dgm:linClrLst>
+    <dgm:effectClrLst/>
+    <dgm:txLinClrLst/>
+    <dgm:txFillClrLst meth="repeat">
+      <a:schemeClr val="dk1"/>
+    </dgm:txFillClrLst>
+    <dgm:txEffectClrLst/>
+  </dgm:styleLbl>
+  <dgm:styleLbl name="trAlignAcc1">
+    <dgm:fillClrLst meth="repeat">
+      <a:schemeClr val="lt1">
+        <a:alpha val="40000"/>
+      </a:schemeClr>
+    </dgm:fillClrLst>
+    <dgm:linClrLst meth="repeat">
+      <a:schemeClr val="accent2"/>
+    </dgm:linClrLst>
+    <dgm:effectClrLst/>
+    <dgm:txLinClrLst/>
+    <dgm:txFillClrLst meth="repeat">
+      <a:schemeClr val="dk1"/>
+    </dgm:txFillClrLst>
+    <dgm:txEffectClrLst/>
+  </dgm:styleLbl>
+  <dgm:styleLbl name="bgAcc1">
+    <dgm:fillClrLst meth="repeat">
+      <a:schemeClr val="lt1">
+        <a:alpha val="90000"/>
+      </a:schemeClr>
+    </dgm:fillClrLst>
+    <dgm:linClrLst meth="repeat">
+      <a:schemeClr val="accent2"/>
+    </dgm:linClrLst>
+    <dgm:effectClrLst/>
+    <dgm:txLinClrLst/>
+    <dgm:txFillClrLst meth="repeat">
+      <a:schemeClr val="dk1"/>
+    </dgm:txFillClrLst>
+    <dgm:txEffectClrLst/>
+  </dgm:styleLbl>
+  <dgm:styleLbl name="solidFgAcc1">
+    <dgm:fillClrLst meth="repeat">
+      <a:schemeClr val="lt1"/>
+    </dgm:fillClrLst>
+    <dgm:linClrLst meth="repeat">
+      <a:schemeClr val="accent2"/>
+    </dgm:linClrLst>
+    <dgm:effectClrLst/>
+    <dgm:txLinClrLst/>
+    <dgm:txFillClrLst meth="repeat">
+      <a:schemeClr val="dk1"/>
+    </dgm:txFillClrLst>
+    <dgm:txEffectClrLst/>
+  </dgm:styleLbl>
+  <dgm:styleLbl name="solidAlignAcc1">
+    <dgm:fillClrLst meth="repeat">
+      <a:schemeClr val="lt1"/>
+    </dgm:fillClrLst>
+    <dgm:linClrLst meth="repeat">
+      <a:schemeClr val="accent2"/>
+    </dgm:linClrLst>
+    <dgm:effectClrLst/>
+    <dgm:txLinClrLst/>
+    <dgm:txFillClrLst meth="repeat">
+      <a:schemeClr val="dk1"/>
+    </dgm:txFillClrLst>
+    <dgm:txEffectClrLst/>
+  </dgm:styleLbl>
+  <dgm:styleLbl name="solidBgAcc1">
+    <dgm:fillClrLst meth="repeat">
+      <a:schemeClr val="lt1"/>
+    </dgm:fillClrLst>
+    <dgm:linClrLst meth="repeat">
+      <a:schemeClr val="accent2"/>
+    </dgm:linClrLst>
+    <dgm:effectClrLst/>
+    <dgm:txLinClrLst/>
+    <dgm:txFillClrLst meth="repeat">
+      <a:schemeClr val="dk1"/>
+    </dgm:txFillClrLst>
+    <dgm:txEffectClrLst/>
+  </dgm:styleLbl>
+  <dgm:styleLbl name="fgAccFollowNode1">
+    <dgm:fillClrLst meth="repeat">
+      <a:schemeClr val="accent2">
+        <a:alpha val="90000"/>
+        <a:tint val="40000"/>
+      </a:schemeClr>
+    </dgm:fillClrLst>
+    <dgm:linClrLst meth="repeat">
+      <a:schemeClr val="accent2">
+        <a:alpha val="90000"/>
+        <a:tint val="40000"/>
+      </a:schemeClr>
+    </dgm:linClrLst>
+    <dgm:effectClrLst/>
+    <dgm:txLinClrLst/>
+    <dgm:txFillClrLst meth="repeat">
+      <a:schemeClr val="dk1"/>
+    </dgm:txFillClrLst>
+    <dgm:txEffectClrLst/>
+  </dgm:styleLbl>
+  <dgm:styleLbl name="alignAccFollowNode1">
+    <dgm:fillClrLst meth="repeat">
+      <a:schemeClr val="accent2">
+        <a:alpha val="90000"/>
+        <a:tint val="40000"/>
+      </a:schemeClr>
+    </dgm:fillClrLst>
+    <dgm:linClrLst meth="repeat">
+      <a:schemeClr val="accent2">
+        <a:alpha val="90000"/>
+        <a:tint val="40000"/>
+      </a:schemeClr>
+    </dgm:linClrLst>
+    <dgm:effectClrLst/>
+    <dgm:txLinClrLst/>
+    <dgm:txFillClrLst meth="repeat">
+      <a:schemeClr val="dk1"/>
+    </dgm:txFillClrLst>
+    <dgm:txEffectClrLst/>
+  </dgm:styleLbl>
+  <dgm:styleLbl name="bgAccFollowNode1">
+    <dgm:fillClrLst meth="repeat">
+      <a:schemeClr val="accent2">
+        <a:alpha val="90000"/>
+        <a:tint val="40000"/>
+      </a:schemeClr>
+    </dgm:fillClrLst>
+    <dgm:linClrLst meth="repeat">
+      <a:schemeClr val="accent2">
+        <a:alpha val="90000"/>
+        <a:tint val="40000"/>
+      </a:schemeClr>
+    </dgm:linClrLst>
+    <dgm:effectClrLst/>
+    <dgm:txLinClrLst/>
+    <dgm:txFillClrLst meth="repeat">
+      <a:schemeClr val="dk1"/>
+    </dgm:txFillClrLst>
+    <dgm:txEffectClrLst/>
+  </dgm:styleLbl>
+  <dgm:styleLbl name="fgAcc0">
+    <dgm:fillClrLst meth="repeat">
+      <a:schemeClr val="lt1">
+        <a:alpha val="90000"/>
+      </a:schemeClr>
+    </dgm:fillClrLst>
+    <dgm:linClrLst meth="repeat">
+      <a:schemeClr val="accent2"/>
+    </dgm:linClrLst>
+    <dgm:effectClrLst/>
+    <dgm:txLinClrLst/>
+    <dgm:txFillClrLst meth="repeat">
+      <a:schemeClr val="dk1"/>
+    </dgm:txFillClrLst>
+    <dgm:txEffectClrLst/>
+  </dgm:styleLbl>
+  <dgm:styleLbl name="fgAcc2">
+    <dgm:fillClrLst meth="repeat">
+      <a:schemeClr val="lt1">
+        <a:alpha val="90000"/>
+      </a:schemeClr>
+    </dgm:fillClrLst>
+    <dgm:linClrLst meth="repeat">
+      <a:schemeClr val="accent2"/>
+    </dgm:linClrLst>
+    <dgm:effectClrLst/>
+    <dgm:txLinClrLst/>
+    <dgm:txFillClrLst meth="repeat">
+      <a:schemeClr val="dk1"/>
+    </dgm:txFillClrLst>
+    <dgm:txEffectClrLst/>
+  </dgm:styleLbl>
+  <dgm:styleLbl name="fgAcc3">
+    <dgm:fillClrLst meth="repeat">
+      <a:schemeClr val="lt1">
+        <a:alpha val="90000"/>
+      </a:schemeClr>
+    </dgm:fillClrLst>
+    <dgm:linClrLst meth="repeat">
+      <a:schemeClr val="accent2"/>
+    </dgm:linClrLst>
+    <dgm:effectClrLst/>
+    <dgm:txLinClrLst/>
+    <dgm:txFillClrLst meth="repeat">
+      <a:schemeClr val="dk1"/>
+    </dgm:txFillClrLst>
+    <dgm:txEffectClrLst/>
+  </dgm:styleLbl>
+  <dgm:styleLbl name="fgAcc4">
+    <dgm:fillClrLst meth="repeat">
+      <a:schemeClr val="lt1">
+        <a:alpha val="90000"/>
+      </a:schemeClr>
+    </dgm:fillClrLst>
+    <dgm:linClrLst meth="repeat">
+      <a:schemeClr val="accent2"/>
+    </dgm:linClrLst>
+    <dgm:effectClrLst/>
+    <dgm:txLinClrLst/>
+    <dgm:txFillClrLst meth="repeat">
+      <a:schemeClr val="dk1"/>
+    </dgm:txFillClrLst>
+    <dgm:txEffectClrLst/>
+  </dgm:styleLbl>
+  <dgm:styleLbl name="bgShp">
+    <dgm:fillClrLst meth="repeat">
+      <a:schemeClr val="accent2">
+        <a:tint val="40000"/>
+      </a:schemeClr>
+    </dgm:fillClrLst>
+    <dgm:linClrLst meth="repeat">
+      <a:schemeClr val="accent2"/>
+    </dgm:linClrLst>
+    <dgm:effectClrLst/>
+    <dgm:txLinClrLst/>
+    <dgm:txFillClrLst meth="repeat">
+      <a:schemeClr val="dk1"/>
+    </dgm:txFillClrLst>
+    <dgm:txEffectClrLst/>
+  </dgm:styleLbl>
+  <dgm:styleLbl name="dkBgShp">
+    <dgm:fillClrLst meth="repeat">
+      <a:schemeClr val="accent2">
+        <a:shade val="80000"/>
+      </a:schemeClr>
+    </dgm:fillClrLst>
+    <dgm:linClrLst meth="repeat">
+      <a:schemeClr val="accent2"/>
+    </dgm:linClrLst>
+    <dgm:effectClrLst/>
+    <dgm:txLinClrLst/>
+    <dgm:txFillClrLst meth="repeat">
+      <a:schemeClr val="lt1"/>
+    </dgm:txFillClrLst>
+    <dgm:txEffectClrLst/>
+  </dgm:styleLbl>
+  <dgm:styleLbl name="trBgShp">
+    <dgm:fillClrLst meth="repeat">
+      <a:schemeClr val="accent2">
+        <a:tint val="50000"/>
+        <a:alpha val="40000"/>
+      </a:schemeClr>
+    </dgm:fillClrLst>
+    <dgm:linClrLst meth="repeat">
+      <a:schemeClr val="accent2"/>
+    </dgm:linClrLst>
+    <dgm:effectClrLst/>
+    <dgm:txLinClrLst/>
+    <dgm:txFillClrLst meth="repeat">
+      <a:schemeClr val="lt1"/>
+    </dgm:txFillClrLst>
+    <dgm:txEffectClrLst/>
+  </dgm:styleLbl>
+  <dgm:styleLbl name="fgShp">
+    <dgm:fillClrLst meth="repeat">
+      <a:schemeClr val="accent2">
+        <a:tint val="60000"/>
+      </a:schemeClr>
+    </dgm:fillClrLst>
+    <dgm:linClrLst meth="repeat">
+      <a:schemeClr val="lt1"/>
+    </dgm:linClrLst>
+    <dgm:effectClrLst/>
+    <dgm:txLinClrLst/>
+    <dgm:txFillClrLst meth="repeat">
+      <a:schemeClr val="dk1"/>
+    </dgm:txFillClrLst>
+    <dgm:txEffectClrLst/>
+  </dgm:styleLbl>
+  <dgm:styleLbl name="revTx">
+    <dgm:fillClrLst meth="repeat">
+      <a:schemeClr val="lt1">
+        <a:alpha val="0"/>
+      </a:schemeClr>
+    </dgm:fillClrLst>
+    <dgm:linClrLst meth="repeat">
+      <a:schemeClr val="dk1">
+        <a:alpha val="0"/>
+      </a:schemeClr>
+    </dgm:linClrLst>
+    <dgm:effectClrLst/>
+    <dgm:txLinClrLst/>
+    <dgm:txFillClrLst meth="repeat">
+      <a:schemeClr val="tx1"/>
+    </dgm:txFillClrLst>
+    <dgm:txEffectClrLst/>
+  </dgm:styleLbl>
+</dgm:colorsDef>
+</file>
+
+<file path=ppt/diagrams/colors4.xml><?xml version="1.0" encoding="utf-8"?>
 <dgm:colorsDef xmlns:dgm="http://schemas.openxmlformats.org/drawingml/2006/diagram" xmlns:a="http://schemas.openxmlformats.org/drawingml/2006/main" uniqueId="urn:microsoft.com/office/officeart/2005/8/colors/accent2_2">
   <dgm:title val=""/>
   <dgm:desc val=""/>
@@ -2943,6 +3691,75 @@
 </file>
 
 <file path=ppt/diagrams/data3.xml><?xml version="1.0" encoding="utf-8"?>
+<dgm:dataModel xmlns:dgm="http://schemas.openxmlformats.org/drawingml/2006/diagram" xmlns:a="http://schemas.openxmlformats.org/drawingml/2006/main">
+  <dgm:ptLst>
+    <dgm:pt modelId="{7E5AA53B-3EEE-4DE4-BB81-9044890C2946}" type="doc">
+      <dgm:prSet loTypeId="urn:microsoft.com/office/officeart/2008/layout/VerticalCurvedList" loCatId="list" qsTypeId="urn:microsoft.com/office/officeart/2005/8/quickstyle/simple4" qsCatId="simple" csTypeId="urn:microsoft.com/office/officeart/2005/8/colors/accent2_2" csCatId="accent2" phldr="1"/>
+      <dgm:spPr/>
+      <dgm:t>
+        <a:bodyPr rtlCol="0"/>
+        <a:lstStyle/>
+        <a:p>
+          <a:pPr rtl="0"/>
+          <a:endParaRPr lang="en-US"/>
+        </a:p>
+      </dgm:t>
+    </dgm:pt>
+    <dgm:pt modelId="{57806726-6E60-4ACC-9C1C-7DF9CC365A10}" type="pres">
+      <dgm:prSet presAssocID="{7E5AA53B-3EEE-4DE4-BB81-9044890C2946}" presName="Name0" presStyleCnt="0">
+        <dgm:presLayoutVars>
+          <dgm:chMax val="7"/>
+          <dgm:chPref val="7"/>
+          <dgm:dir/>
+        </dgm:presLayoutVars>
+      </dgm:prSet>
+      <dgm:spPr/>
+    </dgm:pt>
+    <dgm:pt modelId="{90561C55-3C6E-4D53-85E1-2C50BCDDA392}" type="pres">
+      <dgm:prSet presAssocID="{7E5AA53B-3EEE-4DE4-BB81-9044890C2946}" presName="Name1" presStyleCnt="0"/>
+      <dgm:spPr/>
+    </dgm:pt>
+    <dgm:pt modelId="{B6CD42EC-5AD4-4004-AE5B-47EDA668DAA8}" type="pres">
+      <dgm:prSet presAssocID="{7E5AA53B-3EEE-4DE4-BB81-9044890C2946}" presName="cycle" presStyleCnt="0"/>
+      <dgm:spPr/>
+    </dgm:pt>
+    <dgm:pt modelId="{963B8EE3-40CC-4A0A-B420-D0BF920973CE}" type="pres">
+      <dgm:prSet presAssocID="{7E5AA53B-3EEE-4DE4-BB81-9044890C2946}" presName="srcNode" presStyleLbl="node1" presStyleIdx="0" presStyleCnt="0"/>
+      <dgm:spPr/>
+    </dgm:pt>
+    <dgm:pt modelId="{D79B43FC-100B-4A0D-A4D5-0D2D04B99064}" type="pres">
+      <dgm:prSet presAssocID="{7E5AA53B-3EEE-4DE4-BB81-9044890C2946}" presName="conn" presStyleLbl="parChTrans1D2" presStyleIdx="0" presStyleCnt="1"/>
+      <dgm:spPr/>
+    </dgm:pt>
+    <dgm:pt modelId="{3CAD8DA1-8D53-445C-ACE8-D8449E4F0F55}" type="pres">
+      <dgm:prSet presAssocID="{7E5AA53B-3EEE-4DE4-BB81-9044890C2946}" presName="extraNode" presStyleLbl="node1" presStyleIdx="0" presStyleCnt="0"/>
+      <dgm:spPr/>
+    </dgm:pt>
+    <dgm:pt modelId="{429CABD1-4116-474B-81BF-735E2CA9DD00}" type="pres">
+      <dgm:prSet presAssocID="{7E5AA53B-3EEE-4DE4-BB81-9044890C2946}" presName="dstNode" presStyleLbl="node1" presStyleIdx="0" presStyleCnt="0"/>
+      <dgm:spPr/>
+    </dgm:pt>
+  </dgm:ptLst>
+  <dgm:cxnLst>
+    <dgm:cxn modelId="{4F65CC8F-B5A8-40BE-A32B-05862B543D6A}" type="presOf" srcId="{7E5AA53B-3EEE-4DE4-BB81-9044890C2946}" destId="{57806726-6E60-4ACC-9C1C-7DF9CC365A10}" srcOrd="0" destOrd="0" presId="urn:microsoft.com/office/officeart/2008/layout/VerticalCurvedList"/>
+    <dgm:cxn modelId="{4E25B52E-70EF-4A0F-B410-0B49263AF380}" type="presParOf" srcId="{57806726-6E60-4ACC-9C1C-7DF9CC365A10}" destId="{90561C55-3C6E-4D53-85E1-2C50BCDDA392}" srcOrd="0" destOrd="0" presId="urn:microsoft.com/office/officeart/2008/layout/VerticalCurvedList"/>
+    <dgm:cxn modelId="{2B3DD9E4-EC9C-4B92-B380-F89BF82E7CF3}" type="presParOf" srcId="{90561C55-3C6E-4D53-85E1-2C50BCDDA392}" destId="{B6CD42EC-5AD4-4004-AE5B-47EDA668DAA8}" srcOrd="0" destOrd="0" presId="urn:microsoft.com/office/officeart/2008/layout/VerticalCurvedList"/>
+    <dgm:cxn modelId="{EA357085-80A4-4D1D-9BD2-56B1E9A721FB}" type="presParOf" srcId="{B6CD42EC-5AD4-4004-AE5B-47EDA668DAA8}" destId="{963B8EE3-40CC-4A0A-B420-D0BF920973CE}" srcOrd="0" destOrd="0" presId="urn:microsoft.com/office/officeart/2008/layout/VerticalCurvedList"/>
+    <dgm:cxn modelId="{F175C6D0-411C-40FD-A19B-860D49F42061}" type="presParOf" srcId="{B6CD42EC-5AD4-4004-AE5B-47EDA668DAA8}" destId="{D79B43FC-100B-4A0D-A4D5-0D2D04B99064}" srcOrd="1" destOrd="0" presId="urn:microsoft.com/office/officeart/2008/layout/VerticalCurvedList"/>
+    <dgm:cxn modelId="{794BB944-68C0-47A5-9792-652802EB36AC}" type="presParOf" srcId="{B6CD42EC-5AD4-4004-AE5B-47EDA668DAA8}" destId="{3CAD8DA1-8D53-445C-ACE8-D8449E4F0F55}" srcOrd="2" destOrd="0" presId="urn:microsoft.com/office/officeart/2008/layout/VerticalCurvedList"/>
+    <dgm:cxn modelId="{B8CC75C4-3D1A-49E7-80D2-915668C1368C}" type="presParOf" srcId="{B6CD42EC-5AD4-4004-AE5B-47EDA668DAA8}" destId="{429CABD1-4116-474B-81BF-735E2CA9DD00}" srcOrd="3" destOrd="0" presId="urn:microsoft.com/office/officeart/2008/layout/VerticalCurvedList"/>
+  </dgm:cxnLst>
+  <dgm:bg/>
+  <dgm:whole/>
+  <dgm:extLst>
+    <a:ext uri="http://schemas.microsoft.com/office/drawing/2008/diagram">
+      <dsp:dataModelExt xmlns:dsp="http://schemas.microsoft.com/office/drawing/2008/diagram" relId="rId8" minVer="http://schemas.openxmlformats.org/drawingml/2006/diagram"/>
+    </a:ext>
+  </dgm:extLst>
+</dgm:dataModel>
+</file>
+
+<file path=ppt/diagrams/data4.xml><?xml version="1.0" encoding="utf-8"?>
 <dgm:dataModel xmlns:dgm="http://schemas.openxmlformats.org/drawingml/2006/diagram" xmlns:a="http://schemas.openxmlformats.org/drawingml/2006/main">
   <dgm:ptLst>
     <dgm:pt modelId="{7E5AA53B-3EEE-4DE4-BB81-9044890C2946}" type="doc">
@@ -3824,6 +4641,18 @@
 </file>
 
 <file path=ppt/diagrams/drawing3.xml><?xml version="1.0" encoding="utf-8"?>
+<dsp:drawing xmlns:dgm="http://schemas.openxmlformats.org/drawingml/2006/diagram" xmlns:dsp="http://schemas.microsoft.com/office/drawing/2008/diagram" xmlns:a="http://schemas.openxmlformats.org/drawingml/2006/main">
+  <dsp:spTree>
+    <dsp:nvGrpSpPr>
+      <dsp:cNvPr id="0" name=""/>
+      <dsp:cNvGrpSpPr/>
+    </dsp:nvGrpSpPr>
+    <dsp:grpSpPr/>
+  </dsp:spTree>
+</dsp:drawing>
+</file>
+
+<file path=ppt/diagrams/drawing4.xml><?xml version="1.0" encoding="utf-8"?>
 <dsp:drawing xmlns:dgm="http://schemas.openxmlformats.org/drawingml/2006/diagram" xmlns:dsp="http://schemas.microsoft.com/office/drawing/2008/diagram" xmlns:a="http://schemas.openxmlformats.org/drawingml/2006/main">
   <dsp:spTree>
     <dsp:nvGrpSpPr>
@@ -6581,6 +7410,1284 @@
 </dgm:layoutDef>
 </file>
 
+<file path=ppt/diagrams/layout4.xml><?xml version="1.0" encoding="utf-8"?>
+<dgm:layoutDef xmlns:dgm="http://schemas.openxmlformats.org/drawingml/2006/diagram" xmlns:a="http://schemas.openxmlformats.org/drawingml/2006/main" uniqueId="urn:microsoft.com/office/officeart/2008/layout/VerticalCurvedList">
+  <dgm:title val=""/>
+  <dgm:desc val=""/>
+  <dgm:catLst>
+    <dgm:cat type="list" pri="20000"/>
+  </dgm:catLst>
+  <dgm:sampData>
+    <dgm:dataModel>
+      <dgm:ptLst>
+        <dgm:pt modelId="0" type="doc"/>
+        <dgm:pt modelId="1">
+          <dgm:prSet phldr="1"/>
+        </dgm:pt>
+        <dgm:pt modelId="2">
+          <dgm:prSet phldr="1"/>
+        </dgm:pt>
+        <dgm:pt modelId="3">
+          <dgm:prSet phldr="1"/>
+        </dgm:pt>
+      </dgm:ptLst>
+      <dgm:cxnLst>
+        <dgm:cxn modelId="4" srcId="0" destId="1" srcOrd="0" destOrd="0"/>
+        <dgm:cxn modelId="5" srcId="0" destId="2" srcOrd="1" destOrd="0"/>
+        <dgm:cxn modelId="6" srcId="0" destId="3" srcOrd="2" destOrd="0"/>
+      </dgm:cxnLst>
+      <dgm:bg/>
+      <dgm:whole/>
+    </dgm:dataModel>
+  </dgm:sampData>
+  <dgm:styleData>
+    <dgm:dataModel>
+      <dgm:ptLst>
+        <dgm:pt modelId="0" type="doc"/>
+        <dgm:pt modelId="1">
+          <dgm:prSet phldr="1"/>
+        </dgm:pt>
+        <dgm:pt modelId="2">
+          <dgm:prSet phldr="1"/>
+        </dgm:pt>
+      </dgm:ptLst>
+      <dgm:cxnLst>
+        <dgm:cxn modelId="3" srcId="0" destId="1" srcOrd="0" destOrd="0"/>
+        <dgm:cxn modelId="4" srcId="0" destId="2" srcOrd="1" destOrd="0"/>
+      </dgm:cxnLst>
+      <dgm:bg/>
+      <dgm:whole/>
+    </dgm:dataModel>
+  </dgm:styleData>
+  <dgm:clrData>
+    <dgm:dataModel>
+      <dgm:ptLst>
+        <dgm:pt modelId="0" type="doc"/>
+        <dgm:pt modelId="1">
+          <dgm:prSet phldr="1"/>
+        </dgm:pt>
+        <dgm:pt modelId="2">
+          <dgm:prSet phldr="1"/>
+        </dgm:pt>
+        <dgm:pt modelId="3">
+          <dgm:prSet phldr="1"/>
+        </dgm:pt>
+        <dgm:pt modelId="4">
+          <dgm:prSet phldr="1"/>
+        </dgm:pt>
+      </dgm:ptLst>
+      <dgm:cxnLst>
+        <dgm:cxn modelId="5" srcId="0" destId="1" srcOrd="0" destOrd="0"/>
+        <dgm:cxn modelId="6" srcId="0" destId="2" srcOrd="1" destOrd="0"/>
+        <dgm:cxn modelId="7" srcId="0" destId="3" srcOrd="2" destOrd="0"/>
+        <dgm:cxn modelId="8" srcId="0" destId="4" srcOrd="3" destOrd="0"/>
+      </dgm:cxnLst>
+      <dgm:bg/>
+      <dgm:whole/>
+    </dgm:dataModel>
+  </dgm:clrData>
+  <dgm:layoutNode name="Name0">
+    <dgm:varLst>
+      <dgm:chMax val="7"/>
+      <dgm:chPref val="7"/>
+      <dgm:dir/>
+    </dgm:varLst>
+    <dgm:alg type="composite"/>
+    <dgm:shape xmlns:r="http://schemas.openxmlformats.org/officeDocument/2006/relationships" r:blip="">
+      <dgm:adjLst/>
+    </dgm:shape>
+    <dgm:constrLst>
+      <dgm:constr type="w" for="ch" refType="h" refFor="ch" op="gte" fact="0.8"/>
+    </dgm:constrLst>
+    <dgm:layoutNode name="Name1">
+      <dgm:alg type="composite"/>
+      <dgm:shape xmlns:r="http://schemas.openxmlformats.org/officeDocument/2006/relationships" r:blip="">
+        <dgm:adjLst/>
+      </dgm:shape>
+      <dgm:choose name="Name2">
+        <dgm:if name="Name3" func="var" arg="dir" op="equ" val="norm">
+          <dgm:choose name="Name4">
+            <dgm:if name="Name5" axis="ch" ptType="node" func="cnt" op="equ" val="1">
+              <dgm:constrLst>
+                <dgm:constr type="h" for="ch" forName="cycle" refType="h"/>
+                <dgm:constr type="w" for="ch" forName="cycle" refType="h" refFor="ch" refForName="cycle" fact="0.26"/>
+                <dgm:constr type="l" for="ch" forName="cycle"/>
+                <dgm:constr type="ctrY" for="ch" forName="cycle" refType="h" fact="0.5"/>
+                <dgm:constr type="diam" for="ch" forName="cycle" refType="h" fact="1.344"/>
+                <dgm:constr type="h" for="ch" forName="accent_1" refType="h" fact="0.625"/>
+                <dgm:constr type="w" for="ch" forName="accent_1" refType="h" refFor="ch" refForName="accent_1" op="equ"/>
+                <dgm:constr type="ctrY" for="ch" forName="accent_1" refType="h" fact="0.5"/>
+                <dgm:constr type="ctrX" for="ch" forName="accent_1" refType="h" fact="0.2253"/>
+                <dgm:constr type="l" for="ch" forName="text_1" refType="ctrX" refFor="ch" refForName="accent_1"/>
+                <dgm:constr type="r" for="ch" forName="text_1" refType="w"/>
+                <dgm:constr type="w" for="ch" forName="text_1" refType="h" refFor="ch" refForName="text_1" op="gte"/>
+                <dgm:constr type="h" for="ch" forName="text_1" refType="h" refFor="ch" refForName="accent_1" fact="0.8"/>
+                <dgm:constr type="ctrY" for="ch" forName="text_1" refType="ctrY" refFor="ch" refForName="accent_1"/>
+                <dgm:constr type="lMarg" for="ch" forName="text_1" refType="w" refFor="ch" refForName="accent_1" fact="1.8"/>
+                <dgm:constr type="primFontSz" for="ch" ptType="node" op="equ" val="65"/>
+              </dgm:constrLst>
+            </dgm:if>
+            <dgm:if name="Name6" axis="ch" ptType="node" func="cnt" op="equ" val="2">
+              <dgm:constrLst>
+                <dgm:constr type="h" for="ch" forName="cycle" refType="h"/>
+                <dgm:constr type="w" for="ch" forName="cycle" refType="h" refFor="ch" refForName="cycle" fact="0.26"/>
+                <dgm:constr type="l" for="ch" forName="cycle"/>
+                <dgm:constr type="ctrY" for="ch" forName="cycle" refType="h" fact="0.5"/>
+                <dgm:constr type="diam" for="ch" forName="cycle" refType="h" fact="1.344"/>
+                <dgm:constr type="h" for="ch" forName="accent_1" refType="h" fact="0.3571"/>
+                <dgm:constr type="w" for="ch" forName="accent_1" refType="h" refFor="ch" refForName="accent_1" op="equ"/>
+                <dgm:constr type="ctrY" for="ch" forName="accent_1" refType="h" fact="0.2857"/>
+                <dgm:constr type="ctrX" for="ch" forName="accent_1" refType="h" fact="0.1891"/>
+                <dgm:constr type="l" for="ch" forName="text_1" refType="ctrX" refFor="ch" refForName="accent_1"/>
+                <dgm:constr type="r" for="ch" forName="text_1" refType="w"/>
+                <dgm:constr type="w" for="ch" forName="text_1" refType="h" refFor="ch" refForName="text_1" op="gte"/>
+                <dgm:constr type="h" for="ch" forName="text_1" refType="h" refFor="ch" refForName="accent_1" fact="0.8"/>
+                <dgm:constr type="ctrY" for="ch" forName="text_1" refType="ctrY" refFor="ch" refForName="accent_1"/>
+                <dgm:constr type="lMarg" for="ch" forName="text_1" refType="w" refFor="ch" refForName="accent_1" fact="1.8"/>
+                <dgm:constr type="h" for="ch" forName="accent_2" refType="h" fact="0.3571"/>
+                <dgm:constr type="w" for="ch" forName="accent_2" refType="h" refFor="ch" refForName="accent_2" op="equ"/>
+                <dgm:constr type="ctrY" for="ch" forName="accent_2" refType="h" fact="0.7143"/>
+                <dgm:constr type="ctrX" for="ch" forName="accent_2" refType="h" fact="0.1891"/>
+                <dgm:constr type="l" for="ch" forName="text_2" refType="ctrX" refFor="ch" refForName="accent_2"/>
+                <dgm:constr type="r" for="ch" forName="text_2" refType="w"/>
+                <dgm:constr type="w" for="ch" forName="text_2" refType="h" refFor="ch" refForName="text_2" op="gte"/>
+                <dgm:constr type="h" for="ch" forName="text_2" refType="h" refFor="ch" refForName="accent_2" fact="0.8"/>
+                <dgm:constr type="ctrY" for="ch" forName="text_2" refType="ctrY" refFor="ch" refForName="accent_2"/>
+                <dgm:constr type="lMarg" for="ch" forName="text_2" refType="w" refFor="ch" refForName="accent_2" fact="1.8"/>
+                <dgm:constr type="primFontSz" for="ch" ptType="node" op="equ" val="65"/>
+              </dgm:constrLst>
+            </dgm:if>
+            <dgm:if name="Name7" axis="ch" ptType="node" func="cnt" op="equ" val="3">
+              <dgm:constrLst>
+                <dgm:constr type="h" for="ch" forName="cycle" refType="h"/>
+                <dgm:constr type="w" for="ch" forName="cycle" refType="h" refFor="ch" refForName="cycle" fact="0.26"/>
+                <dgm:constr type="l" for="ch" forName="cycle"/>
+                <dgm:constr type="ctrY" for="ch" forName="cycle" refType="h" fact="0.5"/>
+                <dgm:constr type="diam" for="ch" forName="cycle" refType="h" fact="1.344"/>
+                <dgm:constr type="h" for="ch" forName="accent_1" refType="h" fact="0.25"/>
+                <dgm:constr type="w" for="ch" forName="accent_1" refType="h" refFor="ch" refForName="accent_1" op="equ"/>
+                <dgm:constr type="ctrY" for="ch" forName="accent_1" refType="h" fact="0.2"/>
+                <dgm:constr type="ctrX" for="ch" forName="accent_1" refType="h" fact="0.1526"/>
+                <dgm:constr type="l" for="ch" forName="text_1" refType="ctrX" refFor="ch" refForName="accent_1"/>
+                <dgm:constr type="r" for="ch" forName="text_1" refType="w"/>
+                <dgm:constr type="w" for="ch" forName="text_1" refType="h" refFor="ch" refForName="text_1" op="gte"/>
+                <dgm:constr type="h" for="ch" forName="text_1" refType="h" refFor="ch" refForName="accent_1" fact="0.8"/>
+                <dgm:constr type="ctrY" for="ch" forName="text_1" refType="ctrY" refFor="ch" refForName="accent_1"/>
+                <dgm:constr type="lMarg" for="ch" forName="text_1" refType="w" refFor="ch" refForName="accent_1" fact="1.8"/>
+                <dgm:constr type="h" for="ch" forName="accent_2" refType="h" fact="0.25"/>
+                <dgm:constr type="w" for="ch" forName="accent_2" refType="h" refFor="ch" refForName="accent_2" op="equ"/>
+                <dgm:constr type="ctrY" for="ch" forName="accent_2" refType="h" fact="0.5"/>
+                <dgm:constr type="ctrX" for="ch" forName="accent_2" refType="h" fact="0.2253"/>
+                <dgm:constr type="l" for="ch" forName="text_2" refType="ctrX" refFor="ch" refForName="accent_2"/>
+                <dgm:constr type="r" for="ch" forName="text_2" refType="w"/>
+                <dgm:constr type="w" for="ch" forName="text_2" refType="h" refFor="ch" refForName="text_2" op="gte"/>
+                <dgm:constr type="h" for="ch" forName="text_2" refType="h" refFor="ch" refForName="accent_2" fact="0.8"/>
+                <dgm:constr type="ctrY" for="ch" forName="text_2" refType="ctrY" refFor="ch" refForName="accent_2"/>
+                <dgm:constr type="lMarg" for="ch" forName="text_2" refType="w" refFor="ch" refForName="accent_2" fact="1.8"/>
+                <dgm:constr type="h" for="ch" forName="accent_3" refType="h" fact="0.25"/>
+                <dgm:constr type="w" for="ch" forName="accent_3" refType="h" refFor="ch" refForName="accent_3" op="equ"/>
+                <dgm:constr type="ctrY" for="ch" forName="accent_3" refType="h" fact="0.8"/>
+                <dgm:constr type="ctrX" for="ch" forName="accent_3" refType="h" fact="0.1526"/>
+                <dgm:constr type="l" for="ch" forName="text_3" refType="ctrX" refFor="ch" refForName="accent_3"/>
+                <dgm:constr type="r" for="ch" forName="text_3" refType="w"/>
+                <dgm:constr type="w" for="ch" forName="text_3" refType="h" refFor="ch" refForName="text_3" op="gte"/>
+                <dgm:constr type="h" for="ch" forName="text_3" refType="h" refFor="ch" refForName="accent_3" fact="0.8"/>
+                <dgm:constr type="ctrY" for="ch" forName="text_3" refType="ctrY" refFor="ch" refForName="accent_3"/>
+                <dgm:constr type="lMarg" for="ch" forName="text_3" refType="w" refFor="ch" refForName="accent_3" fact="1.8"/>
+                <dgm:constr type="primFontSz" for="ch" ptType="node" op="equ" val="65"/>
+              </dgm:constrLst>
+            </dgm:if>
+            <dgm:if name="Name8" axis="ch" ptType="node" func="cnt" op="equ" val="4">
+              <dgm:constrLst>
+                <dgm:constr type="h" for="ch" forName="cycle" refType="h"/>
+                <dgm:constr type="w" for="ch" forName="cycle" refType="h" refFor="ch" refForName="cycle" fact="0.26"/>
+                <dgm:constr type="l" for="ch" forName="cycle"/>
+                <dgm:constr type="ctrY" for="ch" forName="cycle" refType="h" fact="0.5"/>
+                <dgm:constr type="diam" for="ch" forName="cycle" refType="h" fact="1.344"/>
+                <dgm:constr type="h" for="ch" forName="accent_1" refType="h" fact="0.1923"/>
+                <dgm:constr type="w" for="ch" forName="accent_1" refType="h" refFor="ch" refForName="accent_1" op="equ"/>
+                <dgm:constr type="ctrY" for="ch" forName="accent_1" refType="h" fact="0.1538"/>
+                <dgm:constr type="ctrX" for="ch" forName="accent_1" refType="h" fact="0.1268"/>
+                <dgm:constr type="l" for="ch" forName="text_1" refType="ctrX" refFor="ch" refForName="accent_1"/>
+                <dgm:constr type="r" for="ch" forName="text_1" refType="w"/>
+                <dgm:constr type="w" for="ch" forName="text_1" refType="h" refFor="ch" refForName="text_1" op="gte"/>
+                <dgm:constr type="h" for="ch" forName="text_1" refType="h" refFor="ch" refForName="accent_1" fact="0.8"/>
+                <dgm:constr type="ctrY" for="ch" forName="text_1" refType="ctrY" refFor="ch" refForName="accent_1"/>
+                <dgm:constr type="lMarg" for="ch" forName="text_1" refType="w" refFor="ch" refForName="accent_1" fact="1.8"/>
+                <dgm:constr type="h" for="ch" forName="accent_2" refType="h" fact="0.1923"/>
+                <dgm:constr type="w" for="ch" forName="accent_2" refType="h" refFor="ch" refForName="accent_2" op="equ"/>
+                <dgm:constr type="ctrY" for="ch" forName="accent_2" refType="h" fact="0.3846"/>
+                <dgm:constr type="ctrX" for="ch" forName="accent_2" refType="h" fact="0.215"/>
+                <dgm:constr type="l" for="ch" forName="text_2" refType="ctrX" refFor="ch" refForName="accent_2"/>
+                <dgm:constr type="r" for="ch" forName="text_2" refType="w"/>
+                <dgm:constr type="w" for="ch" forName="text_2" refType="h" refFor="ch" refForName="text_2" op="gte"/>
+                <dgm:constr type="h" for="ch" forName="text_2" refType="h" refFor="ch" refForName="accent_2" fact="0.8"/>
+                <dgm:constr type="ctrY" for="ch" forName="text_2" refType="ctrY" refFor="ch" refForName="accent_2"/>
+                <dgm:constr type="lMarg" for="ch" forName="text_2" refType="w" refFor="ch" refForName="accent_2" fact="1.8"/>
+                <dgm:constr type="h" for="ch" forName="accent_3" refType="h" fact="0.1923"/>
+                <dgm:constr type="w" for="ch" forName="accent_3" refType="h" refFor="ch" refForName="accent_3" op="equ"/>
+                <dgm:constr type="ctrY" for="ch" forName="accent_3" refType="h" fact="0.6154"/>
+                <dgm:constr type="ctrX" for="ch" forName="accent_3" refType="h" fact="0.215"/>
+                <dgm:constr type="l" for="ch" forName="text_3" refType="ctrX" refFor="ch" refForName="accent_3"/>
+                <dgm:constr type="r" for="ch" forName="text_3" refType="w"/>
+                <dgm:constr type="w" for="ch" forName="text_3" refType="h" refFor="ch" refForName="text_3" op="gte"/>
+                <dgm:constr type="h" for="ch" forName="text_3" refType="h" refFor="ch" refForName="accent_3" fact="0.8"/>
+                <dgm:constr type="ctrY" for="ch" forName="text_3" refType="ctrY" refFor="ch" refForName="accent_3"/>
+                <dgm:constr type="lMarg" for="ch" forName="text_3" refType="w" refFor="ch" refForName="accent_3" fact="1.8"/>
+                <dgm:constr type="h" for="ch" forName="accent_4" refType="h" fact="0.1923"/>
+                <dgm:constr type="w" for="ch" forName="accent_4" refType="h" refFor="ch" refForName="accent_4" op="equ"/>
+                <dgm:constr type="ctrY" for="ch" forName="accent_4" refType="h" fact="0.8462"/>
+                <dgm:constr type="ctrX" for="ch" forName="accent_4" refType="h" fact="0.1268"/>
+                <dgm:constr type="l" for="ch" forName="text_4" refType="ctrX" refFor="ch" refForName="accent_4"/>
+                <dgm:constr type="r" for="ch" forName="text_4" refType="w"/>
+                <dgm:constr type="w" for="ch" forName="text_4" refType="h" refFor="ch" refForName="text_4" op="gte"/>
+                <dgm:constr type="h" for="ch" forName="text_4" refType="h" refFor="ch" refForName="accent_4" fact="0.8"/>
+                <dgm:constr type="ctrY" for="ch" forName="text_4" refType="ctrY" refFor="ch" refForName="accent_4"/>
+                <dgm:constr type="lMarg" for="ch" forName="text_4" refType="w" refFor="ch" refForName="accent_4" fact="1.8"/>
+                <dgm:constr type="primFontSz" for="ch" ptType="node" op="equ" val="65"/>
+              </dgm:constrLst>
+            </dgm:if>
+            <dgm:if name="Name9" axis="ch" ptType="node" func="cnt" op="equ" val="5">
+              <dgm:constrLst>
+                <dgm:constr type="h" for="ch" forName="cycle" refType="h"/>
+                <dgm:constr type="w" for="ch" forName="cycle" refType="h" refFor="ch" refForName="cycle" fact="0.26"/>
+                <dgm:constr type="l" for="ch" forName="cycle"/>
+                <dgm:constr type="ctrY" for="ch" forName="cycle" refType="h" fact="0.5"/>
+                <dgm:constr type="diam" for="ch" forName="cycle" refType="h" fact="1.344"/>
+                <dgm:constr type="h" for="ch" forName="accent_1" refType="h" fact="0.1563"/>
+                <dgm:constr type="w" for="ch" forName="accent_1" refType="h" refFor="ch" refForName="accent_1" op="equ"/>
+                <dgm:constr type="ctrY" for="ch" forName="accent_1" refType="h" fact="0.125"/>
+                <dgm:constr type="ctrX" for="ch" forName="accent_1" refType="h" fact="0.1082"/>
+                <dgm:constr type="l" for="ch" forName="text_1" refType="ctrX" refFor="ch" refForName="accent_1"/>
+                <dgm:constr type="r" for="ch" forName="text_1" refType="w"/>
+                <dgm:constr type="w" for="ch" forName="text_1" refType="h" refFor="ch" refForName="text_1" op="gte"/>
+                <dgm:constr type="h" for="ch" forName="text_1" refType="h" refFor="ch" refForName="accent_1" fact="0.8"/>
+                <dgm:constr type="ctrY" for="ch" forName="text_1" refType="ctrY" refFor="ch" refForName="accent_1"/>
+                <dgm:constr type="lMarg" for="ch" forName="text_1" refType="w" refFor="ch" refForName="accent_1" fact="1.8"/>
+                <dgm:constr type="h" for="ch" forName="accent_2" refType="h" fact="0.1563"/>
+                <dgm:constr type="w" for="ch" forName="accent_2" refType="h" refFor="ch" refForName="accent_2" op="equ"/>
+                <dgm:constr type="ctrY" for="ch" forName="accent_2" refType="h" fact="0.3125"/>
+                <dgm:constr type="ctrX" for="ch" forName="accent_2" refType="h" fact="0.1978"/>
+                <dgm:constr type="l" for="ch" forName="text_2" refType="ctrX" refFor="ch" refForName="accent_2"/>
+                <dgm:constr type="r" for="ch" forName="text_2" refType="w"/>
+                <dgm:constr type="w" for="ch" forName="text_2" refType="h" refFor="ch" refForName="text_2" op="gte"/>
+                <dgm:constr type="h" for="ch" forName="text_2" refType="h" refFor="ch" refForName="accent_2" fact="0.8"/>
+                <dgm:constr type="ctrY" for="ch" forName="text_2" refType="ctrY" refFor="ch" refForName="accent_2"/>
+                <dgm:constr type="lMarg" for="ch" forName="text_2" refType="w" refFor="ch" refForName="accent_2" fact="1.8"/>
+                <dgm:constr type="h" for="ch" forName="accent_3" refType="h" fact="0.1563"/>
+                <dgm:constr type="w" for="ch" forName="accent_3" refType="h" refFor="ch" refForName="accent_3" op="equ"/>
+                <dgm:constr type="ctrY" for="ch" forName="accent_3" refType="h" fact="0.5"/>
+                <dgm:constr type="ctrX" for="ch" forName="accent_3" refType="h" fact="0.2253"/>
+                <dgm:constr type="l" for="ch" forName="text_3" refType="ctrX" refFor="ch" refForName="accent_3"/>
+                <dgm:constr type="r" for="ch" forName="text_3" refType="w"/>
+                <dgm:constr type="w" for="ch" forName="text_3" refType="h" refFor="ch" refForName="text_3" op="gte"/>
+                <dgm:constr type="h" for="ch" forName="text_3" refType="h" refFor="ch" refForName="accent_3" fact="0.8"/>
+                <dgm:constr type="ctrY" for="ch" forName="text_3" refType="ctrY" refFor="ch" refForName="accent_3"/>
+                <dgm:constr type="lMarg" for="ch" forName="text_3" refType="w" refFor="ch" refForName="accent_3" fact="1.8"/>
+                <dgm:constr type="h" for="ch" forName="accent_4" refType="h" fact="0.1563"/>
+                <dgm:constr type="w" for="ch" forName="accent_4" refType="h" refFor="ch" refForName="accent_4" op="equ"/>
+                <dgm:constr type="ctrY" for="ch" forName="accent_4" refType="h" fact="0.6875"/>
+                <dgm:constr type="ctrX" for="ch" forName="accent_4" refType="h" fact="0.1978"/>
+                <dgm:constr type="l" for="ch" forName="text_4" refType="ctrX" refFor="ch" refForName="accent_4"/>
+                <dgm:constr type="r" for="ch" forName="text_4" refType="w"/>
+                <dgm:constr type="w" for="ch" forName="text_4" refType="h" refFor="ch" refForName="text_4" op="gte"/>
+                <dgm:constr type="h" for="ch" forName="text_4" refType="h" refFor="ch" refForName="accent_4" fact="0.8"/>
+                <dgm:constr type="ctrY" for="ch" forName="text_4" refType="ctrY" refFor="ch" refForName="accent_4"/>
+                <dgm:constr type="lMarg" for="ch" forName="text_4" refType="w" refFor="ch" refForName="accent_4" fact="1.8"/>
+                <dgm:constr type="h" for="ch" forName="accent_5" refType="h" fact="0.1563"/>
+                <dgm:constr type="w" for="ch" forName="accent_5" refType="h" refFor="ch" refForName="accent_5" op="equ"/>
+                <dgm:constr type="ctrY" for="ch" forName="accent_5" refType="h" fact="0.875"/>
+                <dgm:constr type="ctrX" for="ch" forName="accent_5" refType="h" fact="0.1082"/>
+                <dgm:constr type="l" for="ch" forName="text_5" refType="ctrX" refFor="ch" refForName="accent_5"/>
+                <dgm:constr type="r" for="ch" forName="text_5" refType="w"/>
+                <dgm:constr type="w" for="ch" forName="text_5" refType="h" refFor="ch" refForName="text_5" op="gte"/>
+                <dgm:constr type="h" for="ch" forName="text_5" refType="h" refFor="ch" refForName="accent_5" fact="0.8"/>
+                <dgm:constr type="ctrY" for="ch" forName="text_5" refType="ctrY" refFor="ch" refForName="accent_5"/>
+                <dgm:constr type="lMarg" for="ch" forName="text_5" refType="w" refFor="ch" refForName="accent_5" fact="1.8"/>
+                <dgm:constr type="primFontSz" for="ch" ptType="node" op="equ" val="65"/>
+              </dgm:constrLst>
+            </dgm:if>
+            <dgm:if name="Name10" axis="ch" ptType="node" func="cnt" op="equ" val="6">
+              <dgm:constrLst>
+                <dgm:constr type="h" for="ch" forName="cycle" refType="h"/>
+                <dgm:constr type="w" for="ch" forName="cycle" refType="h" refFor="ch" refForName="cycle" fact="0.26"/>
+                <dgm:constr type="l" for="ch" forName="cycle"/>
+                <dgm:constr type="ctrY" for="ch" forName="cycle" refType="h" fact="0.5"/>
+                <dgm:constr type="diam" for="ch" forName="cycle" refType="h" fact="1.344"/>
+                <dgm:constr type="h" for="ch" forName="accent_1" refType="h" fact="0.1316"/>
+                <dgm:constr type="w" for="ch" forName="accent_1" refType="h" refFor="ch" refForName="accent_1" op="equ"/>
+                <dgm:constr type="ctrY" for="ch" forName="accent_1" refType="h" fact="0.1053"/>
+                <dgm:constr type="ctrX" for="ch" forName="accent_1" refType="h" fact="0.0943"/>
+                <dgm:constr type="l" for="ch" forName="text_1" refType="ctrX" refFor="ch" refForName="accent_1"/>
+                <dgm:constr type="r" for="ch" forName="text_1" refType="w"/>
+                <dgm:constr type="w" for="ch" forName="text_1" refType="h" refFor="ch" refForName="text_1" op="gte"/>
+                <dgm:constr type="h" for="ch" forName="text_1" refType="h" refFor="ch" refForName="accent_1" fact="0.8"/>
+                <dgm:constr type="ctrY" for="ch" forName="text_1" refType="ctrY" refFor="ch" refForName="accent_1"/>
+                <dgm:constr type="lMarg" for="ch" forName="text_1" refType="w" refFor="ch" refForName="accent_1" fact="1.8"/>
+                <dgm:constr type="h" for="ch" forName="accent_2" refType="h" fact="0.1316"/>
+                <dgm:constr type="w" for="ch" forName="accent_2" refType="h" refFor="ch" refForName="accent_2" op="equ"/>
+                <dgm:constr type="ctrY" for="ch" forName="accent_2" refType="h" fact="0.2632"/>
+                <dgm:constr type="ctrX" for="ch" forName="accent_2" refType="h" fact="0.1809"/>
+                <dgm:constr type="l" for="ch" forName="text_2" refType="ctrX" refFor="ch" refForName="accent_2"/>
+                <dgm:constr type="r" for="ch" forName="text_2" refType="w"/>
+                <dgm:constr type="w" for="ch" forName="text_2" refType="h" refFor="ch" refForName="text_2" op="gte"/>
+                <dgm:constr type="h" for="ch" forName="text_2" refType="h" refFor="ch" refForName="accent_2" fact="0.8"/>
+                <dgm:constr type="ctrY" for="ch" forName="text_2" refType="ctrY" refFor="ch" refForName="accent_2"/>
+                <dgm:constr type="lMarg" for="ch" forName="text_2" refType="w" refFor="ch" refForName="accent_2" fact="1.8"/>
+                <dgm:constr type="h" for="ch" forName="accent_3" refType="h" fact="0.1316"/>
+                <dgm:constr type="w" for="ch" forName="accent_3" refType="h" refFor="ch" refForName="accent_3" op="equ"/>
+                <dgm:constr type="ctrY" for="ch" forName="accent_3" refType="h" fact="0.4211"/>
+                <dgm:constr type="ctrX" for="ch" forName="accent_3" refType="h" fact="0.2205"/>
+                <dgm:constr type="l" for="ch" forName="text_3" refType="ctrX" refFor="ch" refForName="accent_3"/>
+                <dgm:constr type="r" for="ch" forName="text_3" refType="w"/>
+                <dgm:constr type="w" for="ch" forName="text_3" refType="h" refFor="ch" refForName="text_3" op="gte"/>
+                <dgm:constr type="h" for="ch" forName="text_3" refType="h" refFor="ch" refForName="accent_3" fact="0.8"/>
+                <dgm:constr type="ctrY" for="ch" forName="text_3" refType="ctrY" refFor="ch" refForName="accent_3"/>
+                <dgm:constr type="lMarg" for="ch" forName="text_3" refType="w" refFor="ch" refForName="accent_3" fact="1.8"/>
+                <dgm:constr type="h" for="ch" forName="accent_4" refType="h" fact="0.1316"/>
+                <dgm:constr type="w" for="ch" forName="accent_4" refType="h" refFor="ch" refForName="accent_4" op="equ"/>
+                <dgm:constr type="ctrY" for="ch" forName="accent_4" refType="h" fact="0.5789"/>
+                <dgm:constr type="ctrX" for="ch" forName="accent_4" refType="h" fact="0.2205"/>
+                <dgm:constr type="l" for="ch" forName="text_4" refType="ctrX" refFor="ch" refForName="accent_4"/>
+                <dgm:constr type="r" for="ch" forName="text_4" refType="w"/>
+                <dgm:constr type="w" for="ch" forName="text_4" refType="h" refFor="ch" refForName="text_4" op="gte"/>
+                <dgm:constr type="h" for="ch" forName="text_4" refType="h" refFor="ch" refForName="accent_4" fact="0.8"/>
+                <dgm:constr type="ctrY" for="ch" forName="text_4" refType="ctrY" refFor="ch" refForName="accent_4"/>
+                <dgm:constr type="lMarg" for="ch" forName="text_4" refType="w" refFor="ch" refForName="accent_4" fact="1.8"/>
+                <dgm:constr type="h" for="ch" forName="accent_5" refType="h" fact="0.1316"/>
+                <dgm:constr type="w" for="ch" forName="accent_5" refType="h" refFor="ch" refForName="accent_5" op="equ"/>
+                <dgm:constr type="ctrY" for="ch" forName="accent_5" refType="h" fact="0.7368"/>
+                <dgm:constr type="ctrX" for="ch" forName="accent_5" refType="h" fact="0.1809"/>
+                <dgm:constr type="l" for="ch" forName="text_5" refType="ctrX" refFor="ch" refForName="accent_5"/>
+                <dgm:constr type="r" for="ch" forName="text_5" refType="w"/>
+                <dgm:constr type="w" for="ch" forName="text_5" refType="h" refFor="ch" refForName="text_5" op="gte"/>
+                <dgm:constr type="h" for="ch" forName="text_5" refType="h" refFor="ch" refForName="accent_5" fact="0.8"/>
+                <dgm:constr type="ctrY" for="ch" forName="text_5" refType="ctrY" refFor="ch" refForName="accent_5"/>
+                <dgm:constr type="lMarg" for="ch" forName="text_5" refType="w" refFor="ch" refForName="accent_5" fact="1.8"/>
+                <dgm:constr type="h" for="ch" forName="accent_6" refType="h" fact="0.1316"/>
+                <dgm:constr type="w" for="ch" forName="accent_6" refType="h" refFor="ch" refForName="accent_6" op="equ"/>
+                <dgm:constr type="ctrY" for="ch" forName="accent_6" refType="h" fact="0.8947"/>
+                <dgm:constr type="ctrX" for="ch" forName="accent_6" refType="h" fact="0.0943"/>
+                <dgm:constr type="l" for="ch" forName="text_6" refType="ctrX" refFor="ch" refForName="accent_6"/>
+                <dgm:constr type="r" for="ch" forName="text_6" refType="w"/>
+                <dgm:constr type="w" for="ch" forName="text_6" refType="h" refFor="ch" refForName="text_6" op="gte"/>
+                <dgm:constr type="h" for="ch" forName="text_6" refType="h" refFor="ch" refForName="accent_6" fact="0.8"/>
+                <dgm:constr type="ctrY" for="ch" forName="text_6" refType="ctrY" refFor="ch" refForName="accent_6"/>
+                <dgm:constr type="lMarg" for="ch" forName="text_6" refType="w" refFor="ch" refForName="accent_6" fact="1.8"/>
+                <dgm:constr type="primFontSz" for="ch" ptType="node" op="equ" val="65"/>
+              </dgm:constrLst>
+            </dgm:if>
+            <dgm:else name="Name11">
+              <dgm:constrLst>
+                <dgm:constr type="h" for="ch" forName="cycle" refType="h"/>
+                <dgm:constr type="w" for="ch" forName="cycle" refType="h" refFor="ch" refForName="cycle" fact="0.26"/>
+                <dgm:constr type="l" for="ch" forName="cycle"/>
+                <dgm:constr type="ctrY" for="ch" forName="cycle" refType="h" fact="0.5"/>
+                <dgm:constr type="diam" for="ch" forName="cycle" refType="h" fact="1.344"/>
+                <dgm:constr type="h" for="ch" forName="accent_1" refType="h" fact="0.1136"/>
+                <dgm:constr type="w" for="ch" forName="accent_1" refType="h" refFor="ch" refForName="accent_1" op="equ"/>
+                <dgm:constr type="ctrY" for="ch" forName="accent_1" refType="h" fact="0.0909"/>
+                <dgm:constr type="ctrX" for="ch" forName="accent_1" refType="h" fact="0.0835"/>
+                <dgm:constr type="l" for="ch" forName="text_1" refType="ctrX" refFor="ch" refForName="accent_1"/>
+                <dgm:constr type="r" for="ch" forName="text_1" refType="w"/>
+                <dgm:constr type="w" for="ch" forName="text_1" refType="h" refFor="ch" refForName="text_1" op="gte"/>
+                <dgm:constr type="h" for="ch" forName="text_1" refType="h" refFor="ch" refForName="accent_1" fact="0.8"/>
+                <dgm:constr type="ctrY" for="ch" forName="text_1" refType="ctrY" refFor="ch" refForName="accent_1"/>
+                <dgm:constr type="lMarg" for="ch" forName="text_1" refType="w" refFor="ch" refForName="accent_1" fact="1.8"/>
+                <dgm:constr type="h" for="ch" forName="accent_2" refType="h" fact="0.1136"/>
+                <dgm:constr type="w" for="ch" forName="accent_2" refType="h" refFor="ch" refForName="accent_2" op="equ"/>
+                <dgm:constr type="ctrY" for="ch" forName="accent_2" refType="h" fact="0.2273"/>
+                <dgm:constr type="ctrX" for="ch" forName="accent_2" refType="h" fact="0.1658"/>
+                <dgm:constr type="l" for="ch" forName="text_2" refType="ctrX" refFor="ch" refForName="accent_2"/>
+                <dgm:constr type="r" for="ch" forName="text_2" refType="w"/>
+                <dgm:constr type="w" for="ch" forName="text_2" refType="h" refFor="ch" refForName="text_2" op="gte"/>
+                <dgm:constr type="h" for="ch" forName="text_2" refType="h" refFor="ch" refForName="accent_2" fact="0.8"/>
+                <dgm:constr type="ctrY" for="ch" forName="text_2" refType="ctrY" refFor="ch" refForName="accent_2"/>
+                <dgm:constr type="lMarg" for="ch" forName="text_2" refType="w" refFor="ch" refForName="accent_2" fact="1.8"/>
+                <dgm:constr type="h" for="ch" forName="accent_3" refType="h" fact="0.1136"/>
+                <dgm:constr type="w" for="ch" forName="accent_3" refType="h" refFor="ch" refForName="accent_3" op="equ"/>
+                <dgm:constr type="ctrY" for="ch" forName="accent_3" refType="h" fact="0.3636"/>
+                <dgm:constr type="ctrX" for="ch" forName="accent_3" refType="h" fact="0.2109"/>
+                <dgm:constr type="l" for="ch" forName="text_3" refType="ctrX" refFor="ch" refForName="accent_3"/>
+                <dgm:constr type="r" for="ch" forName="text_3" refType="w"/>
+                <dgm:constr type="w" for="ch" forName="text_3" refType="h" refFor="ch" refForName="text_3" op="gte"/>
+                <dgm:constr type="h" for="ch" forName="text_3" refType="h" refFor="ch" refForName="accent_3" fact="0.8"/>
+                <dgm:constr type="ctrY" for="ch" forName="text_3" refType="ctrY" refFor="ch" refForName="accent_3"/>
+                <dgm:constr type="lMarg" for="ch" forName="text_3" refType="w" refFor="ch" refForName="accent_3" fact="1.8"/>
+                <dgm:constr type="h" for="ch" forName="accent_4" refType="h" fact="0.1136"/>
+                <dgm:constr type="w" for="ch" forName="accent_4" refType="h" refFor="ch" refForName="accent_4" op="equ"/>
+                <dgm:constr type="ctrY" for="ch" forName="accent_4" refType="h" fact="0.5"/>
+                <dgm:constr type="ctrX" for="ch" forName="accent_4" refType="h" fact="0.2253"/>
+                <dgm:constr type="l" for="ch" forName="text_4" refType="ctrX" refFor="ch" refForName="accent_4"/>
+                <dgm:constr type="r" for="ch" forName="text_4" refType="w"/>
+                <dgm:constr type="w" for="ch" forName="text_4" refType="h" refFor="ch" refForName="text_4" op="gte"/>
+                <dgm:constr type="h" for="ch" forName="text_4" refType="h" refFor="ch" refForName="accent_4" fact="0.8"/>
+                <dgm:constr type="ctrY" for="ch" forName="text_4" refType="ctrY" refFor="ch" refForName="accent_4"/>
+                <dgm:constr type="lMarg" for="ch" forName="text_4" refType="w" refFor="ch" refForName="accent_4" fact="1.8"/>
+                <dgm:constr type="h" for="ch" forName="accent_5" refType="h" fact="0.1136"/>
+                <dgm:constr type="w" for="ch" forName="accent_5" refType="h" refFor="ch" refForName="accent_5" op="equ"/>
+                <dgm:constr type="ctrY" for="ch" forName="accent_5" refType="h" fact="0.6364"/>
+                <dgm:constr type="ctrX" for="ch" forName="accent_5" refType="h" fact="0.2109"/>
+                <dgm:constr type="l" for="ch" forName="text_5" refType="ctrX" refFor="ch" refForName="accent_5"/>
+                <dgm:constr type="r" for="ch" forName="text_5" refType="w"/>
+                <dgm:constr type="w" for="ch" forName="text_5" refType="h" refFor="ch" refForName="text_5" op="gte"/>
+                <dgm:constr type="h" for="ch" forName="text_5" refType="h" refFor="ch" refForName="accent_5" fact="0.8"/>
+                <dgm:constr type="ctrY" for="ch" forName="text_5" refType="ctrY" refFor="ch" refForName="accent_5"/>
+                <dgm:constr type="lMarg" for="ch" forName="text_5" refType="w" refFor="ch" refForName="accent_5" fact="1.8"/>
+                <dgm:constr type="h" for="ch" forName="accent_6" refType="h" fact="0.1136"/>
+                <dgm:constr type="w" for="ch" forName="accent_6" refType="h" refFor="ch" refForName="accent_6" op="equ"/>
+                <dgm:constr type="ctrY" for="ch" forName="accent_6" refType="h" fact="0.7727"/>
+                <dgm:constr type="ctrX" for="ch" forName="accent_6" refType="h" fact="0.1658"/>
+                <dgm:constr type="l" for="ch" forName="text_6" refType="ctrX" refFor="ch" refForName="accent_6"/>
+                <dgm:constr type="r" for="ch" forName="text_6" refType="w"/>
+                <dgm:constr type="w" for="ch" forName="text_6" refType="h" refFor="ch" refForName="text_6" op="gte"/>
+                <dgm:constr type="h" for="ch" forName="text_6" refType="h" refFor="ch" refForName="accent_6" fact="0.8"/>
+                <dgm:constr type="ctrY" for="ch" forName="text_6" refType="ctrY" refFor="ch" refForName="accent_6"/>
+                <dgm:constr type="lMarg" for="ch" forName="text_6" refType="w" refFor="ch" refForName="accent_6" fact="1.8"/>
+                <dgm:constr type="h" for="ch" forName="accent_7" refType="h" fact="0.1136"/>
+                <dgm:constr type="w" for="ch" forName="accent_7" refType="h" refFor="ch" refForName="accent_7" op="equ"/>
+                <dgm:constr type="ctrY" for="ch" forName="accent_7" refType="h" fact="0.9091"/>
+                <dgm:constr type="ctrX" for="ch" forName="accent_7" refType="h" fact="0.0835"/>
+                <dgm:constr type="l" for="ch" forName="text_7" refType="ctrX" refFor="ch" refForName="accent_7"/>
+                <dgm:constr type="r" for="ch" forName="text_7" refType="w"/>
+                <dgm:constr type="w" for="ch" forName="text_7" refType="h" refFor="ch" refForName="text_7" op="gte"/>
+                <dgm:constr type="h" for="ch" forName="text_7" refType="h" refFor="ch" refForName="accent_7" fact="0.8"/>
+                <dgm:constr type="ctrY" for="ch" forName="text_7" refType="ctrY" refFor="ch" refForName="accent_7"/>
+                <dgm:constr type="lMarg" for="ch" forName="text_7" refType="w" refFor="ch" refForName="accent_7" fact="1.8"/>
+                <dgm:constr type="primFontSz" for="ch" ptType="node" op="equ" val="65"/>
+              </dgm:constrLst>
+            </dgm:else>
+          </dgm:choose>
+        </dgm:if>
+        <dgm:else name="Name12">
+          <dgm:choose name="Name13">
+            <dgm:if name="Name14" axis="ch" ptType="node" func="cnt" op="equ" val="1">
+              <dgm:constrLst>
+                <dgm:constr type="h" for="ch" forName="cycle" refType="h"/>
+                <dgm:constr type="w" for="ch" forName="cycle" refType="h" refFor="ch" refForName="cycle" fact="0.26"/>
+                <dgm:constr type="r" for="ch" forName="cycle" refType="w"/>
+                <dgm:constr type="ctrY" for="ch" forName="cycle" refType="h" fact="0.5"/>
+                <dgm:constr type="diam" for="ch" forName="cycle" refType="h" fact="1.344"/>
+                <dgm:constr type="h" for="ch" forName="accent_1" refType="h" fact="0.625"/>
+                <dgm:constr type="w" for="ch" forName="accent_1" refType="h" refFor="ch" refForName="accent_1" op="equ"/>
+                <dgm:constr type="ctrY" for="ch" forName="accent_1" refType="h" fact="0.5"/>
+                <dgm:constr type="ctrX" for="ch" forName="accent_1" refType="w"/>
+                <dgm:constr type="ctrXOff" for="ch" forName="accent_1" refType="h" fact="-0.2253"/>
+                <dgm:constr type="r" for="ch" forName="text_1" refType="ctrX" refFor="ch" refForName="accent_1"/>
+                <dgm:constr type="rOff" for="ch" forName="text_1" refType="ctrXOff" refFor="ch" refForName="accent_1"/>
+                <dgm:constr type="l" for="ch" forName="text_1"/>
+                <dgm:constr type="w" for="ch" forName="text_1" refType="h" refFor="ch" refForName="text_1" op="gte"/>
+                <dgm:constr type="h" for="ch" forName="text_1" refType="h" refFor="ch" refForName="accent_1" fact="0.8"/>
+                <dgm:constr type="ctrY" for="ch" forName="text_1" refType="ctrY" refFor="ch" refForName="accent_1"/>
+                <dgm:constr type="rMarg" for="ch" forName="text_1" refType="w" refFor="ch" refForName="accent_1" fact="1.8"/>
+                <dgm:constr type="primFontSz" for="ch" ptType="node" op="equ" val="65"/>
+              </dgm:constrLst>
+            </dgm:if>
+            <dgm:if name="Name15" axis="ch" ptType="node" func="cnt" op="equ" val="2">
+              <dgm:constrLst>
+                <dgm:constr type="h" for="ch" forName="cycle" refType="h"/>
+                <dgm:constr type="w" for="ch" forName="cycle" refType="h" refFor="ch" refForName="cycle" fact="0.26"/>
+                <dgm:constr type="r" for="ch" forName="cycle" refType="w"/>
+                <dgm:constr type="ctrY" for="ch" forName="cycle" refType="h" fact="0.5"/>
+                <dgm:constr type="diam" for="ch" forName="cycle" refType="h" fact="1.344"/>
+                <dgm:constr type="h" for="ch" forName="accent_1" refType="h" fact="0.3571"/>
+                <dgm:constr type="w" for="ch" forName="accent_1" refType="h" refFor="ch" refForName="accent_1" op="equ"/>
+                <dgm:constr type="ctrY" for="ch" forName="accent_1" refType="h" fact="0.2857"/>
+                <dgm:constr type="ctrX" for="ch" forName="accent_1" refType="w"/>
+                <dgm:constr type="ctrXOff" for="ch" forName="accent_1" refType="h" fact="-0.1891"/>
+                <dgm:constr type="r" for="ch" forName="text_1" refType="ctrX" refFor="ch" refForName="accent_1"/>
+                <dgm:constr type="rOff" for="ch" forName="text_1" refType="ctrXOff" refFor="ch" refForName="accent_1"/>
+                <dgm:constr type="l" for="ch" forName="text_1"/>
+                <dgm:constr type="w" for="ch" forName="text_1" refType="h" refFor="ch" refForName="text_1" op="gte"/>
+                <dgm:constr type="h" for="ch" forName="text_1" refType="h" refFor="ch" refForName="accent_1" fact="0.8"/>
+                <dgm:constr type="ctrY" for="ch" forName="text_1" refType="ctrY" refFor="ch" refForName="accent_1"/>
+                <dgm:constr type="rMarg" for="ch" forName="text_1" refType="w" refFor="ch" refForName="accent_1" fact="1.8"/>
+                <dgm:constr type="h" for="ch" forName="accent_2" refType="h" fact="0.3571"/>
+                <dgm:constr type="w" for="ch" forName="accent_2" refType="h" refFor="ch" refForName="accent_2" op="equ"/>
+                <dgm:constr type="ctrY" for="ch" forName="accent_2" refType="h" fact="0.7143"/>
+                <dgm:constr type="ctrX" for="ch" forName="accent_2" refType="w"/>
+                <dgm:constr type="ctrXOff" for="ch" forName="accent_2" refType="h" fact="-0.1891"/>
+                <dgm:constr type="r" for="ch" forName="text_2" refType="ctrX" refFor="ch" refForName="accent_2"/>
+                <dgm:constr type="rOff" for="ch" forName="text_2" refType="ctrXOff" refFor="ch" refForName="accent_2"/>
+                <dgm:constr type="l" for="ch" forName="text_2"/>
+                <dgm:constr type="w" for="ch" forName="text_2" refType="h" refFor="ch" refForName="text_2" op="gte"/>
+                <dgm:constr type="h" for="ch" forName="text_2" refType="h" refFor="ch" refForName="accent_2" fact="0.8"/>
+                <dgm:constr type="ctrY" for="ch" forName="text_2" refType="ctrY" refFor="ch" refForName="accent_2"/>
+                <dgm:constr type="rMarg" for="ch" forName="text_2" refType="w" refFor="ch" refForName="accent_2" fact="1.8"/>
+                <dgm:constr type="primFontSz" for="ch" ptType="node" op="equ" val="65"/>
+              </dgm:constrLst>
+            </dgm:if>
+            <dgm:if name="Name16" axis="ch" ptType="node" func="cnt" op="equ" val="3">
+              <dgm:constrLst>
+                <dgm:constr type="h" for="ch" forName="cycle" refType="h"/>
+                <dgm:constr type="w" for="ch" forName="cycle" refType="h" refFor="ch" refForName="cycle" fact="0.26"/>
+                <dgm:constr type="r" for="ch" forName="cycle" refType="w"/>
+                <dgm:constr type="ctrY" for="ch" forName="cycle" refType="h" fact="0.5"/>
+                <dgm:constr type="diam" for="ch" forName="cycle" refType="h" fact="1.344"/>
+                <dgm:constr type="h" for="ch" forName="accent_1" refType="h" fact="0.25"/>
+                <dgm:constr type="w" for="ch" forName="accent_1" refType="h" refFor="ch" refForName="accent_1" op="equ"/>
+                <dgm:constr type="ctrY" for="ch" forName="accent_1" refType="h" fact="0.2"/>
+                <dgm:constr type="ctrX" for="ch" forName="accent_1" refType="w"/>
+                <dgm:constr type="ctrXOff" for="ch" forName="accent_1" refType="h" fact="-0.1526"/>
+                <dgm:constr type="r" for="ch" forName="text_1" refType="ctrX" refFor="ch" refForName="accent_1"/>
+                <dgm:constr type="rOff" for="ch" forName="text_1" refType="ctrXOff" refFor="ch" refForName="accent_1"/>
+                <dgm:constr type="l" for="ch" forName="text_1"/>
+                <dgm:constr type="w" for="ch" forName="text_1" refType="h" refFor="ch" refForName="text_1" op="gte"/>
+                <dgm:constr type="h" for="ch" forName="text_1" refType="h" refFor="ch" refForName="accent_1" fact="0.8"/>
+                <dgm:constr type="ctrY" for="ch" forName="text_1" refType="ctrY" refFor="ch" refForName="accent_1"/>
+                <dgm:constr type="rMarg" for="ch" forName="text_1" refType="w" refFor="ch" refForName="accent_1" fact="1.8"/>
+                <dgm:constr type="h" for="ch" forName="accent_2" refType="h" fact="0.25"/>
+                <dgm:constr type="w" for="ch" forName="accent_2" refType="h" refFor="ch" refForName="accent_2" op="equ"/>
+                <dgm:constr type="ctrY" for="ch" forName="accent_2" refType="h" fact="0.5"/>
+                <dgm:constr type="ctrX" for="ch" forName="accent_2" refType="w"/>
+                <dgm:constr type="ctrXOff" for="ch" forName="accent_2" refType="h" fact="-0.2253"/>
+                <dgm:constr type="r" for="ch" forName="text_2" refType="ctrX" refFor="ch" refForName="accent_2"/>
+                <dgm:constr type="rOff" for="ch" forName="text_2" refType="ctrXOff" refFor="ch" refForName="accent_2"/>
+                <dgm:constr type="l" for="ch" forName="text_2"/>
+                <dgm:constr type="w" for="ch" forName="text_2" refType="h" refFor="ch" refForName="text_2" op="gte"/>
+                <dgm:constr type="h" for="ch" forName="text_2" refType="h" refFor="ch" refForName="accent_2" fact="0.8"/>
+                <dgm:constr type="ctrY" for="ch" forName="text_2" refType="ctrY" refFor="ch" refForName="accent_2"/>
+                <dgm:constr type="rMarg" for="ch" forName="text_2" refType="w" refFor="ch" refForName="accent_2" fact="1.8"/>
+                <dgm:constr type="h" for="ch" forName="accent_3" refType="h" fact="0.25"/>
+                <dgm:constr type="w" for="ch" forName="accent_3" refType="h" refFor="ch" refForName="accent_3" op="equ"/>
+                <dgm:constr type="ctrY" for="ch" forName="accent_3" refType="h" fact="0.8"/>
+                <dgm:constr type="ctrX" for="ch" forName="accent_3" refType="w"/>
+                <dgm:constr type="ctrXOff" for="ch" forName="accent_3" refType="h" fact="-0.1526"/>
+                <dgm:constr type="r" for="ch" forName="text_3" refType="ctrX" refFor="ch" refForName="accent_3"/>
+                <dgm:constr type="rOff" for="ch" forName="text_3" refType="ctrXOff" refFor="ch" refForName="accent_3"/>
+                <dgm:constr type="l" for="ch" forName="text_3"/>
+                <dgm:constr type="w" for="ch" forName="text_3" refType="h" refFor="ch" refForName="text_3" op="gte"/>
+                <dgm:constr type="h" for="ch" forName="text_3" refType="h" refFor="ch" refForName="accent_3" fact="0.8"/>
+                <dgm:constr type="ctrY" for="ch" forName="text_3" refType="ctrY" refFor="ch" refForName="accent_3"/>
+                <dgm:constr type="rMarg" for="ch" forName="text_3" refType="w" refFor="ch" refForName="accent_3" fact="1.8"/>
+                <dgm:constr type="primFontSz" for="ch" ptType="node" op="equ" val="65"/>
+              </dgm:constrLst>
+            </dgm:if>
+            <dgm:if name="Name17" axis="ch" ptType="node" func="cnt" op="equ" val="4">
+              <dgm:constrLst>
+                <dgm:constr type="h" for="ch" forName="cycle" refType="h"/>
+                <dgm:constr type="w" for="ch" forName="cycle" refType="h" refFor="ch" refForName="cycle" fact="0.26"/>
+                <dgm:constr type="r" for="ch" forName="cycle" refType="w"/>
+                <dgm:constr type="ctrY" for="ch" forName="cycle" refType="h" fact="0.5"/>
+                <dgm:constr type="diam" for="ch" forName="cycle" refType="h" fact="1.344"/>
+                <dgm:constr type="h" for="ch" forName="accent_1" refType="h" fact="0.1923"/>
+                <dgm:constr type="w" for="ch" forName="accent_1" refType="h" refFor="ch" refForName="accent_1" op="equ"/>
+                <dgm:constr type="ctrY" for="ch" forName="accent_1" refType="h" fact="0.1538"/>
+                <dgm:constr type="ctrX" for="ch" forName="accent_1" refType="w"/>
+                <dgm:constr type="ctrXOff" for="ch" forName="accent_1" refType="h" fact="-0.1268"/>
+                <dgm:constr type="r" for="ch" forName="text_1" refType="ctrX" refFor="ch" refForName="accent_1"/>
+                <dgm:constr type="rOff" for="ch" forName="text_1" refType="ctrXOff" refFor="ch" refForName="accent_1"/>
+                <dgm:constr type="l" for="ch" forName="text_1"/>
+                <dgm:constr type="w" for="ch" forName="text_1" refType="h" refFor="ch" refForName="text_1" op="gte"/>
+                <dgm:constr type="h" for="ch" forName="text_1" refType="h" refFor="ch" refForName="accent_1" fact="0.8"/>
+                <dgm:constr type="ctrY" for="ch" forName="text_1" refType="ctrY" refFor="ch" refForName="accent_1"/>
+                <dgm:constr type="rMarg" for="ch" forName="text_1" refType="w" refFor="ch" refForName="accent_1" fact="1.8"/>
+                <dgm:constr type="h" for="ch" forName="accent_2" refType="h" fact="0.1923"/>
+                <dgm:constr type="w" for="ch" forName="accent_2" refType="h" refFor="ch" refForName="accent_2" op="equ"/>
+                <dgm:constr type="ctrY" for="ch" forName="accent_2" refType="h" fact="0.3846"/>
+                <dgm:constr type="ctrX" for="ch" forName="accent_2" refType="w"/>
+                <dgm:constr type="ctrXOff" for="ch" forName="accent_2" refType="h" fact="-0.215"/>
+                <dgm:constr type="r" for="ch" forName="text_2" refType="ctrX" refFor="ch" refForName="accent_2"/>
+                <dgm:constr type="rOff" for="ch" forName="text_2" refType="ctrXOff" refFor="ch" refForName="accent_2"/>
+                <dgm:constr type="l" for="ch" forName="text_2"/>
+                <dgm:constr type="w" for="ch" forName="text_2" refType="h" refFor="ch" refForName="text_2" op="gte"/>
+                <dgm:constr type="h" for="ch" forName="text_2" refType="h" refFor="ch" refForName="accent_2" fact="0.8"/>
+                <dgm:constr type="ctrY" for="ch" forName="text_2" refType="ctrY" refFor="ch" refForName="accent_2"/>
+                <dgm:constr type="rMarg" for="ch" forName="text_2" refType="w" refFor="ch" refForName="accent_2" fact="1.8"/>
+                <dgm:constr type="h" for="ch" forName="accent_3" refType="h" fact="0.1923"/>
+                <dgm:constr type="w" for="ch" forName="accent_3" refType="h" refFor="ch" refForName="accent_3" op="equ"/>
+                <dgm:constr type="ctrY" for="ch" forName="accent_3" refType="h" fact="0.6154"/>
+                <dgm:constr type="ctrX" for="ch" forName="accent_3" refType="w"/>
+                <dgm:constr type="ctrXOff" for="ch" forName="accent_3" refType="h" fact="-0.215"/>
+                <dgm:constr type="r" for="ch" forName="text_3" refType="ctrX" refFor="ch" refForName="accent_3"/>
+                <dgm:constr type="rOff" for="ch" forName="text_3" refType="ctrXOff" refFor="ch" refForName="accent_3"/>
+                <dgm:constr type="l" for="ch" forName="text_3"/>
+                <dgm:constr type="w" for="ch" forName="text_3" refType="h" refFor="ch" refForName="text_3" op="gte"/>
+                <dgm:constr type="h" for="ch" forName="text_3" refType="h" refFor="ch" refForName="accent_3" fact="0.8"/>
+                <dgm:constr type="ctrY" for="ch" forName="text_3" refType="ctrY" refFor="ch" refForName="accent_3"/>
+                <dgm:constr type="rMarg" for="ch" forName="text_3" refType="w" refFor="ch" refForName="accent_3" fact="1.8"/>
+                <dgm:constr type="h" for="ch" forName="accent_4" refType="h" fact="0.1923"/>
+                <dgm:constr type="w" for="ch" forName="accent_4" refType="h" refFor="ch" refForName="accent_4" op="equ"/>
+                <dgm:constr type="ctrY" for="ch" forName="accent_4" refType="h" fact="0.8462"/>
+                <dgm:constr type="ctrX" for="ch" forName="accent_4" refType="w"/>
+                <dgm:constr type="ctrXOff" for="ch" forName="accent_4" refType="h" fact="-0.1268"/>
+                <dgm:constr type="r" for="ch" forName="text_4" refType="ctrX" refFor="ch" refForName="accent_4"/>
+                <dgm:constr type="rOff" for="ch" forName="text_4" refType="ctrXOff" refFor="ch" refForName="accent_4"/>
+                <dgm:constr type="l" for="ch" forName="text_4"/>
+                <dgm:constr type="w" for="ch" forName="text_4" refType="h" refFor="ch" refForName="text_4" op="gte"/>
+                <dgm:constr type="h" for="ch" forName="text_4" refType="h" refFor="ch" refForName="accent_4" fact="0.8"/>
+                <dgm:constr type="ctrY" for="ch" forName="text_4" refType="ctrY" refFor="ch" refForName="accent_4"/>
+                <dgm:constr type="rMarg" for="ch" forName="text_4" refType="w" refFor="ch" refForName="accent_4" fact="1.8"/>
+                <dgm:constr type="primFontSz" for="ch" ptType="node" op="equ" val="65"/>
+              </dgm:constrLst>
+            </dgm:if>
+            <dgm:if name="Name18" axis="ch" ptType="node" func="cnt" op="equ" val="5">
+              <dgm:constrLst>
+                <dgm:constr type="h" for="ch" forName="cycle" refType="h"/>
+                <dgm:constr type="w" for="ch" forName="cycle" refType="h" refFor="ch" refForName="cycle" fact="0.26"/>
+                <dgm:constr type="r" for="ch" forName="cycle" refType="w"/>
+                <dgm:constr type="ctrY" for="ch" forName="cycle" refType="h" fact="0.5"/>
+                <dgm:constr type="diam" for="ch" forName="cycle" refType="h" fact="1.344"/>
+                <dgm:constr type="h" for="ch" forName="accent_1" refType="h" fact="0.1563"/>
+                <dgm:constr type="w" for="ch" forName="accent_1" refType="h" refFor="ch" refForName="accent_1" op="equ"/>
+                <dgm:constr type="ctrY" for="ch" forName="accent_1" refType="h" fact="0.125"/>
+                <dgm:constr type="ctrX" for="ch" forName="accent_1" refType="w"/>
+                <dgm:constr type="ctrXOff" for="ch" forName="accent_1" refType="h" fact="-0.1082"/>
+                <dgm:constr type="r" for="ch" forName="text_1" refType="ctrX" refFor="ch" refForName="accent_1"/>
+                <dgm:constr type="rOff" for="ch" forName="text_1" refType="ctrXOff" refFor="ch" refForName="accent_1"/>
+                <dgm:constr type="l" for="ch" forName="text_1"/>
+                <dgm:constr type="w" for="ch" forName="text_1" refType="h" refFor="ch" refForName="text_1" op="gte"/>
+                <dgm:constr type="h" for="ch" forName="text_1" refType="h" refFor="ch" refForName="accent_1" fact="0.8"/>
+                <dgm:constr type="ctrY" for="ch" forName="text_1" refType="ctrY" refFor="ch" refForName="accent_1"/>
+                <dgm:constr type="rMarg" for="ch" forName="text_1" refType="w" refFor="ch" refForName="accent_1" fact="1.8"/>
+                <dgm:constr type="h" for="ch" forName="accent_2" refType="h" fact="0.1563"/>
+                <dgm:constr type="w" for="ch" forName="accent_2" refType="h" refFor="ch" refForName="accent_2" op="equ"/>
+                <dgm:constr type="ctrY" for="ch" forName="accent_2" refType="h" fact="0.3125"/>
+                <dgm:constr type="ctrX" for="ch" forName="accent_2" refType="w"/>
+                <dgm:constr type="ctrXOff" for="ch" forName="accent_2" refType="h" fact="-0.1978"/>
+                <dgm:constr type="r" for="ch" forName="text_2" refType="ctrX" refFor="ch" refForName="accent_2"/>
+                <dgm:constr type="rOff" for="ch" forName="text_2" refType="ctrXOff" refFor="ch" refForName="accent_2"/>
+                <dgm:constr type="l" for="ch" forName="text_2"/>
+                <dgm:constr type="w" for="ch" forName="text_2" refType="h" refFor="ch" refForName="text_2" op="gte"/>
+                <dgm:constr type="h" for="ch" forName="text_2" refType="h" refFor="ch" refForName="accent_2" fact="0.8"/>
+                <dgm:constr type="ctrY" for="ch" forName="text_2" refType="ctrY" refFor="ch" refForName="accent_2"/>
+                <dgm:constr type="rMarg" for="ch" forName="text_2" refType="w" refFor="ch" refForName="accent_2" fact="1.8"/>
+                <dgm:constr type="h" for="ch" forName="accent_3" refType="h" fact="0.1563"/>
+                <dgm:constr type="w" for="ch" forName="accent_3" refType="h" refFor="ch" refForName="accent_3" op="equ"/>
+                <dgm:constr type="ctrY" for="ch" forName="accent_3" refType="h" fact="0.5"/>
+                <dgm:constr type="ctrX" for="ch" forName="accent_3" refType="w"/>
+                <dgm:constr type="ctrXOff" for="ch" forName="accent_3" refType="h" fact="-0.2253"/>
+                <dgm:constr type="r" for="ch" forName="text_3" refType="ctrX" refFor="ch" refForName="accent_3"/>
+                <dgm:constr type="rOff" for="ch" forName="text_3" refType="ctrXOff" refFor="ch" refForName="accent_3"/>
+                <dgm:constr type="l" for="ch" forName="text_3"/>
+                <dgm:constr type="w" for="ch" forName="text_3" refType="h" refFor="ch" refForName="text_3" op="gte"/>
+                <dgm:constr type="h" for="ch" forName="text_3" refType="h" refFor="ch" refForName="accent_3" fact="0.8"/>
+                <dgm:constr type="ctrY" for="ch" forName="text_3" refType="ctrY" refFor="ch" refForName="accent_3"/>
+                <dgm:constr type="rMarg" for="ch" forName="text_3" refType="w" refFor="ch" refForName="accent_3" fact="1.8"/>
+                <dgm:constr type="h" for="ch" forName="accent_4" refType="h" fact="0.1563"/>
+                <dgm:constr type="w" for="ch" forName="accent_4" refType="h" refFor="ch" refForName="accent_4" op="equ"/>
+                <dgm:constr type="ctrY" for="ch" forName="accent_4" refType="h" fact="0.6875"/>
+                <dgm:constr type="ctrX" for="ch" forName="accent_4" refType="w"/>
+                <dgm:constr type="ctrXOff" for="ch" forName="accent_4" refType="h" fact="-0.1978"/>
+                <dgm:constr type="r" for="ch" forName="text_4" refType="ctrX" refFor="ch" refForName="accent_4"/>
+                <dgm:constr type="rOff" for="ch" forName="text_4" refType="ctrXOff" refFor="ch" refForName="accent_4"/>
+                <dgm:constr type="l" for="ch" forName="text_4"/>
+                <dgm:constr type="w" for="ch" forName="text_4" refType="h" refFor="ch" refForName="text_4" op="gte"/>
+                <dgm:constr type="h" for="ch" forName="text_4" refType="h" refFor="ch" refForName="accent_4" fact="0.8"/>
+                <dgm:constr type="ctrY" for="ch" forName="text_4" refType="ctrY" refFor="ch" refForName="accent_4"/>
+                <dgm:constr type="rMarg" for="ch" forName="text_4" refType="w" refFor="ch" refForName="accent_4" fact="1.8"/>
+                <dgm:constr type="h" for="ch" forName="accent_5" refType="h" fact="0.1563"/>
+                <dgm:constr type="w" for="ch" forName="accent_5" refType="h" refFor="ch" refForName="accent_5" op="equ"/>
+                <dgm:constr type="ctrY" for="ch" forName="accent_5" refType="h" fact="0.875"/>
+                <dgm:constr type="ctrX" for="ch" forName="accent_5" refType="w"/>
+                <dgm:constr type="ctrXOff" for="ch" forName="accent_5" refType="h" fact="-0.1082"/>
+                <dgm:constr type="r" for="ch" forName="text_5" refType="ctrX" refFor="ch" refForName="accent_5"/>
+                <dgm:constr type="rOff" for="ch" forName="text_5" refType="ctrXOff" refFor="ch" refForName="accent_5"/>
+                <dgm:constr type="l" for="ch" forName="text_5"/>
+                <dgm:constr type="w" for="ch" forName="text_5" refType="h" refFor="ch" refForName="text_5" op="gte"/>
+                <dgm:constr type="h" for="ch" forName="text_5" refType="h" refFor="ch" refForName="accent_5" fact="0.8"/>
+                <dgm:constr type="ctrY" for="ch" forName="text_5" refType="ctrY" refFor="ch" refForName="accent_5"/>
+                <dgm:constr type="rMarg" for="ch" forName="text_5" refType="w" refFor="ch" refForName="accent_5" fact="1.8"/>
+                <dgm:constr type="primFontSz" for="ch" ptType="node" op="equ" val="65"/>
+              </dgm:constrLst>
+            </dgm:if>
+            <dgm:if name="Name19" axis="ch" ptType="node" func="cnt" op="equ" val="6">
+              <dgm:constrLst>
+                <dgm:constr type="h" for="ch" forName="cycle" refType="h"/>
+                <dgm:constr type="w" for="ch" forName="cycle" refType="h" refFor="ch" refForName="cycle" fact="0.26"/>
+                <dgm:constr type="r" for="ch" forName="cycle" refType="w"/>
+                <dgm:constr type="ctrY" for="ch" forName="cycle" refType="h" fact="0.5"/>
+                <dgm:constr type="diam" for="ch" forName="cycle" refType="h" fact="1.344"/>
+                <dgm:constr type="h" for="ch" forName="accent_1" refType="h" fact="0.1316"/>
+                <dgm:constr type="w" for="ch" forName="accent_1" refType="h" refFor="ch" refForName="accent_1" op="equ"/>
+                <dgm:constr type="ctrY" for="ch" forName="accent_1" refType="h" fact="0.1053"/>
+                <dgm:constr type="ctrX" for="ch" forName="accent_1" refType="w"/>
+                <dgm:constr type="ctrXOff" for="ch" forName="accent_1" refType="h" fact="-0.0943"/>
+                <dgm:constr type="r" for="ch" forName="text_1" refType="ctrX" refFor="ch" refForName="accent_1"/>
+                <dgm:constr type="rOff" for="ch" forName="text_1" refType="ctrXOff" refFor="ch" refForName="accent_1"/>
+                <dgm:constr type="l" for="ch" forName="text_1"/>
+                <dgm:constr type="w" for="ch" forName="text_1" refType="h" refFor="ch" refForName="text_1" op="gte"/>
+                <dgm:constr type="h" for="ch" forName="text_1" refType="h" refFor="ch" refForName="accent_1" fact="0.8"/>
+                <dgm:constr type="ctrY" for="ch" forName="text_1" refType="ctrY" refFor="ch" refForName="accent_1"/>
+                <dgm:constr type="rMarg" for="ch" forName="text_1" refType="w" refFor="ch" refForName="accent_1" fact="1.8"/>
+                <dgm:constr type="h" for="ch" forName="accent_2" refType="h" fact="0.1316"/>
+                <dgm:constr type="w" for="ch" forName="accent_2" refType="h" refFor="ch" refForName="accent_2" op="equ"/>
+                <dgm:constr type="ctrY" for="ch" forName="accent_2" refType="h" fact="0.2632"/>
+                <dgm:constr type="ctrX" for="ch" forName="accent_2" refType="w"/>
+                <dgm:constr type="ctrXOff" for="ch" forName="accent_2" refType="h" fact="-0.1809"/>
+                <dgm:constr type="r" for="ch" forName="text_2" refType="ctrX" refFor="ch" refForName="accent_2"/>
+                <dgm:constr type="rOff" for="ch" forName="text_2" refType="ctrXOff" refFor="ch" refForName="accent_2"/>
+                <dgm:constr type="l" for="ch" forName="text_2"/>
+                <dgm:constr type="w" for="ch" forName="text_2" refType="h" refFor="ch" refForName="text_2" op="gte"/>
+                <dgm:constr type="h" for="ch" forName="text_2" refType="h" refFor="ch" refForName="accent_2" fact="0.8"/>
+                <dgm:constr type="ctrY" for="ch" forName="text_2" refType="ctrY" refFor="ch" refForName="accent_2"/>
+                <dgm:constr type="rMarg" for="ch" forName="text_2" refType="w" refFor="ch" refForName="accent_2" fact="1.8"/>
+                <dgm:constr type="h" for="ch" forName="accent_3" refType="h" fact="0.1316"/>
+                <dgm:constr type="w" for="ch" forName="accent_3" refType="h" refFor="ch" refForName="accent_3" op="equ"/>
+                <dgm:constr type="ctrY" for="ch" forName="accent_3" refType="h" fact="0.4211"/>
+                <dgm:constr type="ctrX" for="ch" forName="accent_3" refType="w"/>
+                <dgm:constr type="ctrXOff" for="ch" forName="accent_3" refType="h" fact="-0.2205"/>
+                <dgm:constr type="r" for="ch" forName="text_3" refType="ctrX" refFor="ch" refForName="accent_3"/>
+                <dgm:constr type="rOff" for="ch" forName="text_3" refType="ctrXOff" refFor="ch" refForName="accent_3"/>
+                <dgm:constr type="l" for="ch" forName="text_3"/>
+                <dgm:constr type="w" for="ch" forName="text_3" refType="h" refFor="ch" refForName="text_3" op="gte"/>
+                <dgm:constr type="h" for="ch" forName="text_3" refType="h" refFor="ch" refForName="accent_3" fact="0.8"/>
+                <dgm:constr type="ctrY" for="ch" forName="text_3" refType="ctrY" refFor="ch" refForName="accent_3"/>
+                <dgm:constr type="rMarg" for="ch" forName="text_3" refType="w" refFor="ch" refForName="accent_3" fact="1.8"/>
+                <dgm:constr type="h" for="ch" forName="accent_4" refType="h" fact="0.1316"/>
+                <dgm:constr type="w" for="ch" forName="accent_4" refType="h" refFor="ch" refForName="accent_4" op="equ"/>
+                <dgm:constr type="ctrY" for="ch" forName="accent_4" refType="h" fact="0.5789"/>
+                <dgm:constr type="ctrX" for="ch" forName="accent_4" refType="w"/>
+                <dgm:constr type="ctrXOff" for="ch" forName="accent_4" refType="h" fact="-0.2205"/>
+                <dgm:constr type="r" for="ch" forName="text_4" refType="ctrX" refFor="ch" refForName="accent_4"/>
+                <dgm:constr type="rOff" for="ch" forName="text_4" refType="ctrXOff" refFor="ch" refForName="accent_4"/>
+                <dgm:constr type="l" for="ch" forName="text_4"/>
+                <dgm:constr type="w" for="ch" forName="text_4" refType="h" refFor="ch" refForName="text_4" op="gte"/>
+                <dgm:constr type="h" for="ch" forName="text_4" refType="h" refFor="ch" refForName="accent_4" fact="0.8"/>
+                <dgm:constr type="ctrY" for="ch" forName="text_4" refType="ctrY" refFor="ch" refForName="accent_4"/>
+                <dgm:constr type="rMarg" for="ch" forName="text_4" refType="w" refFor="ch" refForName="accent_4" fact="1.8"/>
+                <dgm:constr type="h" for="ch" forName="accent_5" refType="h" fact="0.1316"/>
+                <dgm:constr type="w" for="ch" forName="accent_5" refType="h" refFor="ch" refForName="accent_5" op="equ"/>
+                <dgm:constr type="ctrY" for="ch" forName="accent_5" refType="h" fact="0.7368"/>
+                <dgm:constr type="ctrX" for="ch" forName="accent_5" refType="w"/>
+                <dgm:constr type="ctrXOff" for="ch" forName="accent_5" refType="h" fact="-0.1809"/>
+                <dgm:constr type="r" for="ch" forName="text_5" refType="ctrX" refFor="ch" refForName="accent_5"/>
+                <dgm:constr type="rOff" for="ch" forName="text_5" refType="ctrXOff" refFor="ch" refForName="accent_5"/>
+                <dgm:constr type="l" for="ch" forName="text_5"/>
+                <dgm:constr type="w" for="ch" forName="text_5" refType="h" refFor="ch" refForName="text_5" op="gte"/>
+                <dgm:constr type="h" for="ch" forName="text_5" refType="h" refFor="ch" refForName="accent_5" fact="0.8"/>
+                <dgm:constr type="ctrY" for="ch" forName="text_5" refType="ctrY" refFor="ch" refForName="accent_5"/>
+                <dgm:constr type="rMarg" for="ch" forName="text_5" refType="w" refFor="ch" refForName="accent_5" fact="1.8"/>
+                <dgm:constr type="h" for="ch" forName="accent_6" refType="h" fact="0.1316"/>
+                <dgm:constr type="w" for="ch" forName="accent_6" refType="h" refFor="ch" refForName="accent_6" op="equ"/>
+                <dgm:constr type="ctrY" for="ch" forName="accent_6" refType="h" fact="0.8947"/>
+                <dgm:constr type="ctrX" for="ch" forName="accent_6" refType="w"/>
+                <dgm:constr type="ctrXOff" for="ch" forName="accent_6" refType="h" fact="-0.0943"/>
+                <dgm:constr type="r" for="ch" forName="text_6" refType="ctrX" refFor="ch" refForName="accent_6"/>
+                <dgm:constr type="rOff" for="ch" forName="text_6" refType="ctrXOff" refFor="ch" refForName="accent_6"/>
+                <dgm:constr type="l" for="ch" forName="text_6"/>
+                <dgm:constr type="w" for="ch" forName="text_6" refType="h" refFor="ch" refForName="text_6" op="gte"/>
+                <dgm:constr type="h" for="ch" forName="text_6" refType="h" refFor="ch" refForName="accent_6" fact="0.8"/>
+                <dgm:constr type="ctrY" for="ch" forName="text_6" refType="ctrY" refFor="ch" refForName="accent_6"/>
+                <dgm:constr type="rMarg" for="ch" forName="text_6" refType="w" refFor="ch" refForName="accent_6" fact="1.8"/>
+                <dgm:constr type="primFontSz" for="ch" ptType="node" op="equ" val="65"/>
+              </dgm:constrLst>
+            </dgm:if>
+            <dgm:else name="Name20">
+              <dgm:constrLst>
+                <dgm:constr type="h" for="ch" forName="cycle" refType="h"/>
+                <dgm:constr type="w" for="ch" forName="cycle" refType="h" refFor="ch" refForName="cycle" fact="0.26"/>
+                <dgm:constr type="r" for="ch" forName="cycle" refType="w"/>
+                <dgm:constr type="ctrY" for="ch" forName="cycle" refType="h" fact="0.5"/>
+                <dgm:constr type="diam" for="ch" forName="cycle" refType="h" fact="1.344"/>
+                <dgm:constr type="h" for="ch" forName="accent_1" refType="h" fact="0.1136"/>
+                <dgm:constr type="w" for="ch" forName="accent_1" refType="h" refFor="ch" refForName="accent_1" op="equ"/>
+                <dgm:constr type="ctrY" for="ch" forName="accent_1" refType="h" fact="0.0909"/>
+                <dgm:constr type="ctrX" for="ch" forName="accent_1" refType="w"/>
+                <dgm:constr type="ctrXOff" for="ch" forName="accent_1" refType="h" fact="-0.0835"/>
+                <dgm:constr type="r" for="ch" forName="text_1" refType="ctrX" refFor="ch" refForName="accent_1"/>
+                <dgm:constr type="rOff" for="ch" forName="text_1" refType="ctrXOff" refFor="ch" refForName="accent_1"/>
+                <dgm:constr type="l" for="ch" forName="text_1"/>
+                <dgm:constr type="w" for="ch" forName="text_1" refType="h" refFor="ch" refForName="text_1" op="gte"/>
+                <dgm:constr type="h" for="ch" forName="text_1" refType="h" refFor="ch" refForName="accent_1" fact="0.8"/>
+                <dgm:constr type="ctrY" for="ch" forName="text_1" refType="ctrY" refFor="ch" refForName="accent_1"/>
+                <dgm:constr type="rMarg" for="ch" forName="text_1" refType="w" refFor="ch" refForName="accent_1" fact="1.8"/>
+                <dgm:constr type="h" for="ch" forName="accent_2" refType="h" fact="0.1136"/>
+                <dgm:constr type="w" for="ch" forName="accent_2" refType="h" refFor="ch" refForName="accent_2" op="equ"/>
+                <dgm:constr type="ctrY" for="ch" forName="accent_2" refType="h" fact="0.2273"/>
+                <dgm:constr type="ctrX" for="ch" forName="accent_2" refType="w"/>
+                <dgm:constr type="ctrXOff" for="ch" forName="accent_2" refType="h" fact="-0.1658"/>
+                <dgm:constr type="r" for="ch" forName="text_2" refType="ctrX" refFor="ch" refForName="accent_2"/>
+                <dgm:constr type="rOff" for="ch" forName="text_2" refType="ctrXOff" refFor="ch" refForName="accent_2"/>
+                <dgm:constr type="l" for="ch" forName="text_2"/>
+                <dgm:constr type="w" for="ch" forName="text_2" refType="h" refFor="ch" refForName="text_2" op="gte"/>
+                <dgm:constr type="h" for="ch" forName="text_2" refType="h" refFor="ch" refForName="accent_2" fact="0.8"/>
+                <dgm:constr type="ctrY" for="ch" forName="text_2" refType="ctrY" refFor="ch" refForName="accent_2"/>
+                <dgm:constr type="rMarg" for="ch" forName="text_2" refType="w" refFor="ch" refForName="accent_2" fact="1.8"/>
+                <dgm:constr type="h" for="ch" forName="accent_3" refType="h" fact="0.1136"/>
+                <dgm:constr type="w" for="ch" forName="accent_3" refType="h" refFor="ch" refForName="accent_3" op="equ"/>
+                <dgm:constr type="ctrY" for="ch" forName="accent_3" refType="h" fact="0.3636"/>
+                <dgm:constr type="ctrX" for="ch" forName="accent_3" refType="w"/>
+                <dgm:constr type="ctrXOff" for="ch" forName="accent_3" refType="h" fact="-0.2109"/>
+                <dgm:constr type="r" for="ch" forName="text_3" refType="ctrX" refFor="ch" refForName="accent_3"/>
+                <dgm:constr type="rOff" for="ch" forName="text_3" refType="ctrXOff" refFor="ch" refForName="accent_3"/>
+                <dgm:constr type="l" for="ch" forName="text_3"/>
+                <dgm:constr type="w" for="ch" forName="text_3" refType="h" refFor="ch" refForName="text_3" op="gte"/>
+                <dgm:constr type="h" for="ch" forName="text_3" refType="h" refFor="ch" refForName="accent_3" fact="0.8"/>
+                <dgm:constr type="ctrY" for="ch" forName="text_3" refType="ctrY" refFor="ch" refForName="accent_3"/>
+                <dgm:constr type="rMarg" for="ch" forName="text_3" refType="w" refFor="ch" refForName="accent_3" fact="1.8"/>
+                <dgm:constr type="h" for="ch" forName="accent_4" refType="h" fact="0.1136"/>
+                <dgm:constr type="w" for="ch" forName="accent_4" refType="h" refFor="ch" refForName="accent_4" op="equ"/>
+                <dgm:constr type="ctrY" for="ch" forName="accent_4" refType="h" fact="0.5"/>
+                <dgm:constr type="ctrX" for="ch" forName="accent_4" refType="w"/>
+                <dgm:constr type="ctrXOff" for="ch" forName="accent_4" refType="h" fact="-0.2253"/>
+                <dgm:constr type="r" for="ch" forName="text_4" refType="ctrX" refFor="ch" refForName="accent_4"/>
+                <dgm:constr type="rOff" for="ch" forName="text_4" refType="ctrXOff" refFor="ch" refForName="accent_4"/>
+                <dgm:constr type="l" for="ch" forName="text_4"/>
+                <dgm:constr type="w" for="ch" forName="text_4" refType="h" refFor="ch" refForName="text_4" op="gte"/>
+                <dgm:constr type="h" for="ch" forName="text_4" refType="h" refFor="ch" refForName="accent_4" fact="0.8"/>
+                <dgm:constr type="ctrY" for="ch" forName="text_4" refType="ctrY" refFor="ch" refForName="accent_4"/>
+                <dgm:constr type="rMarg" for="ch" forName="text_4" refType="w" refFor="ch" refForName="accent_4" fact="1.8"/>
+                <dgm:constr type="h" for="ch" forName="accent_5" refType="h" fact="0.1136"/>
+                <dgm:constr type="w" for="ch" forName="accent_5" refType="h" refFor="ch" refForName="accent_5" op="equ"/>
+                <dgm:constr type="ctrY" for="ch" forName="accent_5" refType="h" fact="0.6364"/>
+                <dgm:constr type="ctrX" for="ch" forName="accent_5" refType="w"/>
+                <dgm:constr type="ctrXOff" for="ch" forName="accent_5" refType="h" fact="-0.2109"/>
+                <dgm:constr type="r" for="ch" forName="text_5" refType="ctrX" refFor="ch" refForName="accent_5"/>
+                <dgm:constr type="rOff" for="ch" forName="text_5" refType="ctrXOff" refFor="ch" refForName="accent_5"/>
+                <dgm:constr type="l" for="ch" forName="text_5"/>
+                <dgm:constr type="w" for="ch" forName="text_5" refType="h" refFor="ch" refForName="text_5" op="gte"/>
+                <dgm:constr type="h" for="ch" forName="text_5" refType="h" refFor="ch" refForName="accent_5" fact="0.8"/>
+                <dgm:constr type="ctrY" for="ch" forName="text_5" refType="ctrY" refFor="ch" refForName="accent_5"/>
+                <dgm:constr type="rMarg" for="ch" forName="text_5" refType="w" refFor="ch" refForName="accent_5" fact="1.8"/>
+                <dgm:constr type="h" for="ch" forName="accent_6" refType="h" fact="0.1136"/>
+                <dgm:constr type="w" for="ch" forName="accent_6" refType="h" refFor="ch" refForName="accent_6" op="equ"/>
+                <dgm:constr type="ctrY" for="ch" forName="accent_6" refType="h" fact="0.7727"/>
+                <dgm:constr type="ctrX" for="ch" forName="accent_6" refType="w"/>
+                <dgm:constr type="ctrXOff" for="ch" forName="accent_6" refType="h" fact="-0.1658"/>
+                <dgm:constr type="r" for="ch" forName="text_6" refType="ctrX" refFor="ch" refForName="accent_6"/>
+                <dgm:constr type="rOff" for="ch" forName="text_6" refType="ctrXOff" refFor="ch" refForName="accent_6"/>
+                <dgm:constr type="l" for="ch" forName="text_6"/>
+                <dgm:constr type="w" for="ch" forName="text_6" refType="h" refFor="ch" refForName="text_6" op="gte"/>
+                <dgm:constr type="h" for="ch" forName="text_6" refType="h" refFor="ch" refForName="accent_6" fact="0.8"/>
+                <dgm:constr type="ctrY" for="ch" forName="text_6" refType="ctrY" refFor="ch" refForName="accent_6"/>
+                <dgm:constr type="rMarg" for="ch" forName="text_6" refType="w" refFor="ch" refForName="accent_6" fact="1.8"/>
+                <dgm:constr type="h" for="ch" forName="accent_7" refType="h" fact="0.1136"/>
+                <dgm:constr type="w" for="ch" forName="accent_7" refType="h" refFor="ch" refForName="accent_7" op="equ"/>
+                <dgm:constr type="ctrY" for="ch" forName="accent_7" refType="h" fact="0.9091"/>
+                <dgm:constr type="ctrX" for="ch" forName="accent_7" refType="w"/>
+                <dgm:constr type="ctrXOff" for="ch" forName="accent_7" refType="h" fact="-0.0835"/>
+                <dgm:constr type="r" for="ch" forName="text_7" refType="ctrX" refFor="ch" refForName="accent_7"/>
+                <dgm:constr type="rOff" for="ch" forName="text_7" refType="ctrXOff" refFor="ch" refForName="accent_7"/>
+                <dgm:constr type="l" for="ch" forName="text_7"/>
+                <dgm:constr type="w" for="ch" forName="text_7" refType="h" refFor="ch" refForName="text_7" op="gte"/>
+                <dgm:constr type="h" for="ch" forName="text_7" refType="h" refFor="ch" refForName="accent_7" fact="0.8"/>
+                <dgm:constr type="ctrY" for="ch" forName="text_7" refType="ctrY" refFor="ch" refForName="accent_7"/>
+                <dgm:constr type="rMarg" for="ch" forName="text_7" refType="w" refFor="ch" refForName="accent_7" fact="1.8"/>
+                <dgm:constr type="primFontSz" for="ch" ptType="node" op="equ" val="65"/>
+              </dgm:constrLst>
+            </dgm:else>
+          </dgm:choose>
+        </dgm:else>
+      </dgm:choose>
+      <dgm:layoutNode name="cycle">
+        <dgm:choose name="Name21">
+          <dgm:if name="Name22" func="var" arg="dir" op="equ" val="norm">
+            <dgm:alg type="cycle">
+              <dgm:param type="stAng" val="45"/>
+              <dgm:param type="spanAng" val="90"/>
+            </dgm:alg>
+          </dgm:if>
+          <dgm:else name="Name23">
+            <dgm:alg type="cycle">
+              <dgm:param type="stAng" val="225"/>
+              <dgm:param type="spanAng" val="90"/>
+            </dgm:alg>
+          </dgm:else>
+        </dgm:choose>
+        <dgm:shape xmlns:r="http://schemas.openxmlformats.org/officeDocument/2006/relationships" r:blip="">
+          <dgm:adjLst/>
+        </dgm:shape>
+        <dgm:presOf/>
+        <dgm:constrLst>
+          <dgm:constr type="w" for="ch" val="1"/>
+          <dgm:constr type="h" for="ch" val="1"/>
+          <dgm:constr type="diam" for="ch" forName="conn" refType="diam"/>
+        </dgm:constrLst>
+        <dgm:layoutNode name="srcNode">
+          <dgm:alg type="sp"/>
+          <dgm:shape xmlns:r="http://schemas.openxmlformats.org/officeDocument/2006/relationships" type="rect" r:blip="" hideGeom="1">
+            <dgm:adjLst/>
+          </dgm:shape>
+          <dgm:presOf/>
+        </dgm:layoutNode>
+        <dgm:layoutNode name="conn" styleLbl="parChTrans1D2">
+          <dgm:alg type="conn">
+            <dgm:param type="connRout" val="curve"/>
+            <dgm:param type="srcNode" val="srcNode"/>
+            <dgm:param type="dstNode" val="dstNode"/>
+            <dgm:param type="begPts" val="ctr"/>
+            <dgm:param type="endPts" val="ctr"/>
+            <dgm:param type="endSty" val="noArr"/>
+          </dgm:alg>
+          <dgm:shape xmlns:r="http://schemas.openxmlformats.org/officeDocument/2006/relationships" type="conn" r:blip="">
+            <dgm:adjLst/>
+          </dgm:shape>
+          <dgm:presOf axis="desOrSelf" ptType="sibTrans" hideLastTrans="0" st="0" cnt="1"/>
+          <dgm:constrLst>
+            <dgm:constr type="begPad"/>
+            <dgm:constr type="endPad"/>
+          </dgm:constrLst>
+        </dgm:layoutNode>
+        <dgm:layoutNode name="extraNode">
+          <dgm:alg type="sp"/>
+          <dgm:shape xmlns:r="http://schemas.openxmlformats.org/officeDocument/2006/relationships" type="rect" r:blip="" hideGeom="1">
+            <dgm:adjLst/>
+          </dgm:shape>
+          <dgm:presOf/>
+        </dgm:layoutNode>
+        <dgm:layoutNode name="dstNode">
+          <dgm:alg type="sp"/>
+          <dgm:shape xmlns:r="http://schemas.openxmlformats.org/officeDocument/2006/relationships" type="rect" r:blip="" hideGeom="1">
+            <dgm:adjLst/>
+          </dgm:shape>
+          <dgm:presOf/>
+        </dgm:layoutNode>
+      </dgm:layoutNode>
+      <dgm:forEach name="wrapper" axis="self" ptType="parTrans">
+        <dgm:forEach name="wrapper2" axis="self" ptType="sibTrans" st="2">
+          <dgm:forEach name="accentRepeat" axis="self">
+            <dgm:layoutNode name="accentRepeatNode" styleLbl="solidFgAcc1">
+              <dgm:alg type="sp"/>
+              <dgm:shape xmlns:r="http://schemas.openxmlformats.org/officeDocument/2006/relationships" type="ellipse" r:blip="">
+                <dgm:adjLst/>
+              </dgm:shape>
+              <dgm:presOf/>
+            </dgm:layoutNode>
+          </dgm:forEach>
+        </dgm:forEach>
+      </dgm:forEach>
+      <dgm:forEach name="Name24" axis="ch" ptType="node" cnt="1">
+        <dgm:layoutNode name="text_1" styleLbl="node1">
+          <dgm:varLst>
+            <dgm:bulletEnabled val="1"/>
+          </dgm:varLst>
+          <dgm:choose name="Name25">
+            <dgm:if name="Name26" func="var" arg="dir" op="equ" val="norm">
+              <dgm:alg type="tx">
+                <dgm:param type="parTxLTRAlign" val="l"/>
+                <dgm:param type="shpTxLTRAlignCh" val="l"/>
+                <dgm:param type="parTxRTLAlign" val="l"/>
+                <dgm:param type="shpTxRTLAlignCh" val="l"/>
+              </dgm:alg>
+            </dgm:if>
+            <dgm:else name="Name27">
+              <dgm:alg type="tx">
+                <dgm:param type="parTxLTRAlign" val="r"/>
+                <dgm:param type="shpTxLTRAlignCh" val="r"/>
+                <dgm:param type="parTxRTLAlign" val="r"/>
+                <dgm:param type="shpTxRTLAlignCh" val="r"/>
+              </dgm:alg>
+            </dgm:else>
+          </dgm:choose>
+          <dgm:shape xmlns:r="http://schemas.openxmlformats.org/officeDocument/2006/relationships" type="rect" r:blip="">
+            <dgm:adjLst/>
+          </dgm:shape>
+          <dgm:presOf axis="desOrSelf" ptType="node"/>
+          <dgm:constrLst>
+            <dgm:constr type="primFontSz" val="65"/>
+            <dgm:constr type="lMarg" refType="primFontSz" fact="0.2"/>
+            <dgm:constr type="rMarg" refType="primFontSz" fact="0.2"/>
+            <dgm:constr type="tMarg" refType="primFontSz" fact="0.2"/>
+            <dgm:constr type="bMarg" refType="primFontSz" fact="0.2"/>
+          </dgm:constrLst>
+          <dgm:ruleLst>
+            <dgm:rule type="primFontSz" val="5" fact="NaN" max="NaN"/>
+          </dgm:ruleLst>
+        </dgm:layoutNode>
+        <dgm:layoutNode name="accent_1">
+          <dgm:alg type="sp"/>
+          <dgm:shape xmlns:r="http://schemas.openxmlformats.org/officeDocument/2006/relationships" r:blip="">
+            <dgm:adjLst/>
+          </dgm:shape>
+          <dgm:presOf/>
+          <dgm:constrLst/>
+          <dgm:forEach name="Name28" ref="accentRepeat"/>
+        </dgm:layoutNode>
+      </dgm:forEach>
+      <dgm:forEach name="Name29" axis="ch" ptType="node" st="2" cnt="1">
+        <dgm:layoutNode name="text_2" styleLbl="node1">
+          <dgm:varLst>
+            <dgm:bulletEnabled val="1"/>
+          </dgm:varLst>
+          <dgm:choose name="Name30">
+            <dgm:if name="Name31" func="var" arg="dir" op="equ" val="norm">
+              <dgm:alg type="tx">
+                <dgm:param type="parTxLTRAlign" val="l"/>
+                <dgm:param type="shpTxLTRAlignCh" val="l"/>
+                <dgm:param type="parTxRTLAlign" val="l"/>
+                <dgm:param type="shpTxRTLAlignCh" val="l"/>
+              </dgm:alg>
+            </dgm:if>
+            <dgm:else name="Name32">
+              <dgm:alg type="tx">
+                <dgm:param type="parTxLTRAlign" val="r"/>
+                <dgm:param type="shpTxLTRAlignCh" val="r"/>
+                <dgm:param type="parTxRTLAlign" val="r"/>
+                <dgm:param type="shpTxRTLAlignCh" val="r"/>
+              </dgm:alg>
+            </dgm:else>
+          </dgm:choose>
+          <dgm:shape xmlns:r="http://schemas.openxmlformats.org/officeDocument/2006/relationships" type="rect" r:blip="">
+            <dgm:adjLst/>
+          </dgm:shape>
+          <dgm:presOf axis="desOrSelf" ptType="node"/>
+          <dgm:constrLst>
+            <dgm:constr type="primFontSz" val="65"/>
+            <dgm:constr type="lMarg" refType="primFontSz" fact="0.2"/>
+            <dgm:constr type="rMarg" refType="primFontSz" fact="0.2"/>
+            <dgm:constr type="tMarg" refType="primFontSz" fact="0.2"/>
+            <dgm:constr type="bMarg" refType="primFontSz" fact="0.2"/>
+          </dgm:constrLst>
+          <dgm:ruleLst>
+            <dgm:rule type="primFontSz" val="5" fact="NaN" max="NaN"/>
+          </dgm:ruleLst>
+        </dgm:layoutNode>
+        <dgm:layoutNode name="accent_2">
+          <dgm:alg type="sp"/>
+          <dgm:shape xmlns:r="http://schemas.openxmlformats.org/officeDocument/2006/relationships" r:blip="">
+            <dgm:adjLst/>
+          </dgm:shape>
+          <dgm:presOf/>
+          <dgm:constrLst/>
+          <dgm:forEach name="Name33" ref="accentRepeat"/>
+        </dgm:layoutNode>
+      </dgm:forEach>
+      <dgm:forEach name="Name34" axis="ch" ptType="node" st="3" cnt="1">
+        <dgm:layoutNode name="text_3" styleLbl="node1">
+          <dgm:varLst>
+            <dgm:bulletEnabled val="1"/>
+          </dgm:varLst>
+          <dgm:choose name="Name35">
+            <dgm:if name="Name36" func="var" arg="dir" op="equ" val="norm">
+              <dgm:alg type="tx">
+                <dgm:param type="parTxLTRAlign" val="l"/>
+                <dgm:param type="shpTxLTRAlignCh" val="l"/>
+                <dgm:param type="parTxRTLAlign" val="l"/>
+                <dgm:param type="shpTxRTLAlignCh" val="l"/>
+              </dgm:alg>
+            </dgm:if>
+            <dgm:else name="Name37">
+              <dgm:alg type="tx">
+                <dgm:param type="parTxLTRAlign" val="r"/>
+                <dgm:param type="shpTxLTRAlignCh" val="r"/>
+                <dgm:param type="parTxRTLAlign" val="r"/>
+                <dgm:param type="shpTxRTLAlignCh" val="r"/>
+              </dgm:alg>
+            </dgm:else>
+          </dgm:choose>
+          <dgm:shape xmlns:r="http://schemas.openxmlformats.org/officeDocument/2006/relationships" type="rect" r:blip="">
+            <dgm:adjLst/>
+          </dgm:shape>
+          <dgm:presOf axis="desOrSelf" ptType="node"/>
+          <dgm:constrLst>
+            <dgm:constr type="primFontSz" val="65"/>
+            <dgm:constr type="lMarg" refType="primFontSz" fact="0.2"/>
+            <dgm:constr type="rMarg" refType="primFontSz" fact="0.2"/>
+            <dgm:constr type="tMarg" refType="primFontSz" fact="0.2"/>
+            <dgm:constr type="bMarg" refType="primFontSz" fact="0.2"/>
+          </dgm:constrLst>
+          <dgm:ruleLst>
+            <dgm:rule type="primFontSz" val="5" fact="NaN" max="NaN"/>
+          </dgm:ruleLst>
+        </dgm:layoutNode>
+        <dgm:layoutNode name="accent_3">
+          <dgm:alg type="sp"/>
+          <dgm:shape xmlns:r="http://schemas.openxmlformats.org/officeDocument/2006/relationships" r:blip="">
+            <dgm:adjLst/>
+          </dgm:shape>
+          <dgm:presOf/>
+          <dgm:constrLst/>
+          <dgm:forEach name="Name38" ref="accentRepeat"/>
+        </dgm:layoutNode>
+      </dgm:forEach>
+      <dgm:forEach name="Name39" axis="ch" ptType="node" st="4" cnt="1">
+        <dgm:layoutNode name="text_4" styleLbl="node1">
+          <dgm:varLst>
+            <dgm:bulletEnabled val="1"/>
+          </dgm:varLst>
+          <dgm:choose name="Name40">
+            <dgm:if name="Name41" func="var" arg="dir" op="equ" val="norm">
+              <dgm:alg type="tx">
+                <dgm:param type="parTxLTRAlign" val="l"/>
+                <dgm:param type="shpTxLTRAlignCh" val="l"/>
+                <dgm:param type="parTxRTLAlign" val="l"/>
+                <dgm:param type="shpTxRTLAlignCh" val="l"/>
+              </dgm:alg>
+            </dgm:if>
+            <dgm:else name="Name42">
+              <dgm:alg type="tx">
+                <dgm:param type="parTxLTRAlign" val="r"/>
+                <dgm:param type="shpTxLTRAlignCh" val="r"/>
+                <dgm:param type="parTxRTLAlign" val="r"/>
+                <dgm:param type="shpTxRTLAlignCh" val="r"/>
+              </dgm:alg>
+            </dgm:else>
+          </dgm:choose>
+          <dgm:shape xmlns:r="http://schemas.openxmlformats.org/officeDocument/2006/relationships" type="rect" r:blip="">
+            <dgm:adjLst/>
+          </dgm:shape>
+          <dgm:presOf axis="desOrSelf" ptType="node"/>
+          <dgm:constrLst>
+            <dgm:constr type="primFontSz" val="65"/>
+            <dgm:constr type="lMarg" refType="primFontSz" fact="0.2"/>
+            <dgm:constr type="rMarg" refType="primFontSz" fact="0.2"/>
+            <dgm:constr type="tMarg" refType="primFontSz" fact="0.2"/>
+            <dgm:constr type="bMarg" refType="primFontSz" fact="0.2"/>
+          </dgm:constrLst>
+          <dgm:ruleLst>
+            <dgm:rule type="primFontSz" val="5" fact="NaN" max="NaN"/>
+          </dgm:ruleLst>
+        </dgm:layoutNode>
+        <dgm:layoutNode name="accent_4">
+          <dgm:alg type="sp"/>
+          <dgm:shape xmlns:r="http://schemas.openxmlformats.org/officeDocument/2006/relationships" r:blip="">
+            <dgm:adjLst/>
+          </dgm:shape>
+          <dgm:presOf/>
+          <dgm:constrLst/>
+          <dgm:forEach name="Name43" ref="accentRepeat"/>
+        </dgm:layoutNode>
+      </dgm:forEach>
+      <dgm:forEach name="Name44" axis="ch" ptType="node" st="5" cnt="1">
+        <dgm:layoutNode name="text_5" styleLbl="node1">
+          <dgm:varLst>
+            <dgm:bulletEnabled val="1"/>
+          </dgm:varLst>
+          <dgm:choose name="Name45">
+            <dgm:if name="Name46" func="var" arg="dir" op="equ" val="norm">
+              <dgm:alg type="tx">
+                <dgm:param type="parTxLTRAlign" val="l"/>
+                <dgm:param type="shpTxLTRAlignCh" val="l"/>
+                <dgm:param type="parTxRTLAlign" val="l"/>
+                <dgm:param type="shpTxRTLAlignCh" val="l"/>
+              </dgm:alg>
+            </dgm:if>
+            <dgm:else name="Name47">
+              <dgm:alg type="tx">
+                <dgm:param type="parTxLTRAlign" val="r"/>
+                <dgm:param type="shpTxLTRAlignCh" val="r"/>
+                <dgm:param type="parTxRTLAlign" val="r"/>
+                <dgm:param type="shpTxRTLAlignCh" val="r"/>
+              </dgm:alg>
+            </dgm:else>
+          </dgm:choose>
+          <dgm:shape xmlns:r="http://schemas.openxmlformats.org/officeDocument/2006/relationships" type="rect" r:blip="">
+            <dgm:adjLst/>
+          </dgm:shape>
+          <dgm:presOf axis="desOrSelf" ptType="node"/>
+          <dgm:constrLst>
+            <dgm:constr type="primFontSz" val="65"/>
+            <dgm:constr type="lMarg" refType="primFontSz" fact="0.2"/>
+            <dgm:constr type="rMarg" refType="primFontSz" fact="0.2"/>
+            <dgm:constr type="tMarg" refType="primFontSz" fact="0.2"/>
+            <dgm:constr type="bMarg" refType="primFontSz" fact="0.2"/>
+          </dgm:constrLst>
+          <dgm:ruleLst>
+            <dgm:rule type="primFontSz" val="5" fact="NaN" max="NaN"/>
+          </dgm:ruleLst>
+        </dgm:layoutNode>
+        <dgm:layoutNode name="accent_5">
+          <dgm:alg type="sp"/>
+          <dgm:shape xmlns:r="http://schemas.openxmlformats.org/officeDocument/2006/relationships" r:blip="">
+            <dgm:adjLst/>
+          </dgm:shape>
+          <dgm:presOf/>
+          <dgm:constrLst/>
+          <dgm:forEach name="Name48" ref="accentRepeat"/>
+        </dgm:layoutNode>
+      </dgm:forEach>
+      <dgm:forEach name="Name49" axis="ch" ptType="node" st="6" cnt="1">
+        <dgm:layoutNode name="text_6" styleLbl="node1">
+          <dgm:varLst>
+            <dgm:bulletEnabled val="1"/>
+          </dgm:varLst>
+          <dgm:choose name="Name50">
+            <dgm:if name="Name51" func="var" arg="dir" op="equ" val="norm">
+              <dgm:alg type="tx">
+                <dgm:param type="parTxLTRAlign" val="l"/>
+                <dgm:param type="shpTxLTRAlignCh" val="l"/>
+                <dgm:param type="parTxRTLAlign" val="l"/>
+                <dgm:param type="shpTxRTLAlignCh" val="l"/>
+              </dgm:alg>
+            </dgm:if>
+            <dgm:else name="Name52">
+              <dgm:alg type="tx">
+                <dgm:param type="parTxLTRAlign" val="r"/>
+                <dgm:param type="shpTxLTRAlignCh" val="r"/>
+                <dgm:param type="parTxRTLAlign" val="r"/>
+                <dgm:param type="shpTxRTLAlignCh" val="r"/>
+              </dgm:alg>
+            </dgm:else>
+          </dgm:choose>
+          <dgm:shape xmlns:r="http://schemas.openxmlformats.org/officeDocument/2006/relationships" type="rect" r:blip="">
+            <dgm:adjLst/>
+          </dgm:shape>
+          <dgm:presOf axis="desOrSelf" ptType="node"/>
+          <dgm:constrLst>
+            <dgm:constr type="primFontSz" val="65"/>
+            <dgm:constr type="lMarg" refType="primFontSz" fact="0.2"/>
+            <dgm:constr type="rMarg" refType="primFontSz" fact="0.2"/>
+            <dgm:constr type="tMarg" refType="primFontSz" fact="0.2"/>
+            <dgm:constr type="bMarg" refType="primFontSz" fact="0.2"/>
+          </dgm:constrLst>
+          <dgm:ruleLst>
+            <dgm:rule type="primFontSz" val="5" fact="NaN" max="NaN"/>
+          </dgm:ruleLst>
+        </dgm:layoutNode>
+        <dgm:layoutNode name="accent_6">
+          <dgm:alg type="sp"/>
+          <dgm:shape xmlns:r="http://schemas.openxmlformats.org/officeDocument/2006/relationships" r:blip="">
+            <dgm:adjLst/>
+          </dgm:shape>
+          <dgm:presOf/>
+          <dgm:constrLst/>
+          <dgm:forEach name="Name53" ref="accentRepeat"/>
+        </dgm:layoutNode>
+      </dgm:forEach>
+      <dgm:forEach name="Name54" axis="ch" ptType="node" st="7" cnt="1">
+        <dgm:layoutNode name="text_7" styleLbl="node1">
+          <dgm:varLst>
+            <dgm:bulletEnabled val="1"/>
+          </dgm:varLst>
+          <dgm:choose name="Name55">
+            <dgm:if name="Name56" func="var" arg="dir" op="equ" val="norm">
+              <dgm:alg type="tx">
+                <dgm:param type="parTxLTRAlign" val="l"/>
+                <dgm:param type="shpTxLTRAlignCh" val="l"/>
+                <dgm:param type="parTxRTLAlign" val="l"/>
+                <dgm:param type="shpTxRTLAlignCh" val="l"/>
+              </dgm:alg>
+            </dgm:if>
+            <dgm:else name="Name57">
+              <dgm:alg type="tx">
+                <dgm:param type="parTxLTRAlign" val="r"/>
+                <dgm:param type="shpTxLTRAlignCh" val="r"/>
+                <dgm:param type="parTxRTLAlign" val="r"/>
+                <dgm:param type="shpTxRTLAlignCh" val="r"/>
+              </dgm:alg>
+            </dgm:else>
+          </dgm:choose>
+          <dgm:shape xmlns:r="http://schemas.openxmlformats.org/officeDocument/2006/relationships" type="rect" r:blip="">
+            <dgm:adjLst/>
+          </dgm:shape>
+          <dgm:presOf axis="desOrSelf" ptType="node"/>
+          <dgm:constrLst>
+            <dgm:constr type="primFontSz" val="65"/>
+            <dgm:constr type="lMarg" refType="primFontSz" fact="0.2"/>
+            <dgm:constr type="rMarg" refType="primFontSz" fact="0.2"/>
+            <dgm:constr type="tMarg" refType="primFontSz" fact="0.2"/>
+            <dgm:constr type="bMarg" refType="primFontSz" fact="0.2"/>
+          </dgm:constrLst>
+          <dgm:ruleLst>
+            <dgm:rule type="primFontSz" val="5" fact="NaN" max="NaN"/>
+          </dgm:ruleLst>
+        </dgm:layoutNode>
+        <dgm:layoutNode name="accent_7">
+          <dgm:alg type="sp"/>
+          <dgm:shape xmlns:r="http://schemas.openxmlformats.org/officeDocument/2006/relationships" r:blip="">
+            <dgm:adjLst/>
+          </dgm:shape>
+          <dgm:presOf/>
+          <dgm:constrLst/>
+          <dgm:forEach name="Name58" ref="accentRepeat"/>
+        </dgm:layoutNode>
+      </dgm:forEach>
+    </dgm:layoutNode>
+  </dgm:layoutNode>
+</dgm:layoutDef>
+</file>
+
 <file path=ppt/diagrams/quickStyle1.xml><?xml version="1.0" encoding="utf-8"?>
 <dgm:styleDef xmlns:dgm="http://schemas.openxmlformats.org/drawingml/2006/diagram" xmlns:a="http://schemas.openxmlformats.org/drawingml/2006/main" uniqueId="urn:microsoft.com/office/officeart/2005/8/quickstyle/simple1">
   <dgm:title val=""/>
@@ -8650,6 +10757,1040 @@
 </file>
 
 <file path=ppt/diagrams/quickStyle3.xml><?xml version="1.0" encoding="utf-8"?>
+<dgm:styleDef xmlns:dgm="http://schemas.openxmlformats.org/drawingml/2006/diagram" xmlns:a="http://schemas.openxmlformats.org/drawingml/2006/main" uniqueId="urn:microsoft.com/office/officeart/2005/8/quickstyle/simple4">
+  <dgm:title val=""/>
+  <dgm:desc val=""/>
+  <dgm:catLst>
+    <dgm:cat type="simple" pri="10400"/>
+  </dgm:catLst>
+  <dgm:scene3d>
+    <a:camera prst="orthographicFront"/>
+    <a:lightRig rig="threePt" dir="t"/>
+  </dgm:scene3d>
+  <dgm:styleLbl name="node0">
+    <dgm:scene3d>
+      <a:camera prst="orthographicFront"/>
+      <a:lightRig rig="threePt" dir="t"/>
+    </dgm:scene3d>
+    <dgm:sp3d/>
+    <dgm:txPr/>
+    <dgm:style>
+      <a:lnRef idx="0">
+        <a:scrgbClr r="0" g="0" b="0"/>
+      </a:lnRef>
+      <a:fillRef idx="3">
+        <a:scrgbClr r="0" g="0" b="0"/>
+      </a:fillRef>
+      <a:effectRef idx="2">
+        <a:scrgbClr r="0" g="0" b="0"/>
+      </a:effectRef>
+      <a:fontRef idx="minor">
+        <a:schemeClr val="lt1"/>
+      </a:fontRef>
+    </dgm:style>
+  </dgm:styleLbl>
+  <dgm:styleLbl name="lnNode1">
+    <dgm:scene3d>
+      <a:camera prst="orthographicFront"/>
+      <a:lightRig rig="threePt" dir="t"/>
+    </dgm:scene3d>
+    <dgm:sp3d/>
+    <dgm:txPr/>
+    <dgm:style>
+      <a:lnRef idx="1">
+        <a:scrgbClr r="0" g="0" b="0"/>
+      </a:lnRef>
+      <a:fillRef idx="3">
+        <a:scrgbClr r="0" g="0" b="0"/>
+      </a:fillRef>
+      <a:effectRef idx="2">
+        <a:scrgbClr r="0" g="0" b="0"/>
+      </a:effectRef>
+      <a:fontRef idx="minor">
+        <a:schemeClr val="lt1"/>
+      </a:fontRef>
+    </dgm:style>
+  </dgm:styleLbl>
+  <dgm:styleLbl name="vennNode1">
+    <dgm:scene3d>
+      <a:camera prst="orthographicFront"/>
+      <a:lightRig rig="threePt" dir="t"/>
+    </dgm:scene3d>
+    <dgm:sp3d/>
+    <dgm:txPr/>
+    <dgm:style>
+      <a:lnRef idx="0">
+        <a:scrgbClr r="0" g="0" b="0"/>
+      </a:lnRef>
+      <a:fillRef idx="3">
+        <a:scrgbClr r="0" g="0" b="0"/>
+      </a:fillRef>
+      <a:effectRef idx="0">
+        <a:scrgbClr r="0" g="0" b="0"/>
+      </a:effectRef>
+      <a:fontRef idx="minor">
+        <a:schemeClr val="tx1"/>
+      </a:fontRef>
+    </dgm:style>
+  </dgm:styleLbl>
+  <dgm:styleLbl name="alignNode1">
+    <dgm:scene3d>
+      <a:camera prst="orthographicFront"/>
+      <a:lightRig rig="threePt" dir="t"/>
+    </dgm:scene3d>
+    <dgm:sp3d/>
+    <dgm:txPr/>
+    <dgm:style>
+      <a:lnRef idx="1">
+        <a:scrgbClr r="0" g="0" b="0"/>
+      </a:lnRef>
+      <a:fillRef idx="3">
+        <a:scrgbClr r="0" g="0" b="0"/>
+      </a:fillRef>
+      <a:effectRef idx="2">
+        <a:scrgbClr r="0" g="0" b="0"/>
+      </a:effectRef>
+      <a:fontRef idx="minor">
+        <a:schemeClr val="lt1"/>
+      </a:fontRef>
+    </dgm:style>
+  </dgm:styleLbl>
+  <dgm:styleLbl name="node1">
+    <dgm:scene3d>
+      <a:camera prst="orthographicFront"/>
+      <a:lightRig rig="threePt" dir="t"/>
+    </dgm:scene3d>
+    <dgm:sp3d/>
+    <dgm:txPr/>
+    <dgm:style>
+      <a:lnRef idx="0">
+        <a:scrgbClr r="0" g="0" b="0"/>
+      </a:lnRef>
+      <a:fillRef idx="3">
+        <a:scrgbClr r="0" g="0" b="0"/>
+      </a:fillRef>
+      <a:effectRef idx="2">
+        <a:scrgbClr r="0" g="0" b="0"/>
+      </a:effectRef>
+      <a:fontRef idx="minor">
+        <a:schemeClr val="lt1"/>
+      </a:fontRef>
+    </dgm:style>
+  </dgm:styleLbl>
+  <dgm:styleLbl name="node2">
+    <dgm:scene3d>
+      <a:camera prst="orthographicFront"/>
+      <a:lightRig rig="threePt" dir="t"/>
+    </dgm:scene3d>
+    <dgm:sp3d/>
+    <dgm:txPr/>
+    <dgm:style>
+      <a:lnRef idx="0">
+        <a:scrgbClr r="0" g="0" b="0"/>
+      </a:lnRef>
+      <a:fillRef idx="3">
+        <a:scrgbClr r="0" g="0" b="0"/>
+      </a:fillRef>
+      <a:effectRef idx="2">
+        <a:scrgbClr r="0" g="0" b="0"/>
+      </a:effectRef>
+      <a:fontRef idx="minor">
+        <a:schemeClr val="lt1"/>
+      </a:fontRef>
+    </dgm:style>
+  </dgm:styleLbl>
+  <dgm:styleLbl name="node3">
+    <dgm:scene3d>
+      <a:camera prst="orthographicFront"/>
+      <a:lightRig rig="threePt" dir="t"/>
+    </dgm:scene3d>
+    <dgm:sp3d/>
+    <dgm:txPr/>
+    <dgm:style>
+      <a:lnRef idx="0">
+        <a:scrgbClr r="0" g="0" b="0"/>
+      </a:lnRef>
+      <a:fillRef idx="3">
+        <a:scrgbClr r="0" g="0" b="0"/>
+      </a:fillRef>
+      <a:effectRef idx="2">
+        <a:scrgbClr r="0" g="0" b="0"/>
+      </a:effectRef>
+      <a:fontRef idx="minor">
+        <a:schemeClr val="lt1"/>
+      </a:fontRef>
+    </dgm:style>
+  </dgm:styleLbl>
+  <dgm:styleLbl name="node4">
+    <dgm:scene3d>
+      <a:camera prst="orthographicFront"/>
+      <a:lightRig rig="threePt" dir="t"/>
+    </dgm:scene3d>
+    <dgm:sp3d/>
+    <dgm:txPr/>
+    <dgm:style>
+      <a:lnRef idx="0">
+        <a:scrgbClr r="0" g="0" b="0"/>
+      </a:lnRef>
+      <a:fillRef idx="3">
+        <a:scrgbClr r="0" g="0" b="0"/>
+      </a:fillRef>
+      <a:effectRef idx="2">
+        <a:scrgbClr r="0" g="0" b="0"/>
+      </a:effectRef>
+      <a:fontRef idx="minor">
+        <a:schemeClr val="lt1"/>
+      </a:fontRef>
+    </dgm:style>
+  </dgm:styleLbl>
+  <dgm:styleLbl name="fgImgPlace1">
+    <dgm:scene3d>
+      <a:camera prst="orthographicFront"/>
+      <a:lightRig rig="threePt" dir="t"/>
+    </dgm:scene3d>
+    <dgm:sp3d/>
+    <dgm:txPr/>
+    <dgm:style>
+      <a:lnRef idx="0">
+        <a:scrgbClr r="0" g="0" b="0"/>
+      </a:lnRef>
+      <a:fillRef idx="1">
+        <a:scrgbClr r="0" g="0" b="0"/>
+      </a:fillRef>
+      <a:effectRef idx="2">
+        <a:scrgbClr r="0" g="0" b="0"/>
+      </a:effectRef>
+      <a:fontRef idx="minor"/>
+    </dgm:style>
+  </dgm:styleLbl>
+  <dgm:styleLbl name="alignImgPlace1">
+    <dgm:scene3d>
+      <a:camera prst="orthographicFront"/>
+      <a:lightRig rig="threePt" dir="t"/>
+    </dgm:scene3d>
+    <dgm:sp3d/>
+    <dgm:txPr/>
+    <dgm:style>
+      <a:lnRef idx="0">
+        <a:scrgbClr r="0" g="0" b="0"/>
+      </a:lnRef>
+      <a:fillRef idx="1">
+        <a:scrgbClr r="0" g="0" b="0"/>
+      </a:fillRef>
+      <a:effectRef idx="2">
+        <a:scrgbClr r="0" g="0" b="0"/>
+      </a:effectRef>
+      <a:fontRef idx="minor"/>
+    </dgm:style>
+  </dgm:styleLbl>
+  <dgm:styleLbl name="bgImgPlace1">
+    <dgm:scene3d>
+      <a:camera prst="orthographicFront"/>
+      <a:lightRig rig="threePt" dir="t"/>
+    </dgm:scene3d>
+    <dgm:sp3d/>
+    <dgm:txPr/>
+    <dgm:style>
+      <a:lnRef idx="0">
+        <a:scrgbClr r="0" g="0" b="0"/>
+      </a:lnRef>
+      <a:fillRef idx="1">
+        <a:scrgbClr r="0" g="0" b="0"/>
+      </a:fillRef>
+      <a:effectRef idx="2">
+        <a:scrgbClr r="0" g="0" b="0"/>
+      </a:effectRef>
+      <a:fontRef idx="minor"/>
+    </dgm:style>
+  </dgm:styleLbl>
+  <dgm:styleLbl name="sibTrans2D1">
+    <dgm:scene3d>
+      <a:camera prst="orthographicFront"/>
+      <a:lightRig rig="threePt" dir="t"/>
+    </dgm:scene3d>
+    <dgm:sp3d/>
+    <dgm:txPr/>
+    <dgm:style>
+      <a:lnRef idx="0">
+        <a:scrgbClr r="0" g="0" b="0"/>
+      </a:lnRef>
+      <a:fillRef idx="3">
+        <a:scrgbClr r="0" g="0" b="0"/>
+      </a:fillRef>
+      <a:effectRef idx="2">
+        <a:scrgbClr r="0" g="0" b="0"/>
+      </a:effectRef>
+      <a:fontRef idx="minor">
+        <a:schemeClr val="lt1"/>
+      </a:fontRef>
+    </dgm:style>
+  </dgm:styleLbl>
+  <dgm:styleLbl name="fgSibTrans2D1">
+    <dgm:scene3d>
+      <a:camera prst="orthographicFront"/>
+      <a:lightRig rig="threePt" dir="t"/>
+    </dgm:scene3d>
+    <dgm:sp3d/>
+    <dgm:txPr/>
+    <dgm:style>
+      <a:lnRef idx="0">
+        <a:scrgbClr r="0" g="0" b="0"/>
+      </a:lnRef>
+      <a:fillRef idx="3">
+        <a:scrgbClr r="0" g="0" b="0"/>
+      </a:fillRef>
+      <a:effectRef idx="2">
+        <a:scrgbClr r="0" g="0" b="0"/>
+      </a:effectRef>
+      <a:fontRef idx="minor">
+        <a:schemeClr val="lt1"/>
+      </a:fontRef>
+    </dgm:style>
+  </dgm:styleLbl>
+  <dgm:styleLbl name="bgSibTrans2D1">
+    <dgm:scene3d>
+      <a:camera prst="orthographicFront"/>
+      <a:lightRig rig="threePt" dir="t"/>
+    </dgm:scene3d>
+    <dgm:sp3d/>
+    <dgm:txPr/>
+    <dgm:style>
+      <a:lnRef idx="0">
+        <a:scrgbClr r="0" g="0" b="0"/>
+      </a:lnRef>
+      <a:fillRef idx="3">
+        <a:scrgbClr r="0" g="0" b="0"/>
+      </a:fillRef>
+      <a:effectRef idx="2">
+        <a:scrgbClr r="0" g="0" b="0"/>
+      </a:effectRef>
+      <a:fontRef idx="minor">
+        <a:schemeClr val="lt1"/>
+      </a:fontRef>
+    </dgm:style>
+  </dgm:styleLbl>
+  <dgm:styleLbl name="sibTrans1D1">
+    <dgm:scene3d>
+      <a:camera prst="orthographicFront"/>
+      <a:lightRig rig="threePt" dir="t"/>
+    </dgm:scene3d>
+    <dgm:sp3d/>
+    <dgm:txPr/>
+    <dgm:style>
+      <a:lnRef idx="1">
+        <a:scrgbClr r="0" g="0" b="0"/>
+      </a:lnRef>
+      <a:fillRef idx="0">
+        <a:scrgbClr r="0" g="0" b="0"/>
+      </a:fillRef>
+      <a:effectRef idx="0">
+        <a:scrgbClr r="0" g="0" b="0"/>
+      </a:effectRef>
+      <a:fontRef idx="minor"/>
+    </dgm:style>
+  </dgm:styleLbl>
+  <dgm:styleLbl name="callout">
+    <dgm:scene3d>
+      <a:camera prst="orthographicFront"/>
+      <a:lightRig rig="threePt" dir="t"/>
+    </dgm:scene3d>
+    <dgm:sp3d/>
+    <dgm:txPr/>
+    <dgm:style>
+      <a:lnRef idx="2">
+        <a:scrgbClr r="0" g="0" b="0"/>
+      </a:lnRef>
+      <a:fillRef idx="1">
+        <a:scrgbClr r="0" g="0" b="0"/>
+      </a:fillRef>
+      <a:effectRef idx="1">
+        <a:scrgbClr r="0" g="0" b="0"/>
+      </a:effectRef>
+      <a:fontRef idx="minor"/>
+    </dgm:style>
+  </dgm:styleLbl>
+  <dgm:styleLbl name="asst0">
+    <dgm:scene3d>
+      <a:camera prst="orthographicFront"/>
+      <a:lightRig rig="threePt" dir="t"/>
+    </dgm:scene3d>
+    <dgm:sp3d/>
+    <dgm:txPr/>
+    <dgm:style>
+      <a:lnRef idx="0">
+        <a:scrgbClr r="0" g="0" b="0"/>
+      </a:lnRef>
+      <a:fillRef idx="3">
+        <a:scrgbClr r="0" g="0" b="0"/>
+      </a:fillRef>
+      <a:effectRef idx="2">
+        <a:scrgbClr r="0" g="0" b="0"/>
+      </a:effectRef>
+      <a:fontRef idx="minor">
+        <a:schemeClr val="lt1"/>
+      </a:fontRef>
+    </dgm:style>
+  </dgm:styleLbl>
+  <dgm:styleLbl name="asst1">
+    <dgm:scene3d>
+      <a:camera prst="orthographicFront"/>
+      <a:lightRig rig="threePt" dir="t"/>
+    </dgm:scene3d>
+    <dgm:sp3d/>
+    <dgm:txPr/>
+    <dgm:style>
+      <a:lnRef idx="0">
+        <a:scrgbClr r="0" g="0" b="0"/>
+      </a:lnRef>
+      <a:fillRef idx="3">
+        <a:scrgbClr r="0" g="0" b="0"/>
+      </a:fillRef>
+      <a:effectRef idx="2">
+        <a:scrgbClr r="0" g="0" b="0"/>
+      </a:effectRef>
+      <a:fontRef idx="minor">
+        <a:schemeClr val="lt1"/>
+      </a:fontRef>
+    </dgm:style>
+  </dgm:styleLbl>
+  <dgm:styleLbl name="asst2">
+    <dgm:scene3d>
+      <a:camera prst="orthographicFront"/>
+      <a:lightRig rig="threePt" dir="t"/>
+    </dgm:scene3d>
+    <dgm:sp3d/>
+    <dgm:txPr/>
+    <dgm:style>
+      <a:lnRef idx="0">
+        <a:scrgbClr r="0" g="0" b="0"/>
+      </a:lnRef>
+      <a:fillRef idx="3">
+        <a:scrgbClr r="0" g="0" b="0"/>
+      </a:fillRef>
+      <a:effectRef idx="2">
+        <a:scrgbClr r="0" g="0" b="0"/>
+      </a:effectRef>
+      <a:fontRef idx="minor">
+        <a:schemeClr val="lt1"/>
+      </a:fontRef>
+    </dgm:style>
+  </dgm:styleLbl>
+  <dgm:styleLbl name="asst3">
+    <dgm:scene3d>
+      <a:camera prst="orthographicFront"/>
+      <a:lightRig rig="threePt" dir="t"/>
+    </dgm:scene3d>
+    <dgm:sp3d/>
+    <dgm:txPr/>
+    <dgm:style>
+      <a:lnRef idx="0">
+        <a:scrgbClr r="0" g="0" b="0"/>
+      </a:lnRef>
+      <a:fillRef idx="3">
+        <a:scrgbClr r="0" g="0" b="0"/>
+      </a:fillRef>
+      <a:effectRef idx="2">
+        <a:scrgbClr r="0" g="0" b="0"/>
+      </a:effectRef>
+      <a:fontRef idx="minor">
+        <a:schemeClr val="lt1"/>
+      </a:fontRef>
+    </dgm:style>
+  </dgm:styleLbl>
+  <dgm:styleLbl name="asst4">
+    <dgm:scene3d>
+      <a:camera prst="orthographicFront"/>
+      <a:lightRig rig="threePt" dir="t"/>
+    </dgm:scene3d>
+    <dgm:sp3d/>
+    <dgm:txPr/>
+    <dgm:style>
+      <a:lnRef idx="0">
+        <a:scrgbClr r="0" g="0" b="0"/>
+      </a:lnRef>
+      <a:fillRef idx="3">
+        <a:scrgbClr r="0" g="0" b="0"/>
+      </a:fillRef>
+      <a:effectRef idx="2">
+        <a:scrgbClr r="0" g="0" b="0"/>
+      </a:effectRef>
+      <a:fontRef idx="minor">
+        <a:schemeClr val="lt1"/>
+      </a:fontRef>
+    </dgm:style>
+  </dgm:styleLbl>
+  <dgm:styleLbl name="parChTrans2D1">
+    <dgm:scene3d>
+      <a:camera prst="orthographicFront"/>
+      <a:lightRig rig="threePt" dir="t"/>
+    </dgm:scene3d>
+    <dgm:sp3d/>
+    <dgm:txPr/>
+    <dgm:style>
+      <a:lnRef idx="0">
+        <a:scrgbClr r="0" g="0" b="0"/>
+      </a:lnRef>
+      <a:fillRef idx="3">
+        <a:scrgbClr r="0" g="0" b="0"/>
+      </a:fillRef>
+      <a:effectRef idx="2">
+        <a:scrgbClr r="0" g="0" b="0"/>
+      </a:effectRef>
+      <a:fontRef idx="minor">
+        <a:schemeClr val="lt1"/>
+      </a:fontRef>
+    </dgm:style>
+  </dgm:styleLbl>
+  <dgm:styleLbl name="parChTrans2D2">
+    <dgm:scene3d>
+      <a:camera prst="orthographicFront"/>
+      <a:lightRig rig="threePt" dir="t"/>
+    </dgm:scene3d>
+    <dgm:sp3d/>
+    <dgm:txPr/>
+    <dgm:style>
+      <a:lnRef idx="0">
+        <a:scrgbClr r="0" g="0" b="0"/>
+      </a:lnRef>
+      <a:fillRef idx="3">
+        <a:scrgbClr r="0" g="0" b="0"/>
+      </a:fillRef>
+      <a:effectRef idx="2">
+        <a:scrgbClr r="0" g="0" b="0"/>
+      </a:effectRef>
+      <a:fontRef idx="minor">
+        <a:schemeClr val="lt1"/>
+      </a:fontRef>
+    </dgm:style>
+  </dgm:styleLbl>
+  <dgm:styleLbl name="parChTrans2D3">
+    <dgm:scene3d>
+      <a:camera prst="orthographicFront"/>
+      <a:lightRig rig="threePt" dir="t"/>
+    </dgm:scene3d>
+    <dgm:sp3d/>
+    <dgm:txPr/>
+    <dgm:style>
+      <a:lnRef idx="1">
+        <a:scrgbClr r="0" g="0" b="0"/>
+      </a:lnRef>
+      <a:fillRef idx="3">
+        <a:scrgbClr r="0" g="0" b="0"/>
+      </a:fillRef>
+      <a:effectRef idx="2">
+        <a:scrgbClr r="0" g="0" b="0"/>
+      </a:effectRef>
+      <a:fontRef idx="minor">
+        <a:schemeClr val="lt1"/>
+      </a:fontRef>
+    </dgm:style>
+  </dgm:styleLbl>
+  <dgm:styleLbl name="parChTrans2D4">
+    <dgm:scene3d>
+      <a:camera prst="orthographicFront"/>
+      <a:lightRig rig="threePt" dir="t"/>
+    </dgm:scene3d>
+    <dgm:sp3d/>
+    <dgm:txPr/>
+    <dgm:style>
+      <a:lnRef idx="1">
+        <a:scrgbClr r="0" g="0" b="0"/>
+      </a:lnRef>
+      <a:fillRef idx="3">
+        <a:scrgbClr r="0" g="0" b="0"/>
+      </a:fillRef>
+      <a:effectRef idx="2">
+        <a:scrgbClr r="0" g="0" b="0"/>
+      </a:effectRef>
+      <a:fontRef idx="minor">
+        <a:schemeClr val="lt1"/>
+      </a:fontRef>
+    </dgm:style>
+  </dgm:styleLbl>
+  <dgm:styleLbl name="parChTrans1D1">
+    <dgm:scene3d>
+      <a:camera prst="orthographicFront"/>
+      <a:lightRig rig="threePt" dir="t"/>
+    </dgm:scene3d>
+    <dgm:sp3d/>
+    <dgm:txPr/>
+    <dgm:style>
+      <a:lnRef idx="1">
+        <a:scrgbClr r="0" g="0" b="0"/>
+      </a:lnRef>
+      <a:fillRef idx="0">
+        <a:scrgbClr r="0" g="0" b="0"/>
+      </a:fillRef>
+      <a:effectRef idx="0">
+        <a:scrgbClr r="0" g="0" b="0"/>
+      </a:effectRef>
+      <a:fontRef idx="minor"/>
+    </dgm:style>
+  </dgm:styleLbl>
+  <dgm:styleLbl name="parChTrans1D2">
+    <dgm:scene3d>
+      <a:camera prst="orthographicFront"/>
+      <a:lightRig rig="threePt" dir="t"/>
+    </dgm:scene3d>
+    <dgm:sp3d/>
+    <dgm:txPr/>
+    <dgm:style>
+      <a:lnRef idx="1">
+        <a:scrgbClr r="0" g="0" b="0"/>
+      </a:lnRef>
+      <a:fillRef idx="0">
+        <a:scrgbClr r="0" g="0" b="0"/>
+      </a:fillRef>
+      <a:effectRef idx="0">
+        <a:scrgbClr r="0" g="0" b="0"/>
+      </a:effectRef>
+      <a:fontRef idx="minor"/>
+    </dgm:style>
+  </dgm:styleLbl>
+  <dgm:styleLbl name="parChTrans1D3">
+    <dgm:scene3d>
+      <a:camera prst="orthographicFront"/>
+      <a:lightRig rig="threePt" dir="t"/>
+    </dgm:scene3d>
+    <dgm:sp3d/>
+    <dgm:txPr/>
+    <dgm:style>
+      <a:lnRef idx="1">
+        <a:scrgbClr r="0" g="0" b="0"/>
+      </a:lnRef>
+      <a:fillRef idx="0">
+        <a:scrgbClr r="0" g="0" b="0"/>
+      </a:fillRef>
+      <a:effectRef idx="0">
+        <a:scrgbClr r="0" g="0" b="0"/>
+      </a:effectRef>
+      <a:fontRef idx="minor"/>
+    </dgm:style>
+  </dgm:styleLbl>
+  <dgm:styleLbl name="parChTrans1D4">
+    <dgm:scene3d>
+      <a:camera prst="orthographicFront"/>
+      <a:lightRig rig="threePt" dir="t"/>
+    </dgm:scene3d>
+    <dgm:sp3d/>
+    <dgm:txPr/>
+    <dgm:style>
+      <a:lnRef idx="1">
+        <a:scrgbClr r="0" g="0" b="0"/>
+      </a:lnRef>
+      <a:fillRef idx="0">
+        <a:scrgbClr r="0" g="0" b="0"/>
+      </a:fillRef>
+      <a:effectRef idx="0">
+        <a:scrgbClr r="0" g="0" b="0"/>
+      </a:effectRef>
+      <a:fontRef idx="minor"/>
+    </dgm:style>
+  </dgm:styleLbl>
+  <dgm:styleLbl name="fgAcc1">
+    <dgm:scene3d>
+      <a:camera prst="orthographicFront"/>
+      <a:lightRig rig="threePt" dir="t"/>
+    </dgm:scene3d>
+    <dgm:sp3d/>
+    <dgm:txPr/>
+    <dgm:style>
+      <a:lnRef idx="1">
+        <a:scrgbClr r="0" g="0" b="0"/>
+      </a:lnRef>
+      <a:fillRef idx="1">
+        <a:scrgbClr r="0" g="0" b="0"/>
+      </a:fillRef>
+      <a:effectRef idx="0">
+        <a:scrgbClr r="0" g="0" b="0"/>
+      </a:effectRef>
+      <a:fontRef idx="minor"/>
+    </dgm:style>
+  </dgm:styleLbl>
+  <dgm:styleLbl name="conFgAcc1">
+    <dgm:scene3d>
+      <a:camera prst="orthographicFront"/>
+      <a:lightRig rig="threePt" dir="t"/>
+    </dgm:scene3d>
+    <dgm:sp3d/>
+    <dgm:txPr/>
+    <dgm:style>
+      <a:lnRef idx="1">
+        <a:scrgbClr r="0" g="0" b="0"/>
+      </a:lnRef>
+      <a:fillRef idx="1">
+        <a:scrgbClr r="0" g="0" b="0"/>
+      </a:fillRef>
+      <a:effectRef idx="0">
+        <a:scrgbClr r="0" g="0" b="0"/>
+      </a:effectRef>
+      <a:fontRef idx="minor"/>
+    </dgm:style>
+  </dgm:styleLbl>
+  <dgm:styleLbl name="alignAcc1">
+    <dgm:scene3d>
+      <a:camera prst="orthographicFront"/>
+      <a:lightRig rig="threePt" dir="t"/>
+    </dgm:scene3d>
+    <dgm:sp3d/>
+    <dgm:txPr/>
+    <dgm:style>
+      <a:lnRef idx="1">
+        <a:scrgbClr r="0" g="0" b="0"/>
+      </a:lnRef>
+      <a:fillRef idx="1">
+        <a:scrgbClr r="0" g="0" b="0"/>
+      </a:fillRef>
+      <a:effectRef idx="0">
+        <a:scrgbClr r="0" g="0" b="0"/>
+      </a:effectRef>
+      <a:fontRef idx="minor"/>
+    </dgm:style>
+  </dgm:styleLbl>
+  <dgm:styleLbl name="trAlignAcc1">
+    <dgm:scene3d>
+      <a:camera prst="orthographicFront"/>
+      <a:lightRig rig="threePt" dir="t"/>
+    </dgm:scene3d>
+    <dgm:sp3d/>
+    <dgm:txPr/>
+    <dgm:style>
+      <a:lnRef idx="1">
+        <a:scrgbClr r="0" g="0" b="0"/>
+      </a:lnRef>
+      <a:fillRef idx="1">
+        <a:scrgbClr r="0" g="0" b="0"/>
+      </a:fillRef>
+      <a:effectRef idx="0">
+        <a:scrgbClr r="0" g="0" b="0"/>
+      </a:effectRef>
+      <a:fontRef idx="minor"/>
+    </dgm:style>
+  </dgm:styleLbl>
+  <dgm:styleLbl name="bgAcc1">
+    <dgm:scene3d>
+      <a:camera prst="orthographicFront"/>
+      <a:lightRig rig="threePt" dir="t"/>
+    </dgm:scene3d>
+    <dgm:sp3d/>
+    <dgm:txPr/>
+    <dgm:style>
+      <a:lnRef idx="1">
+        <a:scrgbClr r="0" g="0" b="0"/>
+      </a:lnRef>
+      <a:fillRef idx="1">
+        <a:scrgbClr r="0" g="0" b="0"/>
+      </a:fillRef>
+      <a:effectRef idx="0">
+        <a:scrgbClr r="0" g="0" b="0"/>
+      </a:effectRef>
+      <a:fontRef idx="minor"/>
+    </dgm:style>
+  </dgm:styleLbl>
+  <dgm:styleLbl name="solidFgAcc1">
+    <dgm:scene3d>
+      <a:camera prst="orthographicFront"/>
+      <a:lightRig rig="threePt" dir="t"/>
+    </dgm:scene3d>
+    <dgm:sp3d/>
+    <dgm:txPr/>
+    <dgm:style>
+      <a:lnRef idx="1">
+        <a:scrgbClr r="0" g="0" b="0"/>
+      </a:lnRef>
+      <a:fillRef idx="1">
+        <a:scrgbClr r="0" g="0" b="0"/>
+      </a:fillRef>
+      <a:effectRef idx="0">
+        <a:scrgbClr r="0" g="0" b="0"/>
+      </a:effectRef>
+      <a:fontRef idx="minor"/>
+    </dgm:style>
+  </dgm:styleLbl>
+  <dgm:styleLbl name="solidAlignAcc1">
+    <dgm:scene3d>
+      <a:camera prst="orthographicFront"/>
+      <a:lightRig rig="threePt" dir="t"/>
+    </dgm:scene3d>
+    <dgm:sp3d/>
+    <dgm:txPr/>
+    <dgm:style>
+      <a:lnRef idx="1">
+        <a:scrgbClr r="0" g="0" b="0"/>
+      </a:lnRef>
+      <a:fillRef idx="1">
+        <a:scrgbClr r="0" g="0" b="0"/>
+      </a:fillRef>
+      <a:effectRef idx="0">
+        <a:scrgbClr r="0" g="0" b="0"/>
+      </a:effectRef>
+      <a:fontRef idx="minor"/>
+    </dgm:style>
+  </dgm:styleLbl>
+  <dgm:styleLbl name="solidBgAcc1">
+    <dgm:scene3d>
+      <a:camera prst="orthographicFront"/>
+      <a:lightRig rig="threePt" dir="t"/>
+    </dgm:scene3d>
+    <dgm:sp3d/>
+    <dgm:txPr/>
+    <dgm:style>
+      <a:lnRef idx="1">
+        <a:scrgbClr r="0" g="0" b="0"/>
+      </a:lnRef>
+      <a:fillRef idx="1">
+        <a:scrgbClr r="0" g="0" b="0"/>
+      </a:fillRef>
+      <a:effectRef idx="0">
+        <a:scrgbClr r="0" g="0" b="0"/>
+      </a:effectRef>
+      <a:fontRef idx="minor"/>
+    </dgm:style>
+  </dgm:styleLbl>
+  <dgm:styleLbl name="fgAccFollowNode1">
+    <dgm:scene3d>
+      <a:camera prst="orthographicFront"/>
+      <a:lightRig rig="threePt" dir="t"/>
+    </dgm:scene3d>
+    <dgm:sp3d/>
+    <dgm:txPr/>
+    <dgm:style>
+      <a:lnRef idx="1">
+        <a:scrgbClr r="0" g="0" b="0"/>
+      </a:lnRef>
+      <a:fillRef idx="1">
+        <a:scrgbClr r="0" g="0" b="0"/>
+      </a:fillRef>
+      <a:effectRef idx="0">
+        <a:scrgbClr r="0" g="0" b="0"/>
+      </a:effectRef>
+      <a:fontRef idx="minor"/>
+    </dgm:style>
+  </dgm:styleLbl>
+  <dgm:styleLbl name="alignAccFollowNode1">
+    <dgm:scene3d>
+      <a:camera prst="orthographicFront"/>
+      <a:lightRig rig="threePt" dir="t"/>
+    </dgm:scene3d>
+    <dgm:sp3d/>
+    <dgm:txPr/>
+    <dgm:style>
+      <a:lnRef idx="1">
+        <a:scrgbClr r="0" g="0" b="0"/>
+      </a:lnRef>
+      <a:fillRef idx="1">
+        <a:scrgbClr r="0" g="0" b="0"/>
+      </a:fillRef>
+      <a:effectRef idx="0">
+        <a:scrgbClr r="0" g="0" b="0"/>
+      </a:effectRef>
+      <a:fontRef idx="minor"/>
+    </dgm:style>
+  </dgm:styleLbl>
+  <dgm:styleLbl name="bgAccFollowNode1">
+    <dgm:scene3d>
+      <a:camera prst="orthographicFront"/>
+      <a:lightRig rig="threePt" dir="t"/>
+    </dgm:scene3d>
+    <dgm:sp3d/>
+    <dgm:txPr/>
+    <dgm:style>
+      <a:lnRef idx="1">
+        <a:scrgbClr r="0" g="0" b="0"/>
+      </a:lnRef>
+      <a:fillRef idx="1">
+        <a:scrgbClr r="0" g="0" b="0"/>
+      </a:fillRef>
+      <a:effectRef idx="0">
+        <a:scrgbClr r="0" g="0" b="0"/>
+      </a:effectRef>
+      <a:fontRef idx="minor"/>
+    </dgm:style>
+  </dgm:styleLbl>
+  <dgm:styleLbl name="fgAcc0">
+    <dgm:scene3d>
+      <a:camera prst="orthographicFront"/>
+      <a:lightRig rig="threePt" dir="t"/>
+    </dgm:scene3d>
+    <dgm:sp3d/>
+    <dgm:txPr/>
+    <dgm:style>
+      <a:lnRef idx="1">
+        <a:scrgbClr r="0" g="0" b="0"/>
+      </a:lnRef>
+      <a:fillRef idx="1">
+        <a:scrgbClr r="0" g="0" b="0"/>
+      </a:fillRef>
+      <a:effectRef idx="0">
+        <a:scrgbClr r="0" g="0" b="0"/>
+      </a:effectRef>
+      <a:fontRef idx="minor"/>
+    </dgm:style>
+  </dgm:styleLbl>
+  <dgm:styleLbl name="fgAcc2">
+    <dgm:scene3d>
+      <a:camera prst="orthographicFront"/>
+      <a:lightRig rig="threePt" dir="t"/>
+    </dgm:scene3d>
+    <dgm:sp3d/>
+    <dgm:txPr/>
+    <dgm:style>
+      <a:lnRef idx="1">
+        <a:scrgbClr r="0" g="0" b="0"/>
+      </a:lnRef>
+      <a:fillRef idx="1">
+        <a:scrgbClr r="0" g="0" b="0"/>
+      </a:fillRef>
+      <a:effectRef idx="0">
+        <a:scrgbClr r="0" g="0" b="0"/>
+      </a:effectRef>
+      <a:fontRef idx="minor"/>
+    </dgm:style>
+  </dgm:styleLbl>
+  <dgm:styleLbl name="fgAcc3">
+    <dgm:scene3d>
+      <a:camera prst="orthographicFront"/>
+      <a:lightRig rig="threePt" dir="t"/>
+    </dgm:scene3d>
+    <dgm:sp3d/>
+    <dgm:txPr/>
+    <dgm:style>
+      <a:lnRef idx="1">
+        <a:scrgbClr r="0" g="0" b="0"/>
+      </a:lnRef>
+      <a:fillRef idx="1">
+        <a:scrgbClr r="0" g="0" b="0"/>
+      </a:fillRef>
+      <a:effectRef idx="0">
+        <a:scrgbClr r="0" g="0" b="0"/>
+      </a:effectRef>
+      <a:fontRef idx="minor"/>
+    </dgm:style>
+  </dgm:styleLbl>
+  <dgm:styleLbl name="fgAcc4">
+    <dgm:scene3d>
+      <a:camera prst="orthographicFront"/>
+      <a:lightRig rig="threePt" dir="t"/>
+    </dgm:scene3d>
+    <dgm:sp3d/>
+    <dgm:txPr/>
+    <dgm:style>
+      <a:lnRef idx="1">
+        <a:scrgbClr r="0" g="0" b="0"/>
+      </a:lnRef>
+      <a:fillRef idx="1">
+        <a:scrgbClr r="0" g="0" b="0"/>
+      </a:fillRef>
+      <a:effectRef idx="0">
+        <a:scrgbClr r="0" g="0" b="0"/>
+      </a:effectRef>
+      <a:fontRef idx="minor"/>
+    </dgm:style>
+  </dgm:styleLbl>
+  <dgm:styleLbl name="bgShp">
+    <dgm:scene3d>
+      <a:camera prst="orthographicFront"/>
+      <a:lightRig rig="threePt" dir="t"/>
+    </dgm:scene3d>
+    <dgm:sp3d/>
+    <dgm:txPr/>
+    <dgm:style>
+      <a:lnRef idx="0">
+        <a:scrgbClr r="0" g="0" b="0"/>
+      </a:lnRef>
+      <a:fillRef idx="1">
+        <a:scrgbClr r="0" g="0" b="0"/>
+      </a:fillRef>
+      <a:effectRef idx="2">
+        <a:scrgbClr r="0" g="0" b="0"/>
+      </a:effectRef>
+      <a:fontRef idx="minor"/>
+    </dgm:style>
+  </dgm:styleLbl>
+  <dgm:styleLbl name="dkBgShp">
+    <dgm:scene3d>
+      <a:camera prst="orthographicFront"/>
+      <a:lightRig rig="threePt" dir="t"/>
+    </dgm:scene3d>
+    <dgm:sp3d/>
+    <dgm:txPr/>
+    <dgm:style>
+      <a:lnRef idx="0">
+        <a:scrgbClr r="0" g="0" b="0"/>
+      </a:lnRef>
+      <a:fillRef idx="1">
+        <a:scrgbClr r="0" g="0" b="0"/>
+      </a:fillRef>
+      <a:effectRef idx="2">
+        <a:scrgbClr r="0" g="0" b="0"/>
+      </a:effectRef>
+      <a:fontRef idx="minor"/>
+    </dgm:style>
+  </dgm:styleLbl>
+  <dgm:styleLbl name="trBgShp">
+    <dgm:scene3d>
+      <a:camera prst="orthographicFront"/>
+      <a:lightRig rig="threePt" dir="t"/>
+    </dgm:scene3d>
+    <dgm:sp3d/>
+    <dgm:txPr/>
+    <dgm:style>
+      <a:lnRef idx="0">
+        <a:scrgbClr r="0" g="0" b="0"/>
+      </a:lnRef>
+      <a:fillRef idx="1">
+        <a:scrgbClr r="0" g="0" b="0"/>
+      </a:fillRef>
+      <a:effectRef idx="0">
+        <a:scrgbClr r="0" g="0" b="0"/>
+      </a:effectRef>
+      <a:fontRef idx="minor"/>
+    </dgm:style>
+  </dgm:styleLbl>
+  <dgm:styleLbl name="fgShp">
+    <dgm:scene3d>
+      <a:camera prst="orthographicFront"/>
+      <a:lightRig rig="threePt" dir="t"/>
+    </dgm:scene3d>
+    <dgm:sp3d/>
+    <dgm:txPr/>
+    <dgm:style>
+      <a:lnRef idx="0">
+        <a:scrgbClr r="0" g="0" b="0"/>
+      </a:lnRef>
+      <a:fillRef idx="3">
+        <a:scrgbClr r="0" g="0" b="0"/>
+      </a:fillRef>
+      <a:effectRef idx="2">
+        <a:scrgbClr r="0" g="0" b="0"/>
+      </a:effectRef>
+      <a:fontRef idx="minor"/>
+    </dgm:style>
+  </dgm:styleLbl>
+  <dgm:styleLbl name="revTx">
+    <dgm:scene3d>
+      <a:camera prst="orthographicFront"/>
+      <a:lightRig rig="threePt" dir="t"/>
+    </dgm:scene3d>
+    <dgm:sp3d/>
+    <dgm:txPr/>
+    <dgm:style>
+      <a:lnRef idx="0">
+        <a:scrgbClr r="0" g="0" b="0"/>
+      </a:lnRef>
+      <a:fillRef idx="0">
+        <a:scrgbClr r="0" g="0" b="0"/>
+      </a:fillRef>
+      <a:effectRef idx="0">
+        <a:scrgbClr r="0" g="0" b="0"/>
+      </a:effectRef>
+      <a:fontRef idx="minor"/>
+    </dgm:style>
+  </dgm:styleLbl>
+</dgm:styleDef>
+</file>
+
+<file path=ppt/diagrams/quickStyle4.xml><?xml version="1.0" encoding="utf-8"?>
 <dgm:styleDef xmlns:dgm="http://schemas.openxmlformats.org/drawingml/2006/diagram" xmlns:a="http://schemas.openxmlformats.org/drawingml/2006/main" uniqueId="urn:microsoft.com/office/officeart/2005/8/quickstyle/simple4">
   <dgm:title val=""/>
   <dgm:desc val=""/>
@@ -9779,7 +12920,7 @@
             <a:pPr rtl="0"/>
             <a:fld id="{C62B80FE-187A-4085-BD71-F0873FF7BD68}" type="datetime1">
               <a:rPr lang="es-ES" smtClean="0"/>
-              <a:t>14/12/2022</a:t>
+              <a:t>15/12/2022</a:t>
             </a:fld>
             <a:endParaRPr lang="es-ES"/>
           </a:p>
@@ -9961,7 +13102,7 @@
             <a:pPr rtl="0"/>
             <a:fld id="{6D59A2BD-4571-4110-BB3E-5D004DE434FA}" type="datetime1">
               <a:rPr lang="es-ES" noProof="0" smtClean="0"/>
-              <a:t>14/12/2022</a:t>
+              <a:t>15/12/2022</a:t>
             </a:fld>
             <a:endParaRPr lang="es-ES" noProof="0"/>
           </a:p>
@@ -10652,6 +13793,92 @@
     </p:spTree>
     <p:extLst>
       <p:ext uri="{BB962C8B-B14F-4D97-AF65-F5344CB8AC3E}">
+        <p14:creationId xmlns:p14="http://schemas.microsoft.com/office/powerpoint/2010/main" val="1323443024"/>
+      </p:ext>
+    </p:extLst>
+  </p:cSld>
+  <p:clrMapOvr>
+    <a:masterClrMapping/>
+  </p:clrMapOvr>
+</p:notes>
+</file>
+
+<file path=ppt/notesSlides/notesSlide6.xml><?xml version="1.0" encoding="utf-8"?>
+<p:notes xmlns:a="http://schemas.openxmlformats.org/drawingml/2006/main" xmlns:r="http://schemas.openxmlformats.org/officeDocument/2006/relationships" xmlns:p="http://schemas.openxmlformats.org/presentationml/2006/main">
+  <p:cSld>
+    <p:spTree>
+      <p:nvGrpSpPr>
+        <p:cNvPr id="1" name=""/>
+        <p:cNvGrpSpPr/>
+        <p:nvPr/>
+      </p:nvGrpSpPr>
+      <p:grpSpPr>
+        <a:xfrm>
+          <a:off x="0" y="0"/>
+          <a:ext cx="0" cy="0"/>
+          <a:chOff x="0" y="0"/>
+          <a:chExt cx="0" cy="0"/>
+        </a:xfrm>
+      </p:grpSpPr>
+      <p:sp>
+        <p:nvSpPr>
+          <p:cNvPr id="2" name="Marcador de imagen de diapositiva 1"/>
+          <p:cNvSpPr>
+            <a:spLocks noGrp="1" noRot="1" noChangeAspect="1"/>
+          </p:cNvSpPr>
+          <p:nvPr>
+            <p:ph type="sldImg"/>
+          </p:nvPr>
+        </p:nvSpPr>
+        <p:spPr/>
+      </p:sp>
+      <p:sp>
+        <p:nvSpPr>
+          <p:cNvPr id="3" name="Marcador de notas 2"/>
+          <p:cNvSpPr>
+            <a:spLocks noGrp="1"/>
+          </p:cNvSpPr>
+          <p:nvPr>
+            <p:ph type="body" idx="1"/>
+          </p:nvPr>
+        </p:nvSpPr>
+        <p:spPr/>
+        <p:txBody>
+          <a:bodyPr rtlCol="0"/>
+          <a:lstStyle/>
+          <a:p>
+            <a:pPr rtl="0"/>
+            <a:endParaRPr lang="es-ES"/>
+          </a:p>
+        </p:txBody>
+      </p:sp>
+      <p:sp>
+        <p:nvSpPr>
+          <p:cNvPr id="4" name="Marcador de número de diapositiva 3"/>
+          <p:cNvSpPr>
+            <a:spLocks noGrp="1"/>
+          </p:cNvSpPr>
+          <p:nvPr>
+            <p:ph type="sldNum" sz="quarter" idx="5"/>
+          </p:nvPr>
+        </p:nvSpPr>
+        <p:spPr/>
+        <p:txBody>
+          <a:bodyPr rtlCol="0"/>
+          <a:lstStyle/>
+          <a:p>
+            <a:pPr rtl="0"/>
+            <a:fld id="{C6B3AB32-59DF-41F1-9618-EDFBF5049629}" type="slidenum">
+              <a:rPr lang="es-ES" smtClean="0"/>
+              <a:t>6</a:t>
+            </a:fld>
+            <a:endParaRPr lang="es-ES"/>
+          </a:p>
+        </p:txBody>
+      </p:sp>
+    </p:spTree>
+    <p:extLst>
+      <p:ext uri="{BB962C8B-B14F-4D97-AF65-F5344CB8AC3E}">
         <p14:creationId xmlns:p14="http://schemas.microsoft.com/office/powerpoint/2010/main" val="1046714131"/>
       </p:ext>
     </p:extLst>
@@ -10908,7 +14135,7 @@
             <a:pPr rtl="0"/>
             <a:fld id="{F409C0D2-15DE-4FAC-845B-C48979FFAEB9}" type="datetime1">
               <a:rPr lang="es-ES" noProof="0" smtClean="0"/>
-              <a:t>14/12/2022</a:t>
+              <a:t>15/12/2022</a:t>
             </a:fld>
             <a:endParaRPr lang="es-ES" noProof="0"/>
           </a:p>
@@ -11173,7 +14400,7 @@
             <a:pPr rtl="0"/>
             <a:fld id="{8CF9F163-DD03-4353-882E-CE0F9A80F1C3}" type="datetime1">
               <a:rPr lang="es-ES" noProof="0" smtClean="0"/>
-              <a:t>14/12/2022</a:t>
+              <a:t>15/12/2022</a:t>
             </a:fld>
             <a:endParaRPr lang="es-ES" noProof="0"/>
           </a:p>
@@ -11411,7 +14638,7 @@
             <a:pPr rtl="0"/>
             <a:fld id="{8D2FF54C-EA2F-453C-857C-5C9ADB86CB43}" type="datetime1">
               <a:rPr lang="es-ES" noProof="0" smtClean="0"/>
-              <a:t>14/12/2022</a:t>
+              <a:t>15/12/2022</a:t>
             </a:fld>
             <a:endParaRPr lang="es-ES" noProof="0"/>
           </a:p>
@@ -11654,7 +14881,7 @@
             <a:pPr rtl="0"/>
             <a:fld id="{57670FF6-52DC-429F-9C56-6A1BF295232E}" type="datetime1">
               <a:rPr lang="es-ES" noProof="0" smtClean="0"/>
-              <a:t>14/12/2022</a:t>
+              <a:t>15/12/2022</a:t>
             </a:fld>
             <a:endParaRPr lang="es-ES" noProof="0"/>
           </a:p>
@@ -11965,7 +15192,7 @@
             <a:pPr rtl="0"/>
             <a:fld id="{85E27922-51B6-4B96-9C28-2CD2060AE75A}" type="datetime1">
               <a:rPr lang="es-ES" noProof="0" smtClean="0"/>
-              <a:t>14/12/2022</a:t>
+              <a:t>15/12/2022</a:t>
             </a:fld>
             <a:endParaRPr lang="es-ES" noProof="0"/>
           </a:p>
@@ -12269,7 +15496,7 @@
             <a:pPr rtl="0"/>
             <a:fld id="{F3ECF5D1-1C98-40FD-9D65-EED7644802B9}" type="datetime1">
               <a:rPr lang="es-ES" noProof="0" smtClean="0"/>
-              <a:t>14/12/2022</a:t>
+              <a:t>15/12/2022</a:t>
             </a:fld>
             <a:endParaRPr lang="es-ES" noProof="0"/>
           </a:p>
@@ -12693,7 +15920,7 @@
             <a:pPr rtl="0"/>
             <a:fld id="{8556C746-EB55-4634-AD93-A9FF2473885C}" type="datetime1">
               <a:rPr lang="es-ES" noProof="0" smtClean="0"/>
-              <a:t>14/12/2022</a:t>
+              <a:t>15/12/2022</a:t>
             </a:fld>
             <a:endParaRPr lang="es-ES" noProof="0"/>
           </a:p>
@@ -12792,7 +16019,7 @@
             <a:pPr rtl="0"/>
             <a:fld id="{C9051F13-F75A-440F-BED7-E2004746A95F}" type="datetime1">
               <a:rPr lang="es-ES" noProof="0" smtClean="0"/>
-              <a:t>14/12/2022</a:t>
+              <a:t>15/12/2022</a:t>
             </a:fld>
             <a:endParaRPr lang="es-ES" noProof="0"/>
           </a:p>
@@ -12958,7 +16185,7 @@
             <a:pPr rtl="0"/>
             <a:fld id="{3D7A2E7D-666A-420B-9042-959E1D47E21D}" type="datetime1">
               <a:rPr lang="es-ES" noProof="0" smtClean="0"/>
-              <a:t>14/12/2022</a:t>
+              <a:t>15/12/2022</a:t>
             </a:fld>
             <a:endParaRPr lang="es-ES" noProof="0"/>
           </a:p>
@@ -13339,7 +16566,7 @@
             <a:pPr rtl="0"/>
             <a:fld id="{0403F12F-0E67-4CAB-8DFD-26DCD4A99D59}" type="datetime1">
               <a:rPr lang="es-ES" noProof="0" smtClean="0"/>
-              <a:t>14/12/2022</a:t>
+              <a:t>15/12/2022</a:t>
             </a:fld>
             <a:endParaRPr lang="es-ES" noProof="0"/>
           </a:p>
@@ -13632,7 +16859,7 @@
             <a:pPr rtl="0"/>
             <a:fld id="{9709DA8C-1A59-4B91-B9EA-509377CD0E23}" type="datetime1">
               <a:rPr lang="es-ES" noProof="0" smtClean="0"/>
-              <a:t>14/12/2022</a:t>
+              <a:t>15/12/2022</a:t>
             </a:fld>
             <a:endParaRPr lang="es-ES" noProof="0"/>
           </a:p>
@@ -13846,7 +17073,7 @@
             <a:pPr rtl="0"/>
             <a:fld id="{A3DF7BF2-42BB-439B-88AA-F60334FF1291}" type="datetime1">
               <a:rPr lang="es-ES" noProof="0" smtClean="0"/>
-              <a:t>14/12/2022</a:t>
+              <a:t>15/12/2022</a:t>
             </a:fld>
             <a:endParaRPr lang="es-ES" noProof="0"/>
           </a:p>
@@ -15977,6 +19204,434 @@
       </p:grpSpPr>
       <p:sp useBgFill="1">
         <p:nvSpPr>
+          <p:cNvPr id="13" name="Rectángulo 12">
+            <a:extLst>
+              <a:ext uri="{FF2B5EF4-FFF2-40B4-BE49-F238E27FC236}">
+                <a16:creationId xmlns:a16="http://schemas.microsoft.com/office/drawing/2014/main" id="{4AE9D071-98CF-435C-BD2B-976514544DC5}"/>
+              </a:ext>
+              <a:ext uri="{C183D7F6-B498-43B3-948B-1728B52AA6E4}">
+                <adec:decorative xmlns:adec="http://schemas.microsoft.com/office/drawing/2017/decorative" val="1"/>
+              </a:ext>
+            </a:extLst>
+          </p:cNvPr>
+          <p:cNvSpPr>
+            <a:spLocks noGrp="1" noRot="1" noChangeAspect="1" noMove="1" noResize="1" noEditPoints="1" noAdjustHandles="1" noChangeArrowheads="1" noChangeShapeType="1" noTextEdit="1"/>
+          </p:cNvSpPr>
+          <p:nvPr>
+            <p:extLst>
+              <p:ext uri="{386F3935-93C4-4BCD-93E2-E3B085C9AB24}">
+                <p16:designElem xmlns:p16="http://schemas.microsoft.com/office/powerpoint/2015/main" val="1"/>
+              </p:ext>
+            </p:extLst>
+          </p:nvPr>
+        </p:nvSpPr>
+        <p:spPr>
+          <a:xfrm>
+            <a:off x="0" y="0"/>
+            <a:ext cx="12192000" cy="6858000"/>
+          </a:xfrm>
+          <a:prstGeom prst="rect">
+            <a:avLst/>
+          </a:prstGeom>
+          <a:ln>
+            <a:noFill/>
+          </a:ln>
+        </p:spPr>
+        <p:style>
+          <a:lnRef idx="2">
+            <a:schemeClr val="accent1">
+              <a:shade val="50000"/>
+            </a:schemeClr>
+          </a:lnRef>
+          <a:fillRef idx="1">
+            <a:schemeClr val="accent1"/>
+          </a:fillRef>
+          <a:effectRef idx="0">
+            <a:schemeClr val="accent1"/>
+          </a:effectRef>
+          <a:fontRef idx="minor">
+            <a:schemeClr val="lt1"/>
+          </a:fontRef>
+        </p:style>
+        <p:txBody>
+          <a:bodyPr rtlCol="0" anchor="ctr"/>
+          <a:lstStyle/>
+          <a:p>
+            <a:pPr algn="ctr" rtl="0"/>
+            <a:endParaRPr lang="en-US" dirty="0"/>
+          </a:p>
+        </p:txBody>
+      </p:sp>
+      <p:pic>
+        <p:nvPicPr>
+          <p:cNvPr id="8" name="Marcador de contenido 4" descr="Números digitales">
+            <a:extLst>
+              <a:ext uri="{FF2B5EF4-FFF2-40B4-BE49-F238E27FC236}">
+                <a16:creationId xmlns:a16="http://schemas.microsoft.com/office/drawing/2014/main" id="{EA70616B-E344-4856-8DF9-707C26236613}"/>
+              </a:ext>
+            </a:extLst>
+          </p:cNvPr>
+          <p:cNvPicPr>
+            <a:picLocks noChangeAspect="1"/>
+          </p:cNvPicPr>
+          <p:nvPr/>
+        </p:nvPicPr>
+        <p:blipFill rotWithShape="1">
+          <a:blip r:embed="rId3" cstate="screen">
+            <a:extLst>
+              <a:ext uri="{28A0092B-C50C-407E-A947-70E740481C1C}">
+                <a14:useLocalDpi xmlns:a14="http://schemas.microsoft.com/office/drawing/2010/main"/>
+              </a:ext>
+            </a:extLst>
+          </a:blip>
+          <a:srcRect t="10681" r="9091" b="12711"/>
+          <a:stretch/>
+        </p:blipFill>
+        <p:spPr>
+          <a:xfrm>
+            <a:off x="20" y="10"/>
+            <a:ext cx="12191980" cy="6857990"/>
+          </a:xfrm>
+          <a:prstGeom prst="rect">
+            <a:avLst/>
+          </a:prstGeom>
+        </p:spPr>
+      </p:pic>
+      <p:grpSp>
+        <p:nvGrpSpPr>
+          <p:cNvPr id="15" name="Grupo 14">
+            <a:extLst>
+              <a:ext uri="{FF2B5EF4-FFF2-40B4-BE49-F238E27FC236}">
+                <a16:creationId xmlns:a16="http://schemas.microsoft.com/office/drawing/2014/main" id="{D619FC33-16ED-4246-9596-BEFEB55E4CF6}"/>
+              </a:ext>
+              <a:ext uri="{C183D7F6-B498-43B3-948B-1728B52AA6E4}">
+                <adec:decorative xmlns:adec="http://schemas.microsoft.com/office/drawing/2017/decorative" val="1"/>
+              </a:ext>
+            </a:extLst>
+          </p:cNvPr>
+          <p:cNvGrpSpPr>
+            <a:grpSpLocks noGrp="1" noUngrp="1" noRot="1" noChangeAspect="1" noMove="1" noResize="1"/>
+          </p:cNvGrpSpPr>
+          <p:nvPr>
+            <p:extLst>
+              <p:ext uri="{386F3935-93C4-4BCD-93E2-E3B085C9AB24}">
+                <p16:designElem xmlns:p16="http://schemas.microsoft.com/office/powerpoint/2015/main" val="1"/>
+              </p:ext>
+            </p:extLst>
+          </p:nvPr>
+        </p:nvGrpSpPr>
+        <p:grpSpPr>
+          <a:xfrm>
+            <a:off x="438067" y="457200"/>
+            <a:ext cx="7507083" cy="5935132"/>
+            <a:chOff x="438067" y="457200"/>
+            <a:chExt cx="7507083" cy="5935132"/>
+          </a:xfrm>
+        </p:grpSpPr>
+        <p:sp>
+          <p:nvSpPr>
+            <p:cNvPr id="16" name="Rectángulo 15">
+              <a:extLst>
+                <a:ext uri="{FF2B5EF4-FFF2-40B4-BE49-F238E27FC236}">
+                  <a16:creationId xmlns:a16="http://schemas.microsoft.com/office/drawing/2014/main" id="{2EEA80E1-F99F-4009-837F-2F72F8A5D580}"/>
+                </a:ext>
+                <a:ext uri="{C183D7F6-B498-43B3-948B-1728B52AA6E4}">
+                  <adec:decorative xmlns:adec="http://schemas.microsoft.com/office/drawing/2017/decorative" val="1"/>
+                </a:ext>
+              </a:extLst>
+            </p:cNvPr>
+            <p:cNvSpPr/>
+            <p:nvPr>
+              <p:extLst>
+                <p:ext uri="{386F3935-93C4-4BCD-93E2-E3B085C9AB24}">
+                  <p16:designElem xmlns:p16="http://schemas.microsoft.com/office/powerpoint/2015/main" val="1"/>
+                </p:ext>
+              </p:extLst>
+            </p:nvPr>
+          </p:nvSpPr>
+          <p:spPr>
+            <a:xfrm>
+              <a:off x="438067" y="618067"/>
+              <a:ext cx="7503665" cy="5774265"/>
+            </a:xfrm>
+            <a:prstGeom prst="rect">
+              <a:avLst/>
+            </a:prstGeom>
+            <a:solidFill>
+              <a:schemeClr val="accent1">
+                <a:alpha val="97000"/>
+              </a:schemeClr>
+            </a:solidFill>
+            <a:ln w="6350" cmpd="sng">
+              <a:noFill/>
+            </a:ln>
+            <a:effectLst/>
+          </p:spPr>
+          <p:style>
+            <a:lnRef idx="1">
+              <a:schemeClr val="accent1"/>
+            </a:lnRef>
+            <a:fillRef idx="3">
+              <a:schemeClr val="accent1"/>
+            </a:fillRef>
+            <a:effectRef idx="2">
+              <a:schemeClr val="accent1"/>
+            </a:effectRef>
+            <a:fontRef idx="minor">
+              <a:schemeClr val="lt1"/>
+            </a:fontRef>
+          </p:style>
+        </p:sp>
+        <p:sp>
+          <p:nvSpPr>
+            <p:cNvPr id="17" name="Rectángulo 16">
+              <a:extLst>
+                <a:ext uri="{FF2B5EF4-FFF2-40B4-BE49-F238E27FC236}">
+                  <a16:creationId xmlns:a16="http://schemas.microsoft.com/office/drawing/2014/main" id="{0230AF9A-4641-4BD8-9F95-9607CD304039}"/>
+                </a:ext>
+                <a:ext uri="{C183D7F6-B498-43B3-948B-1728B52AA6E4}">
+                  <adec:decorative xmlns:adec="http://schemas.microsoft.com/office/drawing/2017/decorative" val="1"/>
+                </a:ext>
+              </a:extLst>
+            </p:cNvPr>
+            <p:cNvSpPr/>
+            <p:nvPr>
+              <p:extLst>
+                <p:ext uri="{386F3935-93C4-4BCD-93E2-E3B085C9AB24}">
+                  <p16:designElem xmlns:p16="http://schemas.microsoft.com/office/powerpoint/2015/main" val="1"/>
+                </p:ext>
+              </p:extLst>
+            </p:nvPr>
+          </p:nvSpPr>
+          <p:spPr>
+            <a:xfrm>
+              <a:off x="438068" y="457200"/>
+              <a:ext cx="3703320" cy="94997"/>
+            </a:xfrm>
+            <a:prstGeom prst="rect">
+              <a:avLst/>
+            </a:prstGeom>
+            <a:solidFill>
+              <a:schemeClr val="accent1"/>
+            </a:solidFill>
+            <a:ln>
+              <a:noFill/>
+            </a:ln>
+            <a:effectLst/>
+          </p:spPr>
+          <p:style>
+            <a:lnRef idx="1">
+              <a:schemeClr val="accent1"/>
+            </a:lnRef>
+            <a:fillRef idx="3">
+              <a:schemeClr val="accent1"/>
+            </a:fillRef>
+            <a:effectRef idx="2">
+              <a:schemeClr val="accent1"/>
+            </a:effectRef>
+            <a:fontRef idx="minor">
+              <a:schemeClr val="lt1"/>
+            </a:fontRef>
+          </p:style>
+        </p:sp>
+        <p:sp>
+          <p:nvSpPr>
+            <p:cNvPr id="18" name="Rectángulo 17">
+              <a:extLst>
+                <a:ext uri="{FF2B5EF4-FFF2-40B4-BE49-F238E27FC236}">
+                  <a16:creationId xmlns:a16="http://schemas.microsoft.com/office/drawing/2014/main" id="{8703D4EC-9389-41B6-B88B-B6FDC8CD3330}"/>
+                </a:ext>
+                <a:ext uri="{C183D7F6-B498-43B3-948B-1728B52AA6E4}">
+                  <adec:decorative xmlns:adec="http://schemas.microsoft.com/office/drawing/2017/decorative" val="1"/>
+                </a:ext>
+              </a:extLst>
+            </p:cNvPr>
+            <p:cNvSpPr/>
+            <p:nvPr>
+              <p:extLst>
+                <p:ext uri="{386F3935-93C4-4BCD-93E2-E3B085C9AB24}">
+                  <p16:designElem xmlns:p16="http://schemas.microsoft.com/office/powerpoint/2015/main" val="1"/>
+                </p:ext>
+              </p:extLst>
+            </p:nvPr>
+          </p:nvSpPr>
+          <p:spPr>
+            <a:xfrm>
+              <a:off x="4241830" y="457200"/>
+              <a:ext cx="3703320" cy="91440"/>
+            </a:xfrm>
+            <a:prstGeom prst="rect">
+              <a:avLst/>
+            </a:prstGeom>
+            <a:solidFill>
+              <a:schemeClr val="accent2"/>
+            </a:solidFill>
+            <a:ln>
+              <a:noFill/>
+            </a:ln>
+            <a:effectLst/>
+          </p:spPr>
+          <p:style>
+            <a:lnRef idx="1">
+              <a:schemeClr val="accent1"/>
+            </a:lnRef>
+            <a:fillRef idx="3">
+              <a:schemeClr val="accent1"/>
+            </a:fillRef>
+            <a:effectRef idx="2">
+              <a:schemeClr val="accent1"/>
+            </a:effectRef>
+            <a:fontRef idx="minor">
+              <a:schemeClr val="lt1"/>
+            </a:fontRef>
+          </p:style>
+        </p:sp>
+      </p:grpSp>
+      <p:sp>
+        <p:nvSpPr>
+          <p:cNvPr id="2" name="Título 1">
+            <a:extLst>
+              <a:ext uri="{FF2B5EF4-FFF2-40B4-BE49-F238E27FC236}">
+                <a16:creationId xmlns:a16="http://schemas.microsoft.com/office/drawing/2014/main" id="{7F2616EE-270D-4F4C-BA1F-2708D387B800}"/>
+              </a:ext>
+            </a:extLst>
+          </p:cNvPr>
+          <p:cNvSpPr>
+            <a:spLocks noGrp="1"/>
+          </p:cNvSpPr>
+          <p:nvPr>
+            <p:ph type="title"/>
+          </p:nvPr>
+        </p:nvSpPr>
+        <p:spPr>
+          <a:xfrm>
+            <a:off x="584200" y="1006956"/>
+            <a:ext cx="7213600" cy="1121871"/>
+          </a:xfrm>
+        </p:spPr>
+        <p:txBody>
+          <a:bodyPr rtlCol="0" anchor="ctr">
+            <a:normAutofit/>
+          </a:bodyPr>
+          <a:lstStyle/>
+          <a:p>
+            <a:pPr algn="ctr" rtl="0"/>
+            <a:r>
+              <a:rPr lang="es-ES" dirty="0"/>
+              <a:t>Link Al repositorio de </a:t>
+            </a:r>
+            <a:r>
+              <a:rPr lang="es-ES" dirty="0" err="1"/>
+              <a:t>gitHUb</a:t>
+            </a:r>
+            <a:endParaRPr lang="es-ES" dirty="0"/>
+          </a:p>
+        </p:txBody>
+      </p:sp>
+      <p:graphicFrame>
+        <p:nvGraphicFramePr>
+          <p:cNvPr id="6" name="Marcador de contenido 5" descr="SmartArt">
+            <a:extLst>
+              <a:ext uri="{FF2B5EF4-FFF2-40B4-BE49-F238E27FC236}">
+                <a16:creationId xmlns:a16="http://schemas.microsoft.com/office/drawing/2014/main" id="{BF629521-FFD2-45DA-9D1D-A5F09BD5A2D9}"/>
+              </a:ext>
+            </a:extLst>
+          </p:cNvPr>
+          <p:cNvGraphicFramePr>
+            <a:graphicFrameLocks noGrp="1"/>
+          </p:cNvGraphicFramePr>
+          <p:nvPr>
+            <p:ph idx="1"/>
+          </p:nvPr>
+        </p:nvGraphicFramePr>
+        <p:xfrm>
+          <a:off x="719571" y="2198254"/>
+          <a:ext cx="6854248" cy="3563938"/>
+        </p:xfrm>
+        <a:graphic>
+          <a:graphicData uri="http://schemas.openxmlformats.org/drawingml/2006/diagram">
+            <dgm:relIds xmlns:dgm="http://schemas.openxmlformats.org/drawingml/2006/diagram" xmlns:r="http://schemas.openxmlformats.org/officeDocument/2006/relationships" r:dm="rId4" r:lo="rId5" r:qs="rId6" r:cs="rId7"/>
+          </a:graphicData>
+        </a:graphic>
+      </p:graphicFrame>
+      <p:sp>
+        <p:nvSpPr>
+          <p:cNvPr id="3" name="CuadroTexto 2">
+            <a:extLst>
+              <a:ext uri="{FF2B5EF4-FFF2-40B4-BE49-F238E27FC236}">
+                <a16:creationId xmlns:a16="http://schemas.microsoft.com/office/drawing/2014/main" id="{BD2B0650-6109-8F9B-629E-DB99FA77D5DC}"/>
+              </a:ext>
+            </a:extLst>
+          </p:cNvPr>
+          <p:cNvSpPr txBox="1"/>
+          <p:nvPr/>
+        </p:nvSpPr>
+        <p:spPr>
+          <a:xfrm>
+            <a:off x="951722" y="2976465"/>
+            <a:ext cx="6456784" cy="1569660"/>
+          </a:xfrm>
+          <a:prstGeom prst="rect">
+            <a:avLst/>
+          </a:prstGeom>
+          <a:noFill/>
+        </p:spPr>
+        <p:txBody>
+          <a:bodyPr wrap="square" rtlCol="0">
+            <a:spAutoFit/>
+          </a:bodyPr>
+          <a:lstStyle/>
+          <a:p>
+            <a:r>
+              <a:rPr lang="es-ES" sz="3200" dirty="0">
+                <a:hlinkClick r:id="rId9"/>
+              </a:rPr>
+              <a:t>https://github.com/mariaduva/DI_22-23/tree/main/Proyecto_JavaFx_Oracle_AGP_MDV</a:t>
+            </a:r>
+            <a:endParaRPr lang="es-ES" sz="3200" dirty="0"/>
+          </a:p>
+        </p:txBody>
+      </p:sp>
+    </p:spTree>
+    <p:extLst>
+      <p:ext uri="{BB962C8B-B14F-4D97-AF65-F5344CB8AC3E}">
+        <p14:creationId xmlns:p14="http://schemas.microsoft.com/office/powerpoint/2010/main" val="1229190817"/>
+      </p:ext>
+    </p:extLst>
+  </p:cSld>
+  <p:clrMapOvr>
+    <a:masterClrMapping/>
+  </p:clrMapOvr>
+</p:sld>
+</file>
+
+<file path=ppt/slides/slide6.xml><?xml version="1.0" encoding="utf-8"?>
+<p:sld xmlns:a="http://schemas.openxmlformats.org/drawingml/2006/main" xmlns:r="http://schemas.openxmlformats.org/officeDocument/2006/relationships" xmlns:p="http://schemas.openxmlformats.org/presentationml/2006/main">
+  <p:cSld>
+    <p:bg>
+      <p:bgPr>
+        <a:solidFill>
+          <a:schemeClr val="bg1"/>
+        </a:solidFill>
+        <a:effectLst/>
+      </p:bgPr>
+    </p:bg>
+    <p:spTree>
+      <p:nvGrpSpPr>
+        <p:cNvPr id="1" name=""/>
+        <p:cNvGrpSpPr/>
+        <p:nvPr/>
+      </p:nvGrpSpPr>
+      <p:grpSpPr>
+        <a:xfrm>
+          <a:off x="0" y="0"/>
+          <a:ext cx="0" cy="0"/>
+          <a:chOff x="0" y="0"/>
+          <a:chExt cx="0" cy="0"/>
+        </a:xfrm>
+      </p:grpSpPr>
+      <p:sp useBgFill="1">
+        <p:nvSpPr>
           <p:cNvPr id="10" name="Rectángulo 9">
             <a:extLst>
               <a:ext uri="{FF2B5EF4-FFF2-40B4-BE49-F238E27FC236}">
